--- a/Mevalal_SAROJ_Profile.pptx
+++ b/Mevalal_SAROJ_Profile.pptx
@@ -119,7 +119,18 @@
   </p:defaultTextStyle>
   <p:extLst>
     <p:ext uri="{EFAFB233-063F-42B5-8137-9DF3F51BA10A}">
-      <p15:sldGuideLst xmlns:p15="http://schemas.microsoft.com/office/powerpoint/2012/main" xmlns=""/>
+      <p15:sldGuideLst xmlns:p15="http://schemas.microsoft.com/office/powerpoint/2012/main">
+        <p15:guide id="1" orient="horz" pos="2160">
+          <p15:clr>
+            <a:srgbClr val="A4A3A4"/>
+          </p15:clr>
+        </p15:guide>
+        <p15:guide id="2" pos="3840">
+          <p15:clr>
+            <a:srgbClr val="A4A3A4"/>
+          </p15:clr>
+        </p15:guide>
+      </p15:sldGuideLst>
     </p:ext>
   </p:extLst>
 </p:presentation>
@@ -3840,13 +3851,6 @@
         </dgm:presLayoutVars>
       </dgm:prSet>
       <dgm:spPr/>
-      <dgm:t>
-        <a:bodyPr/>
-        <a:lstStyle/>
-        <a:p>
-          <a:endParaRPr lang="en-IN"/>
-        </a:p>
-      </dgm:t>
     </dgm:pt>
     <dgm:pt modelId="{A6FAC4AB-E618-46B4-AF25-4623C56F7BED}" type="pres">
       <dgm:prSet presAssocID="{1D5B3370-2A27-436A-8C0C-4D4130AC5C79}" presName="compNode" presStyleCnt="0"/>
@@ -3866,7 +3870,7 @@
                 <a14:useLocalDpi xmlns:a14="http://schemas.microsoft.com/office/drawing/2010/main" val="0"/>
               </a:ext>
               <a:ext uri="{96DAC541-7B7A-43D3-8B79-37D633B846F1}">
-                <asvg:svgBlip xmlns:asvg="http://schemas.microsoft.com/office/drawing/2016/SVG/main" xmlns="" r:embed="rId2"/>
+                <asvg:svgBlip xmlns:asvg="http://schemas.microsoft.com/office/drawing/2016/SVG/main" r:embed="rId2"/>
               </a:ext>
             </a:extLst>
           </a:blip>
@@ -3878,13 +3882,6 @@
           <a:noFill/>
         </a:ln>
       </dgm:spPr>
-      <dgm:t>
-        <a:bodyPr/>
-        <a:lstStyle/>
-        <a:p>
-          <a:endParaRPr lang="en-IN"/>
-        </a:p>
-      </dgm:t>
       <dgm:extLst>
         <a:ext uri="{E40237B7-FDA0-4F09-8148-C483321AD2D9}">
           <dgm14:cNvPr xmlns:dgm14="http://schemas.microsoft.com/office/drawing/2010/diagram" id="0" name="" descr="Presentation with Bar Chart"/>
@@ -3903,13 +3900,6 @@
         </dgm:presLayoutVars>
       </dgm:prSet>
       <dgm:spPr/>
-      <dgm:t>
-        <a:bodyPr/>
-        <a:lstStyle/>
-        <a:p>
-          <a:endParaRPr lang="en-IN"/>
-        </a:p>
-      </dgm:t>
     </dgm:pt>
     <dgm:pt modelId="{8BF5802C-C4E3-495F-A591-3F64CAB865DB}" type="pres">
       <dgm:prSet presAssocID="{8B25B431-DBE5-4483-811C-D5C0F14B26BE}" presName="sibTrans" presStyleCnt="0"/>
@@ -3933,7 +3923,7 @@
                 <a14:useLocalDpi xmlns:a14="http://schemas.microsoft.com/office/drawing/2010/main" val="0"/>
               </a:ext>
               <a:ext uri="{96DAC541-7B7A-43D3-8B79-37D633B846F1}">
-                <asvg:svgBlip xmlns:asvg="http://schemas.microsoft.com/office/drawing/2016/SVG/main" xmlns="" r:embed="rId4"/>
+                <asvg:svgBlip xmlns:asvg="http://schemas.microsoft.com/office/drawing/2016/SVG/main" r:embed="rId4"/>
               </a:ext>
             </a:extLst>
           </a:blip>
@@ -3945,13 +3935,6 @@
           <a:noFill/>
         </a:ln>
       </dgm:spPr>
-      <dgm:t>
-        <a:bodyPr/>
-        <a:lstStyle/>
-        <a:p>
-          <a:endParaRPr lang="en-IN"/>
-        </a:p>
-      </dgm:t>
       <dgm:extLst>
         <a:ext uri="{E40237B7-FDA0-4F09-8148-C483321AD2D9}">
           <dgm14:cNvPr xmlns:dgm14="http://schemas.microsoft.com/office/drawing/2010/diagram" id="0" name="" descr="Person with Idea"/>
@@ -3970,13 +3953,6 @@
         </dgm:presLayoutVars>
       </dgm:prSet>
       <dgm:spPr/>
-      <dgm:t>
-        <a:bodyPr/>
-        <a:lstStyle/>
-        <a:p>
-          <a:endParaRPr lang="en-IN"/>
-        </a:p>
-      </dgm:t>
     </dgm:pt>
     <dgm:pt modelId="{11240E83-393F-46B6-996B-FDDCAA85EBE5}" type="pres">
       <dgm:prSet presAssocID="{21C32DE7-043F-4528-8245-8BDD5D10C4F1}" presName="sibTrans" presStyleCnt="0"/>
@@ -4000,7 +3976,7 @@
                 <a14:useLocalDpi xmlns:a14="http://schemas.microsoft.com/office/drawing/2010/main" val="0"/>
               </a:ext>
               <a:ext uri="{96DAC541-7B7A-43D3-8B79-37D633B846F1}">
-                <asvg:svgBlip xmlns:asvg="http://schemas.microsoft.com/office/drawing/2016/SVG/main" xmlns="" r:embed="rId6"/>
+                <asvg:svgBlip xmlns:asvg="http://schemas.microsoft.com/office/drawing/2016/SVG/main" r:embed="rId6"/>
               </a:ext>
             </a:extLst>
           </a:blip>
@@ -4012,13 +3988,6 @@
           <a:noFill/>
         </a:ln>
       </dgm:spPr>
-      <dgm:t>
-        <a:bodyPr/>
-        <a:lstStyle/>
-        <a:p>
-          <a:endParaRPr lang="en-IN"/>
-        </a:p>
-      </dgm:t>
       <dgm:extLst>
         <a:ext uri="{E40237B7-FDA0-4F09-8148-C483321AD2D9}">
           <dgm14:cNvPr xmlns:dgm14="http://schemas.microsoft.com/office/drawing/2010/diagram" id="0" name="" descr="Schoolhouse"/>
@@ -4037,13 +4006,6 @@
         </dgm:presLayoutVars>
       </dgm:prSet>
       <dgm:spPr/>
-      <dgm:t>
-        <a:bodyPr/>
-        <a:lstStyle/>
-        <a:p>
-          <a:endParaRPr lang="en-IN"/>
-        </a:p>
-      </dgm:t>
     </dgm:pt>
     <dgm:pt modelId="{B8C575CF-2E3D-42AE-A559-C34FE06B5684}" type="pres">
       <dgm:prSet presAssocID="{9328A5D0-99F7-4373-A351-552261395A04}" presName="sibTrans" presStyleCnt="0"/>
@@ -4067,7 +4029,7 @@
                 <a14:useLocalDpi xmlns:a14="http://schemas.microsoft.com/office/drawing/2010/main" val="0"/>
               </a:ext>
               <a:ext uri="{96DAC541-7B7A-43D3-8B79-37D633B846F1}">
-                <asvg:svgBlip xmlns:asvg="http://schemas.microsoft.com/office/drawing/2016/SVG/main" xmlns="" r:embed="rId8"/>
+                <asvg:svgBlip xmlns:asvg="http://schemas.microsoft.com/office/drawing/2016/SVG/main" r:embed="rId8"/>
               </a:ext>
             </a:extLst>
           </a:blip>
@@ -4079,13 +4041,6 @@
           <a:noFill/>
         </a:ln>
       </dgm:spPr>
-      <dgm:t>
-        <a:bodyPr/>
-        <a:lstStyle/>
-        <a:p>
-          <a:endParaRPr lang="en-IN"/>
-        </a:p>
-      </dgm:t>
       <dgm:extLst>
         <a:ext uri="{E40237B7-FDA0-4F09-8148-C483321AD2D9}">
           <dgm14:cNvPr xmlns:dgm14="http://schemas.microsoft.com/office/drawing/2010/diagram" id="0" name="" descr="Tools"/>
@@ -4104,13 +4059,6 @@
         </dgm:presLayoutVars>
       </dgm:prSet>
       <dgm:spPr/>
-      <dgm:t>
-        <a:bodyPr/>
-        <a:lstStyle/>
-        <a:p>
-          <a:endParaRPr lang="en-IN"/>
-        </a:p>
-      </dgm:t>
     </dgm:pt>
     <dgm:pt modelId="{FFE33E2F-2BAE-44F6-BC95-C1DDB6DA5A81}" type="pres">
       <dgm:prSet presAssocID="{D3CF1C48-0BE6-4A98-AE3E-F6528BA3ABFE}" presName="sibTrans" presStyleCnt="0"/>
@@ -4134,7 +4082,7 @@
                 <a14:useLocalDpi xmlns:a14="http://schemas.microsoft.com/office/drawing/2010/main" val="0"/>
               </a:ext>
               <a:ext uri="{96DAC541-7B7A-43D3-8B79-37D633B846F1}">
-                <asvg:svgBlip xmlns:asvg="http://schemas.microsoft.com/office/drawing/2016/SVG/main" xmlns="" r:embed="rId10"/>
+                <asvg:svgBlip xmlns:asvg="http://schemas.microsoft.com/office/drawing/2016/SVG/main" r:embed="rId10"/>
               </a:ext>
             </a:extLst>
           </a:blip>
@@ -4146,13 +4094,6 @@
           <a:noFill/>
         </a:ln>
       </dgm:spPr>
-      <dgm:t>
-        <a:bodyPr/>
-        <a:lstStyle/>
-        <a:p>
-          <a:endParaRPr lang="en-IN"/>
-        </a:p>
-      </dgm:t>
       <dgm:extLst>
         <a:ext uri="{E40237B7-FDA0-4F09-8148-C483321AD2D9}">
           <dgm14:cNvPr xmlns:dgm14="http://schemas.microsoft.com/office/drawing/2010/diagram" id="0" name="" descr="Diploma Roll"/>
@@ -4171,13 +4112,6 @@
         </dgm:presLayoutVars>
       </dgm:prSet>
       <dgm:spPr/>
-      <dgm:t>
-        <a:bodyPr/>
-        <a:lstStyle/>
-        <a:p>
-          <a:endParaRPr lang="en-IN"/>
-        </a:p>
-      </dgm:t>
     </dgm:pt>
     <dgm:pt modelId="{A5CC27FA-F242-4C83-B948-20869C823D07}" type="pres">
       <dgm:prSet presAssocID="{333E2113-3018-430A-9D10-DB2C483FA0E3}" presName="sibTrans" presStyleCnt="0"/>
@@ -4201,7 +4135,7 @@
                 <a14:useLocalDpi xmlns:a14="http://schemas.microsoft.com/office/drawing/2010/main" val="0"/>
               </a:ext>
               <a:ext uri="{96DAC541-7B7A-43D3-8B79-37D633B846F1}">
-                <asvg:svgBlip xmlns:asvg="http://schemas.microsoft.com/office/drawing/2016/SVG/main" xmlns="" r:embed="rId12"/>
+                <asvg:svgBlip xmlns:asvg="http://schemas.microsoft.com/office/drawing/2016/SVG/main" r:embed="rId12"/>
               </a:ext>
             </a:extLst>
           </a:blip>
@@ -4213,13 +4147,6 @@
           <a:noFill/>
         </a:ln>
       </dgm:spPr>
-      <dgm:t>
-        <a:bodyPr/>
-        <a:lstStyle/>
-        <a:p>
-          <a:endParaRPr lang="en-IN"/>
-        </a:p>
-      </dgm:t>
       <dgm:extLst>
         <a:ext uri="{E40237B7-FDA0-4F09-8148-C483321AD2D9}">
           <dgm14:cNvPr xmlns:dgm14="http://schemas.microsoft.com/office/drawing/2010/diagram" id="0" name="" descr="Checkmark"/>
@@ -4238,13 +4165,6 @@
         </dgm:presLayoutVars>
       </dgm:prSet>
       <dgm:spPr/>
-      <dgm:t>
-        <a:bodyPr/>
-        <a:lstStyle/>
-        <a:p>
-          <a:endParaRPr lang="en-IN"/>
-        </a:p>
-      </dgm:t>
     </dgm:pt>
     <dgm:pt modelId="{3EB03EE8-E8DF-43EA-BC8F-1554888CCBF7}" type="pres">
       <dgm:prSet presAssocID="{2F4CE62D-1237-4259-B36E-77525AE8E567}" presName="sibTrans" presStyleCnt="0"/>
@@ -4268,7 +4188,7 @@
                 <a14:useLocalDpi xmlns:a14="http://schemas.microsoft.com/office/drawing/2010/main" val="0"/>
               </a:ext>
               <a:ext uri="{96DAC541-7B7A-43D3-8B79-37D633B846F1}">
-                <asvg:svgBlip xmlns:asvg="http://schemas.microsoft.com/office/drawing/2016/SVG/main" xmlns="" r:embed="rId12"/>
+                <asvg:svgBlip xmlns:asvg="http://schemas.microsoft.com/office/drawing/2016/SVG/main" r:embed="rId12"/>
               </a:ext>
             </a:extLst>
           </a:blip>
@@ -4277,13 +4197,6 @@
           </a:stretch>
         </a:blipFill>
       </dgm:spPr>
-      <dgm:t>
-        <a:bodyPr/>
-        <a:lstStyle/>
-        <a:p>
-          <a:endParaRPr lang="en-IN"/>
-        </a:p>
-      </dgm:t>
       <dgm:extLst>
         <a:ext uri="{E40237B7-FDA0-4F09-8148-C483321AD2D9}">
           <dgm14:cNvPr xmlns:dgm14="http://schemas.microsoft.com/office/drawing/2010/diagram" id="0" name="" descr="Checkmark"/>
@@ -4302,13 +4215,6 @@
         </dgm:presLayoutVars>
       </dgm:prSet>
       <dgm:spPr/>
-      <dgm:t>
-        <a:bodyPr/>
-        <a:lstStyle/>
-        <a:p>
-          <a:endParaRPr lang="en-IN"/>
-        </a:p>
-      </dgm:t>
     </dgm:pt>
     <dgm:pt modelId="{9F87E2A6-0078-4DAA-AEDE-42826E1A3D47}" type="pres">
       <dgm:prSet presAssocID="{F35D95C6-B70C-4A50-84B5-7EA3A2081808}" presName="sibTrans" presStyleCnt="0"/>
@@ -4332,7 +4238,7 @@
                 <a14:useLocalDpi xmlns:a14="http://schemas.microsoft.com/office/drawing/2010/main" val="0"/>
               </a:ext>
               <a:ext uri="{96DAC541-7B7A-43D3-8B79-37D633B846F1}">
-                <asvg:svgBlip xmlns:asvg="http://schemas.microsoft.com/office/drawing/2016/SVG/main" xmlns="" r:embed="rId14"/>
+                <asvg:svgBlip xmlns:asvg="http://schemas.microsoft.com/office/drawing/2016/SVG/main" r:embed="rId14"/>
               </a:ext>
             </a:extLst>
           </a:blip>
@@ -4344,13 +4250,6 @@
           <a:noFill/>
         </a:ln>
       </dgm:spPr>
-      <dgm:t>
-        <a:bodyPr/>
-        <a:lstStyle/>
-        <a:p>
-          <a:endParaRPr lang="en-IN"/>
-        </a:p>
-      </dgm:t>
       <dgm:extLst>
         <a:ext uri="{E40237B7-FDA0-4F09-8148-C483321AD2D9}">
           <dgm14:cNvPr xmlns:dgm14="http://schemas.microsoft.com/office/drawing/2010/diagram" id="0" name="" descr="Eye"/>
@@ -4369,13 +4268,6 @@
         </dgm:presLayoutVars>
       </dgm:prSet>
       <dgm:spPr/>
-      <dgm:t>
-        <a:bodyPr/>
-        <a:lstStyle/>
-        <a:p>
-          <a:endParaRPr lang="en-IN"/>
-        </a:p>
-      </dgm:t>
     </dgm:pt>
     <dgm:pt modelId="{29A710F5-2398-477D-A218-F22757D949EB}" type="pres">
       <dgm:prSet presAssocID="{B1759F02-91C8-4C6D-85AE-69811AF281BC}" presName="sibTrans" presStyleCnt="0"/>
@@ -4399,7 +4291,7 @@
                 <a14:useLocalDpi xmlns:a14="http://schemas.microsoft.com/office/drawing/2010/main" val="0"/>
               </a:ext>
               <a:ext uri="{96DAC541-7B7A-43D3-8B79-37D633B846F1}">
-                <asvg:svgBlip xmlns:asvg="http://schemas.microsoft.com/office/drawing/2016/SVG/main" xmlns="" r:embed="rId16"/>
+                <asvg:svgBlip xmlns:asvg="http://schemas.microsoft.com/office/drawing/2016/SVG/main" r:embed="rId16"/>
               </a:ext>
             </a:extLst>
           </a:blip>
@@ -4411,13 +4303,6 @@
           <a:noFill/>
         </a:ln>
       </dgm:spPr>
-      <dgm:t>
-        <a:bodyPr/>
-        <a:lstStyle/>
-        <a:p>
-          <a:endParaRPr lang="en-IN"/>
-        </a:p>
-      </dgm:t>
       <dgm:extLst>
         <a:ext uri="{E40237B7-FDA0-4F09-8148-C483321AD2D9}">
           <dgm14:cNvPr xmlns:dgm14="http://schemas.microsoft.com/office/drawing/2010/diagram" id="0" name="" descr="Books"/>
@@ -4436,35 +4321,28 @@
         </dgm:presLayoutVars>
       </dgm:prSet>
       <dgm:spPr/>
-      <dgm:t>
-        <a:bodyPr/>
-        <a:lstStyle/>
-        <a:p>
-          <a:endParaRPr lang="en-IN"/>
-        </a:p>
-      </dgm:t>
     </dgm:pt>
   </dgm:ptLst>
   <dgm:cxnLst>
     <dgm:cxn modelId="{42F22200-D183-4980-A6DF-3371DB5B8BBB}" srcId="{EBCE795F-E568-4FA9-8725-253524499EC6}" destId="{30C73817-431C-415C-920B-8C5516A0FB98}" srcOrd="4" destOrd="0" parTransId="{E34642D9-B8FA-4D8A-8A69-0CAAF209D0DB}" sibTransId="{333E2113-3018-430A-9D10-DB2C483FA0E3}"/>
-    <dgm:cxn modelId="{4818ECF0-A76C-4399-983B-3C5EE5ABF97A}" type="presOf" srcId="{6FBF7134-C817-4ADC-9B2E-372DD34E159D}" destId="{1738919D-79D7-419F-861B-9F3D5CF7F28E}" srcOrd="0" destOrd="0" presId="urn:microsoft.com/office/officeart/2018/2/layout/IconVerticalSolidList"/>
-    <dgm:cxn modelId="{E24514C4-6C48-4D66-AD04-F5A9628D4F7C}" srcId="{EBCE795F-E568-4FA9-8725-253524499EC6}" destId="{33529A78-3F34-445F-96F7-7E53EC1A5907}" srcOrd="3" destOrd="0" parTransId="{A807F91E-F3B5-408D-B2FF-21696607BA4D}" sibTransId="{D3CF1C48-0BE6-4A98-AE3E-F6528BA3ABFE}"/>
+    <dgm:cxn modelId="{4CC45136-0147-49C0-9E21-52A82B4E0640}" srcId="{EBCE795F-E568-4FA9-8725-253524499EC6}" destId="{1D5B3370-2A27-436A-8C0C-4D4130AC5C79}" srcOrd="0" destOrd="0" parTransId="{7B6617AC-5341-439A-AF65-764EE3F45B2D}" sibTransId="{8B25B431-DBE5-4483-811C-D5C0F14B26BE}"/>
+    <dgm:cxn modelId="{D9E1933B-A337-46B9-9D48-F6E8BAA576CF}" type="presOf" srcId="{EBCE795F-E568-4FA9-8725-253524499EC6}" destId="{A2E2952E-2BA8-4E8B-9DFA-A5920886AE35}" srcOrd="0" destOrd="0" presId="urn:microsoft.com/office/officeart/2018/2/layout/IconVerticalSolidList"/>
+    <dgm:cxn modelId="{7116B366-5A98-4520-B08A-6A625A019D38}" type="presOf" srcId="{D4D127F8-9861-465C-A8B4-4E5686FFDE69}" destId="{81498BC6-1910-469C-BCB6-982DC0994B86}" srcOrd="0" destOrd="0" presId="urn:microsoft.com/office/officeart/2018/2/layout/IconVerticalSolidList"/>
     <dgm:cxn modelId="{1B4ADF4A-51CC-4A06-B551-E1B0FC532424}" srcId="{EBCE795F-E568-4FA9-8725-253524499EC6}" destId="{4FDF7940-E796-4A5C-B39F-99DA615BE71A}" srcOrd="8" destOrd="0" parTransId="{0CFC63AB-ACE9-4F73-A23D-79C04C1714B6}" sibTransId="{AE8C4A9D-764A-4C76-9868-D51587D49BC0}"/>
     <dgm:cxn modelId="{E631426B-BC7F-4A49-B005-2172427B79C1}" type="presOf" srcId="{4FDF7940-E796-4A5C-B39F-99DA615BE71A}" destId="{D06B42D7-D964-44B7-A433-9FEB420165C9}" srcOrd="0" destOrd="0" presId="urn:microsoft.com/office/officeart/2018/2/layout/IconVerticalSolidList"/>
+    <dgm:cxn modelId="{83864681-562F-4377-ADAE-B0B6C22F80FB}" type="presOf" srcId="{30C73817-431C-415C-920B-8C5516A0FB98}" destId="{6C0E7BAF-41FF-4C02-A413-FE5221002519}" srcOrd="0" destOrd="0" presId="urn:microsoft.com/office/officeart/2018/2/layout/IconVerticalSolidList"/>
+    <dgm:cxn modelId="{A3690882-05CD-4071-9B8F-6BB7EB07C17F}" type="presOf" srcId="{DFE9DA51-2AA0-4457-82EF-5F9DA0A3949E}" destId="{45BD2749-4DEC-491F-91B5-49BEA9725615}" srcOrd="0" destOrd="0" presId="urn:microsoft.com/office/officeart/2018/2/layout/IconVerticalSolidList"/>
+    <dgm:cxn modelId="{B381F59F-ADD3-4103-9732-5915496D782E}" srcId="{EBCE795F-E568-4FA9-8725-253524499EC6}" destId="{DFE9DA51-2AA0-4457-82EF-5F9DA0A3949E}" srcOrd="6" destOrd="0" parTransId="{D2DB699A-852A-4AE5-A8F0-B374D2D96C33}" sibTransId="{F35D95C6-B70C-4A50-84B5-7EA3A2081808}"/>
+    <dgm:cxn modelId="{501976A2-52F7-4C90-BA76-48D1DAFB96BA}" srcId="{EBCE795F-E568-4FA9-8725-253524499EC6}" destId="{0CD4826F-C0A6-4069-B850-AA529226DD85}" srcOrd="7" destOrd="0" parTransId="{04875DB6-BA86-4153-8594-AF2B3FABBC2F}" sibTransId="{B1759F02-91C8-4C6D-85AE-69811AF281BC}"/>
+    <dgm:cxn modelId="{E24514C4-6C48-4D66-AD04-F5A9628D4F7C}" srcId="{EBCE795F-E568-4FA9-8725-253524499EC6}" destId="{33529A78-3F34-445F-96F7-7E53EC1A5907}" srcOrd="3" destOrd="0" parTransId="{A807F91E-F3B5-408D-B2FF-21696607BA4D}" sibTransId="{D3CF1C48-0BE6-4A98-AE3E-F6528BA3ABFE}"/>
+    <dgm:cxn modelId="{8011AFC8-777C-4A5A-BEDA-B914ABFA1358}" type="presOf" srcId="{33529A78-3F34-445F-96F7-7E53EC1A5907}" destId="{1CBD392F-587A-45DC-92D8-83115AE068D7}" srcOrd="0" destOrd="0" presId="urn:microsoft.com/office/officeart/2018/2/layout/IconVerticalSolidList"/>
+    <dgm:cxn modelId="{486051CE-3479-4A19-BDCE-F590FFF4AE26}" srcId="{EBCE795F-E568-4FA9-8725-253524499EC6}" destId="{D4D127F8-9861-465C-A8B4-4E5686FFDE69}" srcOrd="2" destOrd="0" parTransId="{230E5131-01A6-4459-9E87-B218B738E6FC}" sibTransId="{9328A5D0-99F7-4373-A351-552261395A04}"/>
     <dgm:cxn modelId="{21B393DF-E746-4C57-9A44-764A41EA1A65}" type="presOf" srcId="{1D5B3370-2A27-436A-8C0C-4D4130AC5C79}" destId="{7C3519A4-C292-4B47-BD73-C9256CC2FB57}" srcOrd="0" destOrd="0" presId="urn:microsoft.com/office/officeart/2018/2/layout/IconVerticalSolidList"/>
-    <dgm:cxn modelId="{7116B366-5A98-4520-B08A-6A625A019D38}" type="presOf" srcId="{D4D127F8-9861-465C-A8B4-4E5686FFDE69}" destId="{81498BC6-1910-469C-BCB6-982DC0994B86}" srcOrd="0" destOrd="0" presId="urn:microsoft.com/office/officeart/2018/2/layout/IconVerticalSolidList"/>
     <dgm:cxn modelId="{906F4AEB-4B92-497D-8055-A3864EA40CF9}" type="presOf" srcId="{656D6976-E74C-4AAF-9225-E7FED3AB46D7}" destId="{89BBB2F6-E97A-4536-99E5-6ED6094C18B5}" srcOrd="0" destOrd="0" presId="urn:microsoft.com/office/officeart/2018/2/layout/IconVerticalSolidList"/>
-    <dgm:cxn modelId="{A3690882-05CD-4071-9B8F-6BB7EB07C17F}" type="presOf" srcId="{DFE9DA51-2AA0-4457-82EF-5F9DA0A3949E}" destId="{45BD2749-4DEC-491F-91B5-49BEA9725615}" srcOrd="0" destOrd="0" presId="urn:microsoft.com/office/officeart/2018/2/layout/IconVerticalSolidList"/>
-    <dgm:cxn modelId="{8011AFC8-777C-4A5A-BEDA-B914ABFA1358}" type="presOf" srcId="{33529A78-3F34-445F-96F7-7E53EC1A5907}" destId="{1CBD392F-587A-45DC-92D8-83115AE068D7}" srcOrd="0" destOrd="0" presId="urn:microsoft.com/office/officeart/2018/2/layout/IconVerticalSolidList"/>
+    <dgm:cxn modelId="{F8C8DAEF-C106-46D5-84D8-4A4CC12B6668}" srcId="{EBCE795F-E568-4FA9-8725-253524499EC6}" destId="{6FBF7134-C817-4ADC-9B2E-372DD34E159D}" srcOrd="1" destOrd="0" parTransId="{2EE08ED6-3536-476C-83DE-3CAC21855AA6}" sibTransId="{21C32DE7-043F-4528-8245-8BDD5D10C4F1}"/>
+    <dgm:cxn modelId="{4818ECF0-A76C-4399-983B-3C5EE5ABF97A}" type="presOf" srcId="{6FBF7134-C817-4ADC-9B2E-372DD34E159D}" destId="{1738919D-79D7-419F-861B-9F3D5CF7F28E}" srcOrd="0" destOrd="0" presId="urn:microsoft.com/office/officeart/2018/2/layout/IconVerticalSolidList"/>
     <dgm:cxn modelId="{FAF214F2-BAE6-4BD9-91E6-BC907F3C22A3}" type="presOf" srcId="{0CD4826F-C0A6-4069-B850-AA529226DD85}" destId="{04FD5136-2046-43B0-A29E-7E87A189BC9F}" srcOrd="0" destOrd="0" presId="urn:microsoft.com/office/officeart/2018/2/layout/IconVerticalSolidList"/>
-    <dgm:cxn modelId="{83864681-562F-4377-ADAE-B0B6C22F80FB}" type="presOf" srcId="{30C73817-431C-415C-920B-8C5516A0FB98}" destId="{6C0E7BAF-41FF-4C02-A413-FE5221002519}" srcOrd="0" destOrd="0" presId="urn:microsoft.com/office/officeart/2018/2/layout/IconVerticalSolidList"/>
     <dgm:cxn modelId="{3F2BB4F6-BFB8-4277-B0B2-55910B53417F}" srcId="{EBCE795F-E568-4FA9-8725-253524499EC6}" destId="{656D6976-E74C-4AAF-9225-E7FED3AB46D7}" srcOrd="5" destOrd="0" parTransId="{7891864C-B6B3-44AA-B422-3B5C95CBF424}" sibTransId="{2F4CE62D-1237-4259-B36E-77525AE8E567}"/>
-    <dgm:cxn modelId="{4CC45136-0147-49C0-9E21-52A82B4E0640}" srcId="{EBCE795F-E568-4FA9-8725-253524499EC6}" destId="{1D5B3370-2A27-436A-8C0C-4D4130AC5C79}" srcOrd="0" destOrd="0" parTransId="{7B6617AC-5341-439A-AF65-764EE3F45B2D}" sibTransId="{8B25B431-DBE5-4483-811C-D5C0F14B26BE}"/>
-    <dgm:cxn modelId="{D9E1933B-A337-46B9-9D48-F6E8BAA576CF}" type="presOf" srcId="{EBCE795F-E568-4FA9-8725-253524499EC6}" destId="{A2E2952E-2BA8-4E8B-9DFA-A5920886AE35}" srcOrd="0" destOrd="0" presId="urn:microsoft.com/office/officeart/2018/2/layout/IconVerticalSolidList"/>
-    <dgm:cxn modelId="{501976A2-52F7-4C90-BA76-48D1DAFB96BA}" srcId="{EBCE795F-E568-4FA9-8725-253524499EC6}" destId="{0CD4826F-C0A6-4069-B850-AA529226DD85}" srcOrd="7" destOrd="0" parTransId="{04875DB6-BA86-4153-8594-AF2B3FABBC2F}" sibTransId="{B1759F02-91C8-4C6D-85AE-69811AF281BC}"/>
-    <dgm:cxn modelId="{B381F59F-ADD3-4103-9732-5915496D782E}" srcId="{EBCE795F-E568-4FA9-8725-253524499EC6}" destId="{DFE9DA51-2AA0-4457-82EF-5F9DA0A3949E}" srcOrd="6" destOrd="0" parTransId="{D2DB699A-852A-4AE5-A8F0-B374D2D96C33}" sibTransId="{F35D95C6-B70C-4A50-84B5-7EA3A2081808}"/>
-    <dgm:cxn modelId="{F8C8DAEF-C106-46D5-84D8-4A4CC12B6668}" srcId="{EBCE795F-E568-4FA9-8725-253524499EC6}" destId="{6FBF7134-C817-4ADC-9B2E-372DD34E159D}" srcOrd="1" destOrd="0" parTransId="{2EE08ED6-3536-476C-83DE-3CAC21855AA6}" sibTransId="{21C32DE7-043F-4528-8245-8BDD5D10C4F1}"/>
-    <dgm:cxn modelId="{486051CE-3479-4A19-BDCE-F590FFF4AE26}" srcId="{EBCE795F-E568-4FA9-8725-253524499EC6}" destId="{D4D127F8-9861-465C-A8B4-4E5686FFDE69}" srcOrd="2" destOrd="0" parTransId="{230E5131-01A6-4459-9E87-B218B738E6FC}" sibTransId="{9328A5D0-99F7-4373-A351-552261395A04}"/>
     <dgm:cxn modelId="{0C39AC91-DE8F-45A9-98EA-558E4B910F95}" type="presParOf" srcId="{A2E2952E-2BA8-4E8B-9DFA-A5920886AE35}" destId="{A6FAC4AB-E618-46B4-AF25-4623C56F7BED}" srcOrd="0" destOrd="0" presId="urn:microsoft.com/office/officeart/2018/2/layout/IconVerticalSolidList"/>
     <dgm:cxn modelId="{CA3BAD11-AE56-448D-80A0-71145DF3B860}" type="presParOf" srcId="{A6FAC4AB-E618-46B4-AF25-4623C56F7BED}" destId="{EA19A442-11F0-4270-87E8-0F9204039E2D}" srcOrd="0" destOrd="0" presId="urn:microsoft.com/office/officeart/2018/2/layout/IconVerticalSolidList"/>
     <dgm:cxn modelId="{43443694-6728-49E3-BF37-22A04A1428BE}" type="presParOf" srcId="{A6FAC4AB-E618-46B4-AF25-4623C56F7BED}" destId="{8203AE75-BB32-4AF3-BB03-90BD626216D5}" srcOrd="1" destOrd="0" presId="urn:microsoft.com/office/officeart/2018/2/layout/IconVerticalSolidList"/>
@@ -4856,13 +4734,6 @@
         </dgm:presLayoutVars>
       </dgm:prSet>
       <dgm:spPr/>
-      <dgm:t>
-        <a:bodyPr/>
-        <a:lstStyle/>
-        <a:p>
-          <a:endParaRPr lang="en-IN"/>
-        </a:p>
-      </dgm:t>
     </dgm:pt>
     <dgm:pt modelId="{1B01C48A-6AB7-447C-91C3-3B5FB027DD67}" type="pres">
       <dgm:prSet presAssocID="{E258943A-F241-4A01-BFEE-A49AA0EA94D2}" presName="aSpace" presStyleCnt="0"/>
@@ -4875,13 +4746,6 @@
         </dgm:presLayoutVars>
       </dgm:prSet>
       <dgm:spPr/>
-      <dgm:t>
-        <a:bodyPr/>
-        <a:lstStyle/>
-        <a:p>
-          <a:endParaRPr lang="en-IN"/>
-        </a:p>
-      </dgm:t>
     </dgm:pt>
     <dgm:pt modelId="{10E690AE-B23E-49C1-9CF5-E40C111A2069}" type="pres">
       <dgm:prSet presAssocID="{438B7881-AE21-4888-8668-F20CF01EC989}" presName="aSpace" presStyleCnt="0"/>
@@ -4894,13 +4758,6 @@
         </dgm:presLayoutVars>
       </dgm:prSet>
       <dgm:spPr/>
-      <dgm:t>
-        <a:bodyPr/>
-        <a:lstStyle/>
-        <a:p>
-          <a:endParaRPr lang="en-IN"/>
-        </a:p>
-      </dgm:t>
     </dgm:pt>
     <dgm:pt modelId="{99EFC538-944F-4FCD-9E7B-1A2957DDF50F}" type="pres">
       <dgm:prSet presAssocID="{234B7282-AEFA-48EE-A49A-680249DCDE62}" presName="aSpace" presStyleCnt="0"/>
@@ -4913,13 +4770,6 @@
         </dgm:presLayoutVars>
       </dgm:prSet>
       <dgm:spPr/>
-      <dgm:t>
-        <a:bodyPr/>
-        <a:lstStyle/>
-        <a:p>
-          <a:endParaRPr lang="en-IN"/>
-        </a:p>
-      </dgm:t>
     </dgm:pt>
     <dgm:pt modelId="{15ADF7CE-CAC4-4CCD-BD48-59127AFACB76}" type="pres">
       <dgm:prSet presAssocID="{558C8976-EDBD-49B7-8F6A-0B797275C051}" presName="aSpace" presStyleCnt="0"/>
@@ -4932,13 +4782,6 @@
         </dgm:presLayoutVars>
       </dgm:prSet>
       <dgm:spPr/>
-      <dgm:t>
-        <a:bodyPr/>
-        <a:lstStyle/>
-        <a:p>
-          <a:endParaRPr lang="en-IN"/>
-        </a:p>
-      </dgm:t>
     </dgm:pt>
     <dgm:pt modelId="{334C0AB0-3DCE-4367-A6AE-1D383A839E2B}" type="pres">
       <dgm:prSet presAssocID="{7D73E78D-CB0B-4FBF-BFFD-1EBC13C2D926}" presName="aSpace" presStyleCnt="0"/>
@@ -4946,17 +4789,17 @@
     </dgm:pt>
   </dgm:ptLst>
   <dgm:cxnLst>
+    <dgm:cxn modelId="{EBD9C214-DAB2-43BE-BEA9-52AB249166CA}" srcId="{C3ACAFB4-678D-461C-BA73-DCD74C94CF7E}" destId="{438B7881-AE21-4888-8668-F20CF01EC989}" srcOrd="1" destOrd="0" parTransId="{839A9D59-1C92-41B6-8295-3D68826BE690}" sibTransId="{C7217775-BD80-443C-AA85-9737F87EF982}"/>
+    <dgm:cxn modelId="{1359F01C-5060-4376-B5E0-9698E8AAF1CF}" srcId="{C3ACAFB4-678D-461C-BA73-DCD74C94CF7E}" destId="{558C8976-EDBD-49B7-8F6A-0B797275C051}" srcOrd="3" destOrd="0" parTransId="{00D0F698-A175-4E41-86B2-49245397103D}" sibTransId="{46FACA98-3775-4660-8EDA-F3854E9EC96E}"/>
+    <dgm:cxn modelId="{2F7AE934-C9B8-4715-BE24-803E0457CFA7}" srcId="{C3ACAFB4-678D-461C-BA73-DCD74C94CF7E}" destId="{234B7282-AEFA-48EE-A49A-680249DCDE62}" srcOrd="2" destOrd="0" parTransId="{A6A475DE-C7D7-47D6-B661-DEDB4B1EE1F9}" sibTransId="{DF51FF34-C90C-47DA-AF38-963CBDF42EE4}"/>
     <dgm:cxn modelId="{AEFEE33A-DC69-4FFC-A709-1BFD42D2B1FE}" srcId="{C3ACAFB4-678D-461C-BA73-DCD74C94CF7E}" destId="{E258943A-F241-4A01-BFEE-A49AA0EA94D2}" srcOrd="0" destOrd="0" parTransId="{E817D75A-E97E-495E-B62B-57755D38E5EC}" sibTransId="{15C626F1-6A7C-4FAA-BF64-B36143737064}"/>
+    <dgm:cxn modelId="{01614A41-03C0-42E4-8CA3-2149DC7F6EF6}" type="presOf" srcId="{7D73E78D-CB0B-4FBF-BFFD-1EBC13C2D926}" destId="{502DFF75-A15D-4F92-908D-5CE028BC7391}" srcOrd="0" destOrd="0" presId="urn:microsoft.com/office/officeart/2005/8/layout/pyramid2"/>
+    <dgm:cxn modelId="{A9E53864-82BD-4933-AC45-8D16AA17C6A8}" type="presOf" srcId="{234B7282-AEFA-48EE-A49A-680249DCDE62}" destId="{D7C92A8C-33CF-448B-A87F-CD29A8D85EF3}" srcOrd="0" destOrd="0" presId="urn:microsoft.com/office/officeart/2005/8/layout/pyramid2"/>
+    <dgm:cxn modelId="{F67DCC4B-0473-4476-A414-B76BE1C7C468}" srcId="{C3ACAFB4-678D-461C-BA73-DCD74C94CF7E}" destId="{7D73E78D-CB0B-4FBF-BFFD-1EBC13C2D926}" srcOrd="4" destOrd="0" parTransId="{27056333-5BD1-455A-B890-C9573323F6C8}" sibTransId="{24B4A202-F644-4CA6-B0EE-A81844A21A2A}"/>
+    <dgm:cxn modelId="{BFC97354-41C9-46FA-91AB-50C7FC91E5EA}" type="presOf" srcId="{558C8976-EDBD-49B7-8F6A-0B797275C051}" destId="{C85AFC59-54EF-40E3-BE1E-57EB780998C9}" srcOrd="0" destOrd="0" presId="urn:microsoft.com/office/officeart/2005/8/layout/pyramid2"/>
+    <dgm:cxn modelId="{1E0D3B91-000F-4FDB-91C0-ECF61AB674F0}" type="presOf" srcId="{438B7881-AE21-4888-8668-F20CF01EC989}" destId="{AF6314B9-DD62-41A9-85DC-A82FD062F9F9}" srcOrd="0" destOrd="0" presId="urn:microsoft.com/office/officeart/2005/8/layout/pyramid2"/>
+    <dgm:cxn modelId="{8C6637A7-22DB-4D41-B7A1-032E949998B8}" type="presOf" srcId="{E258943A-F241-4A01-BFEE-A49AA0EA94D2}" destId="{DA238376-A1EA-42F3-83BE-1A1F3572A618}" srcOrd="0" destOrd="0" presId="urn:microsoft.com/office/officeart/2005/8/layout/pyramid2"/>
     <dgm:cxn modelId="{DA0FE5A8-F8AF-4118-9322-3E3A44925D7F}" type="presOf" srcId="{C3ACAFB4-678D-461C-BA73-DCD74C94CF7E}" destId="{D704E87B-025F-48D9-97C9-CA2850C23677}" srcOrd="0" destOrd="0" presId="urn:microsoft.com/office/officeart/2005/8/layout/pyramid2"/>
-    <dgm:cxn modelId="{F67DCC4B-0473-4476-A414-B76BE1C7C468}" srcId="{C3ACAFB4-678D-461C-BA73-DCD74C94CF7E}" destId="{7D73E78D-CB0B-4FBF-BFFD-1EBC13C2D926}" srcOrd="4" destOrd="0" parTransId="{27056333-5BD1-455A-B890-C9573323F6C8}" sibTransId="{24B4A202-F644-4CA6-B0EE-A81844A21A2A}"/>
-    <dgm:cxn modelId="{1359F01C-5060-4376-B5E0-9698E8AAF1CF}" srcId="{C3ACAFB4-678D-461C-BA73-DCD74C94CF7E}" destId="{558C8976-EDBD-49B7-8F6A-0B797275C051}" srcOrd="3" destOrd="0" parTransId="{00D0F698-A175-4E41-86B2-49245397103D}" sibTransId="{46FACA98-3775-4660-8EDA-F3854E9EC96E}"/>
-    <dgm:cxn modelId="{1E0D3B91-000F-4FDB-91C0-ECF61AB674F0}" type="presOf" srcId="{438B7881-AE21-4888-8668-F20CF01EC989}" destId="{AF6314B9-DD62-41A9-85DC-A82FD062F9F9}" srcOrd="0" destOrd="0" presId="urn:microsoft.com/office/officeart/2005/8/layout/pyramid2"/>
-    <dgm:cxn modelId="{A9E53864-82BD-4933-AC45-8D16AA17C6A8}" type="presOf" srcId="{234B7282-AEFA-48EE-A49A-680249DCDE62}" destId="{D7C92A8C-33CF-448B-A87F-CD29A8D85EF3}" srcOrd="0" destOrd="0" presId="urn:microsoft.com/office/officeart/2005/8/layout/pyramid2"/>
-    <dgm:cxn modelId="{BFC97354-41C9-46FA-91AB-50C7FC91E5EA}" type="presOf" srcId="{558C8976-EDBD-49B7-8F6A-0B797275C051}" destId="{C85AFC59-54EF-40E3-BE1E-57EB780998C9}" srcOrd="0" destOrd="0" presId="urn:microsoft.com/office/officeart/2005/8/layout/pyramid2"/>
-    <dgm:cxn modelId="{8C6637A7-22DB-4D41-B7A1-032E949998B8}" type="presOf" srcId="{E258943A-F241-4A01-BFEE-A49AA0EA94D2}" destId="{DA238376-A1EA-42F3-83BE-1A1F3572A618}" srcOrd="0" destOrd="0" presId="urn:microsoft.com/office/officeart/2005/8/layout/pyramid2"/>
-    <dgm:cxn modelId="{EBD9C214-DAB2-43BE-BEA9-52AB249166CA}" srcId="{C3ACAFB4-678D-461C-BA73-DCD74C94CF7E}" destId="{438B7881-AE21-4888-8668-F20CF01EC989}" srcOrd="1" destOrd="0" parTransId="{839A9D59-1C92-41B6-8295-3D68826BE690}" sibTransId="{C7217775-BD80-443C-AA85-9737F87EF982}"/>
-    <dgm:cxn modelId="{01614A41-03C0-42E4-8CA3-2149DC7F6EF6}" type="presOf" srcId="{7D73E78D-CB0B-4FBF-BFFD-1EBC13C2D926}" destId="{502DFF75-A15D-4F92-908D-5CE028BC7391}" srcOrd="0" destOrd="0" presId="urn:microsoft.com/office/officeart/2005/8/layout/pyramid2"/>
-    <dgm:cxn modelId="{2F7AE934-C9B8-4715-BE24-803E0457CFA7}" srcId="{C3ACAFB4-678D-461C-BA73-DCD74C94CF7E}" destId="{234B7282-AEFA-48EE-A49A-680249DCDE62}" srcOrd="2" destOrd="0" parTransId="{A6A475DE-C7D7-47D6-B661-DEDB4B1EE1F9}" sibTransId="{DF51FF34-C90C-47DA-AF38-963CBDF42EE4}"/>
     <dgm:cxn modelId="{AFF2DE83-75DA-42B0-9C36-7AA63A752657}" type="presParOf" srcId="{D704E87B-025F-48D9-97C9-CA2850C23677}" destId="{9BBFCAE3-5D10-417A-A055-004DD9057D00}" srcOrd="0" destOrd="0" presId="urn:microsoft.com/office/officeart/2005/8/layout/pyramid2"/>
     <dgm:cxn modelId="{8396BE69-28A6-443F-B3CC-C40ECCBD78E1}" type="presParOf" srcId="{D704E87B-025F-48D9-97C9-CA2850C23677}" destId="{BAC5A9A8-47F4-4E85-AB83-8EAC8756E8C1}" srcOrd="1" destOrd="0" presId="urn:microsoft.com/office/officeart/2005/8/layout/pyramid2"/>
     <dgm:cxn modelId="{7891933B-7B10-40AC-8CEB-67873AA14C5A}" type="presParOf" srcId="{BAC5A9A8-47F4-4E85-AB83-8EAC8756E8C1}" destId="{DA238376-A1EA-42F3-83BE-1A1F3572A618}" srcOrd="0" destOrd="0" presId="urn:microsoft.com/office/officeart/2005/8/layout/pyramid2"/>
@@ -5256,24 +5099,20 @@
             <a:t>Technical Expertise in </a:t>
           </a:r>
           <a:r>
-            <a:rPr lang="en-IN" b="1" dirty="0" smtClean="0"/>
+            <a:rPr lang="en-IN" b="1" dirty="0"/>
             <a:t>Cloud</a:t>
           </a:r>
           <a:r>
-            <a:rPr lang="en-IN" b="0" dirty="0" smtClean="0"/>
+            <a:rPr lang="en-IN" b="0" dirty="0"/>
             <a:t> &amp; </a:t>
           </a:r>
           <a:r>
-            <a:rPr lang="en-IN" b="1" dirty="0" smtClean="0"/>
+            <a:rPr lang="en-IN" b="1" dirty="0"/>
             <a:t>DevOps</a:t>
           </a:r>
           <a:r>
-            <a:rPr lang="en-IN" b="0" dirty="0" smtClean="0"/>
-            <a:t> </a:t>
-          </a:r>
-          <a:r>
             <a:rPr lang="en-IN" b="0" dirty="0"/>
-            <a:t>Tools (</a:t>
+            <a:t> Tools (</a:t>
           </a:r>
           <a:r>
             <a:rPr lang="en-IN" b="1" dirty="0"/>
@@ -5308,7 +5147,7 @@
             <a:t>, </a:t>
           </a:r>
           <a:r>
-            <a:rPr lang="en-IN" b="1" dirty="0" err="1"/>
+            <a:rPr lang="en-IN" b="1" dirty="0"/>
             <a:t>Ansible</a:t>
           </a:r>
           <a:r>
@@ -5337,15 +5176,7 @@
           </a:r>
           <a:r>
             <a:rPr lang="en-IN" b="0" dirty="0"/>
-            <a:t> </a:t>
-          </a:r>
-          <a:r>
-            <a:rPr lang="en-IN" b="0" dirty="0" err="1"/>
-            <a:t>Grafana</a:t>
-          </a:r>
-          <a:r>
-            <a:rPr lang="en-IN" b="0" dirty="0"/>
-            <a:t>), IBM WebSphere (WAS), Tomcat, AIX, AWS, Azure, Linux, Solaris, VMware, Shell Scripting, and LAMP. </a:t>
+            <a:t> Grafana), IBM WebSphere (WAS), Tomcat, AIX, AWS, Azure, Linux, Solaris, VMware, Shell Scripting, and LAMP. </a:t>
           </a:r>
           <a:endParaRPr lang="en-US" b="0" dirty="0"/>
         </a:p>
@@ -5433,13 +5264,6 @@
         </dgm:presLayoutVars>
       </dgm:prSet>
       <dgm:spPr/>
-      <dgm:t>
-        <a:bodyPr/>
-        <a:lstStyle/>
-        <a:p>
-          <a:endParaRPr lang="en-IN"/>
-        </a:p>
-      </dgm:t>
     </dgm:pt>
     <dgm:pt modelId="{04DFAE79-FE64-4AA0-8B4B-72BF8BAA21AE}" type="pres">
       <dgm:prSet presAssocID="{AC9882B7-5B97-473A-B8AE-8E353876C9BB}" presName="parentText" presStyleLbl="node1" presStyleIdx="0" presStyleCnt="3">
@@ -5449,13 +5273,6 @@
         </dgm:presLayoutVars>
       </dgm:prSet>
       <dgm:spPr/>
-      <dgm:t>
-        <a:bodyPr/>
-        <a:lstStyle/>
-        <a:p>
-          <a:endParaRPr lang="en-IN"/>
-        </a:p>
-      </dgm:t>
     </dgm:pt>
     <dgm:pt modelId="{C98FEF29-09C1-488D-934E-64D26C2FD628}" type="pres">
       <dgm:prSet presAssocID="{AC9882B7-5B97-473A-B8AE-8E353876C9BB}" presName="childText" presStyleLbl="revTx" presStyleIdx="0" presStyleCnt="3">
@@ -5464,13 +5281,6 @@
         </dgm:presLayoutVars>
       </dgm:prSet>
       <dgm:spPr/>
-      <dgm:t>
-        <a:bodyPr/>
-        <a:lstStyle/>
-        <a:p>
-          <a:endParaRPr lang="en-IN"/>
-        </a:p>
-      </dgm:t>
     </dgm:pt>
     <dgm:pt modelId="{B8801E36-46F3-445B-98C1-58B8DA651519}" type="pres">
       <dgm:prSet presAssocID="{9056B327-7AFE-4B3F-B4AA-314FF0EEAC25}" presName="parentText" presStyleLbl="node1" presStyleIdx="1" presStyleCnt="3">
@@ -5480,13 +5290,6 @@
         </dgm:presLayoutVars>
       </dgm:prSet>
       <dgm:spPr/>
-      <dgm:t>
-        <a:bodyPr/>
-        <a:lstStyle/>
-        <a:p>
-          <a:endParaRPr lang="en-IN"/>
-        </a:p>
-      </dgm:t>
     </dgm:pt>
     <dgm:pt modelId="{FBF5D673-AB7F-48FC-85F8-680FE1673FFB}" type="pres">
       <dgm:prSet presAssocID="{9056B327-7AFE-4B3F-B4AA-314FF0EEAC25}" presName="childText" presStyleLbl="revTx" presStyleIdx="1" presStyleCnt="3">
@@ -5495,13 +5298,6 @@
         </dgm:presLayoutVars>
       </dgm:prSet>
       <dgm:spPr/>
-      <dgm:t>
-        <a:bodyPr/>
-        <a:lstStyle/>
-        <a:p>
-          <a:endParaRPr lang="en-IN"/>
-        </a:p>
-      </dgm:t>
     </dgm:pt>
     <dgm:pt modelId="{9DEA3B43-40B9-470B-8D30-B083AD1256C3}" type="pres">
       <dgm:prSet presAssocID="{EC66EEFA-0CD1-487F-8D8A-B98DE22742FC}" presName="parentText" presStyleLbl="node1" presStyleIdx="2" presStyleCnt="3">
@@ -5511,13 +5307,6 @@
         </dgm:presLayoutVars>
       </dgm:prSet>
       <dgm:spPr/>
-      <dgm:t>
-        <a:bodyPr/>
-        <a:lstStyle/>
-        <a:p>
-          <a:endParaRPr lang="en-IN"/>
-        </a:p>
-      </dgm:t>
     </dgm:pt>
     <dgm:pt modelId="{EBD29935-A74A-46A5-A195-4465FFA3D033}" type="pres">
       <dgm:prSet presAssocID="{EC66EEFA-0CD1-487F-8D8A-B98DE22742FC}" presName="childText" presStyleLbl="revTx" presStyleIdx="2" presStyleCnt="3">
@@ -5526,33 +5315,26 @@
         </dgm:presLayoutVars>
       </dgm:prSet>
       <dgm:spPr/>
-      <dgm:t>
-        <a:bodyPr/>
-        <a:lstStyle/>
-        <a:p>
-          <a:endParaRPr lang="en-IN"/>
-        </a:p>
-      </dgm:t>
     </dgm:pt>
   </dgm:ptLst>
   <dgm:cxnLst>
+    <dgm:cxn modelId="{06A95A0A-937A-45E9-82B6-10AB0AEE2D19}" srcId="{9056B327-7AFE-4B3F-B4AA-314FF0EEAC25}" destId="{4EBF2C6B-C832-4D44-87C4-FE97D5A32730}" srcOrd="1" destOrd="0" parTransId="{643A2F56-2586-41E4-A496-3F1BB46C2714}" sibTransId="{7CF169C9-28D6-40AE-904B-A531F53C453C}"/>
+    <dgm:cxn modelId="{DCD6322B-6539-4500-9B26-EF60F789B623}" type="presOf" srcId="{9056B327-7AFE-4B3F-B4AA-314FF0EEAC25}" destId="{B8801E36-46F3-445B-98C1-58B8DA651519}" srcOrd="0" destOrd="0" presId="urn:microsoft.com/office/officeart/2005/8/layout/vList2"/>
+    <dgm:cxn modelId="{7D1AB838-6180-4A40-8726-B4BD1190B1C1}" type="presOf" srcId="{4EBF2C6B-C832-4D44-87C4-FE97D5A32730}" destId="{FBF5D673-AB7F-48FC-85F8-680FE1673FFB}" srcOrd="0" destOrd="1" presId="urn:microsoft.com/office/officeart/2005/8/layout/vList2"/>
+    <dgm:cxn modelId="{A0E3D45C-8F60-4EDF-87AE-393DC1742505}" type="presOf" srcId="{BC389A48-CC17-4508-81AC-D2F4A18D12F5}" destId="{FBF5D673-AB7F-48FC-85F8-680FE1673FFB}" srcOrd="0" destOrd="0" presId="urn:microsoft.com/office/officeart/2005/8/layout/vList2"/>
+    <dgm:cxn modelId="{D7448260-D577-4EE7-8E95-34EA5A9A725C}" type="presOf" srcId="{6AB0A7D9-18B5-4FC9-97A7-059DCF542310}" destId="{EBD29935-A74A-46A5-A195-4465FFA3D033}" srcOrd="0" destOrd="0" presId="urn:microsoft.com/office/officeart/2005/8/layout/vList2"/>
     <dgm:cxn modelId="{167E3E61-D458-41BD-8323-612923B3DCD3}" type="presOf" srcId="{F4E15243-1232-4480-BB2E-D47248CED8B8}" destId="{1EA282F3-81E0-4323-9668-E24C8DED115F}" srcOrd="0" destOrd="0" presId="urn:microsoft.com/office/officeart/2005/8/layout/vList2"/>
-    <dgm:cxn modelId="{55D85D8A-6365-4D66-9D6A-286CE3B68C31}" type="presOf" srcId="{EC66EEFA-0CD1-487F-8D8A-B98DE22742FC}" destId="{9DEA3B43-40B9-470B-8D30-B083AD1256C3}" srcOrd="0" destOrd="0" presId="urn:microsoft.com/office/officeart/2005/8/layout/vList2"/>
-    <dgm:cxn modelId="{0F7D09CE-D434-49D8-B5AF-53C03DC5D662}" srcId="{EC66EEFA-0CD1-487F-8D8A-B98DE22742FC}" destId="{6AB0A7D9-18B5-4FC9-97A7-059DCF542310}" srcOrd="0" destOrd="0" parTransId="{A0CF9744-3729-43DB-993C-7FAE19A4F027}" sibTransId="{C5C69F04-90E1-4333-A2A9-9B00B881919C}"/>
-    <dgm:cxn modelId="{7F30C3EA-F977-41D0-9752-BC6B37311D75}" type="presOf" srcId="{AC9882B7-5B97-473A-B8AE-8E353876C9BB}" destId="{04DFAE79-FE64-4AA0-8B4B-72BF8BAA21AE}" srcOrd="0" destOrd="0" presId="urn:microsoft.com/office/officeart/2005/8/layout/vList2"/>
-    <dgm:cxn modelId="{0BF588D0-E325-4ED2-BEC9-8A9289610B4D}" srcId="{F4E15243-1232-4480-BB2E-D47248CED8B8}" destId="{9056B327-7AFE-4B3F-B4AA-314FF0EEAC25}" srcOrd="1" destOrd="0" parTransId="{46CBCFCC-39EC-4B2F-81BE-0FF159C2FAEA}" sibTransId="{40E47454-FD7B-4C6A-8D9B-D82FF9F70CDF}"/>
-    <dgm:cxn modelId="{93953793-8545-4EE0-B199-F805735E976D}" srcId="{AC9882B7-5B97-473A-B8AE-8E353876C9BB}" destId="{BB575D33-B599-4A6E-8314-6F8EB7C76DD9}" srcOrd="0" destOrd="0" parTransId="{20EF0785-6C60-42A2-9830-A7DA48D77D69}" sibTransId="{EF5F7304-4474-4830-AC2B-3DD6CC06B2F7}"/>
+    <dgm:cxn modelId="{4104976D-1944-4345-B570-20E5B603242F}" srcId="{F4E15243-1232-4480-BB2E-D47248CED8B8}" destId="{EC66EEFA-0CD1-487F-8D8A-B98DE22742FC}" srcOrd="2" destOrd="0" parTransId="{5826A6E3-2FA2-4600-9FE4-6AB4F21C3651}" sibTransId="{50E476DF-B169-43B5-9917-0E3F22C32A19}"/>
     <dgm:cxn modelId="{25030E74-8A72-41A3-BB03-DC3630C62ECE}" srcId="{AC9882B7-5B97-473A-B8AE-8E353876C9BB}" destId="{5037E21B-9E87-4D30-A9B7-B56A20DA8BC8}" srcOrd="1" destOrd="0" parTransId="{136AAFFC-9900-43C4-ACFF-7DE42FCD8696}" sibTransId="{66677D60-E9CF-4754-9735-C91646C2C40C}"/>
     <dgm:cxn modelId="{61187C59-1732-499D-A54A-6542F6E0A2F7}" srcId="{9056B327-7AFE-4B3F-B4AA-314FF0EEAC25}" destId="{BC389A48-CC17-4508-81AC-D2F4A18D12F5}" srcOrd="0" destOrd="0" parTransId="{E6A37E1D-0893-42EF-8387-006D643393E6}" sibTransId="{5288EAFC-F42C-4B3D-AD1D-76733596CD3E}"/>
-    <dgm:cxn modelId="{D7448260-D577-4EE7-8E95-34EA5A9A725C}" type="presOf" srcId="{6AB0A7D9-18B5-4FC9-97A7-059DCF542310}" destId="{EBD29935-A74A-46A5-A195-4465FFA3D033}" srcOrd="0" destOrd="0" presId="urn:microsoft.com/office/officeart/2005/8/layout/vList2"/>
+    <dgm:cxn modelId="{55D85D8A-6365-4D66-9D6A-286CE3B68C31}" type="presOf" srcId="{EC66EEFA-0CD1-487F-8D8A-B98DE22742FC}" destId="{9DEA3B43-40B9-470B-8D30-B083AD1256C3}" srcOrd="0" destOrd="0" presId="urn:microsoft.com/office/officeart/2005/8/layout/vList2"/>
+    <dgm:cxn modelId="{93953793-8545-4EE0-B199-F805735E976D}" srcId="{AC9882B7-5B97-473A-B8AE-8E353876C9BB}" destId="{BB575D33-B599-4A6E-8314-6F8EB7C76DD9}" srcOrd="0" destOrd="0" parTransId="{20EF0785-6C60-42A2-9830-A7DA48D77D69}" sibTransId="{EF5F7304-4474-4830-AC2B-3DD6CC06B2F7}"/>
+    <dgm:cxn modelId="{4F1588A5-77B5-4B95-BEBF-CC23B2F03C43}" srcId="{F4E15243-1232-4480-BB2E-D47248CED8B8}" destId="{AC9882B7-5B97-473A-B8AE-8E353876C9BB}" srcOrd="0" destOrd="0" parTransId="{F5C9465F-0017-46A8-A254-061335301DEA}" sibTransId="{FAEBC639-A4FA-42F7-81BC-03ABC2096F20}"/>
+    <dgm:cxn modelId="{4DBC2AC1-45B6-4D05-A186-A6EAD60EFB9F}" type="presOf" srcId="{BB575D33-B599-4A6E-8314-6F8EB7C76DD9}" destId="{C98FEF29-09C1-488D-934E-64D26C2FD628}" srcOrd="0" destOrd="0" presId="urn:microsoft.com/office/officeart/2005/8/layout/vList2"/>
+    <dgm:cxn modelId="{0F7D09CE-D434-49D8-B5AF-53C03DC5D662}" srcId="{EC66EEFA-0CD1-487F-8D8A-B98DE22742FC}" destId="{6AB0A7D9-18B5-4FC9-97A7-059DCF542310}" srcOrd="0" destOrd="0" parTransId="{A0CF9744-3729-43DB-993C-7FAE19A4F027}" sibTransId="{C5C69F04-90E1-4333-A2A9-9B00B881919C}"/>
+    <dgm:cxn modelId="{0BF588D0-E325-4ED2-BEC9-8A9289610B4D}" srcId="{F4E15243-1232-4480-BB2E-D47248CED8B8}" destId="{9056B327-7AFE-4B3F-B4AA-314FF0EEAC25}" srcOrd="1" destOrd="0" parTransId="{46CBCFCC-39EC-4B2F-81BE-0FF159C2FAEA}" sibTransId="{40E47454-FD7B-4C6A-8D9B-D82FF9F70CDF}"/>
     <dgm:cxn modelId="{67EBC1D3-F365-4490-8498-3E24826C20CE}" type="presOf" srcId="{5037E21B-9E87-4D30-A9B7-B56A20DA8BC8}" destId="{C98FEF29-09C1-488D-934E-64D26C2FD628}" srcOrd="0" destOrd="1" presId="urn:microsoft.com/office/officeart/2005/8/layout/vList2"/>
-    <dgm:cxn modelId="{A0E3D45C-8F60-4EDF-87AE-393DC1742505}" type="presOf" srcId="{BC389A48-CC17-4508-81AC-D2F4A18D12F5}" destId="{FBF5D673-AB7F-48FC-85F8-680FE1673FFB}" srcOrd="0" destOrd="0" presId="urn:microsoft.com/office/officeart/2005/8/layout/vList2"/>
-    <dgm:cxn modelId="{DCD6322B-6539-4500-9B26-EF60F789B623}" type="presOf" srcId="{9056B327-7AFE-4B3F-B4AA-314FF0EEAC25}" destId="{B8801E36-46F3-445B-98C1-58B8DA651519}" srcOrd="0" destOrd="0" presId="urn:microsoft.com/office/officeart/2005/8/layout/vList2"/>
-    <dgm:cxn modelId="{06A95A0A-937A-45E9-82B6-10AB0AEE2D19}" srcId="{9056B327-7AFE-4B3F-B4AA-314FF0EEAC25}" destId="{4EBF2C6B-C832-4D44-87C4-FE97D5A32730}" srcOrd="1" destOrd="0" parTransId="{643A2F56-2586-41E4-A496-3F1BB46C2714}" sibTransId="{7CF169C9-28D6-40AE-904B-A531F53C453C}"/>
-    <dgm:cxn modelId="{4DBC2AC1-45B6-4D05-A186-A6EAD60EFB9F}" type="presOf" srcId="{BB575D33-B599-4A6E-8314-6F8EB7C76DD9}" destId="{C98FEF29-09C1-488D-934E-64D26C2FD628}" srcOrd="0" destOrd="0" presId="urn:microsoft.com/office/officeart/2005/8/layout/vList2"/>
-    <dgm:cxn modelId="{4F1588A5-77B5-4B95-BEBF-CC23B2F03C43}" srcId="{F4E15243-1232-4480-BB2E-D47248CED8B8}" destId="{AC9882B7-5B97-473A-B8AE-8E353876C9BB}" srcOrd="0" destOrd="0" parTransId="{F5C9465F-0017-46A8-A254-061335301DEA}" sibTransId="{FAEBC639-A4FA-42F7-81BC-03ABC2096F20}"/>
-    <dgm:cxn modelId="{4104976D-1944-4345-B570-20E5B603242F}" srcId="{F4E15243-1232-4480-BB2E-D47248CED8B8}" destId="{EC66EEFA-0CD1-487F-8D8A-B98DE22742FC}" srcOrd="2" destOrd="0" parTransId="{5826A6E3-2FA2-4600-9FE4-6AB4F21C3651}" sibTransId="{50E476DF-B169-43B5-9917-0E3F22C32A19}"/>
-    <dgm:cxn modelId="{7D1AB838-6180-4A40-8726-B4BD1190B1C1}" type="presOf" srcId="{4EBF2C6B-C832-4D44-87C4-FE97D5A32730}" destId="{FBF5D673-AB7F-48FC-85F8-680FE1673FFB}" srcOrd="0" destOrd="1" presId="urn:microsoft.com/office/officeart/2005/8/layout/vList2"/>
+    <dgm:cxn modelId="{7F30C3EA-F977-41D0-9752-BC6B37311D75}" type="presOf" srcId="{AC9882B7-5B97-473A-B8AE-8E353876C9BB}" destId="{04DFAE79-FE64-4AA0-8B4B-72BF8BAA21AE}" srcOrd="0" destOrd="0" presId="urn:microsoft.com/office/officeart/2005/8/layout/vList2"/>
     <dgm:cxn modelId="{0597E707-85BD-41A2-92AE-803229582AAB}" type="presParOf" srcId="{1EA282F3-81E0-4323-9668-E24C8DED115F}" destId="{04DFAE79-FE64-4AA0-8B4B-72BF8BAA21AE}" srcOrd="0" destOrd="0" presId="urn:microsoft.com/office/officeart/2005/8/layout/vList2"/>
     <dgm:cxn modelId="{1F131300-3481-4D14-BE2E-304BA7A1A7AF}" type="presParOf" srcId="{1EA282F3-81E0-4323-9668-E24C8DED115F}" destId="{C98FEF29-09C1-488D-934E-64D26C2FD628}" srcOrd="1" destOrd="0" presId="urn:microsoft.com/office/officeart/2005/8/layout/vList2"/>
     <dgm:cxn modelId="{9E7E442F-0486-4544-8FCB-2183609A5FDF}" type="presParOf" srcId="{1EA282F3-81E0-4323-9668-E24C8DED115F}" destId="{B8801E36-46F3-445B-98C1-58B8DA651519}" srcOrd="2" destOrd="0" presId="urn:microsoft.com/office/officeart/2005/8/layout/vList2"/>
@@ -5592,8 +5374,12 @@
         <a:lstStyle/>
         <a:p>
           <a:r>
+            <a:rPr lang="en-IN" b="1" dirty="0"/>
+            <a:t>HDFC BANK Limited </a:t>
+          </a:r>
+          <a:r>
             <a:rPr lang="en-US" b="1" dirty="0"/>
-            <a:t>Opel Vauxhall Finance – Since August-2017</a:t>
+            <a:t>– Since Nov’21</a:t>
           </a:r>
           <a:endParaRPr lang="en-IN" dirty="0"/>
         </a:p>
@@ -5633,48 +5419,16 @@
             <a:buChar char="§"/>
           </a:pPr>
           <a:r>
-            <a:rPr lang="en-US" dirty="0"/>
-            <a:t>Managing the DevOps Tools such as </a:t>
+            <a:rPr lang="en-IN" dirty="0"/>
+            <a:t>Achieved 80% productivity from Cloud Team and Vendor for </a:t>
           </a:r>
           <a:r>
-            <a:rPr lang="en-US" b="1" dirty="0"/>
-            <a:t>Docker</a:t>
+            <a:rPr lang="en-IN" b="1" dirty="0"/>
+            <a:t>AWS, Azure, GCP </a:t>
           </a:r>
           <a:r>
-            <a:rPr lang="en-US" dirty="0"/>
-            <a:t> and </a:t>
-          </a:r>
-          <a:r>
-            <a:rPr lang="en-US" b="1" dirty="0"/>
-            <a:t>Kubernetes</a:t>
-          </a:r>
-          <a:r>
-            <a:rPr lang="en-US" dirty="0"/>
-            <a:t>, CICD Tool (TeamCity and </a:t>
-          </a:r>
-          <a:r>
-            <a:rPr lang="en-US" b="1" dirty="0"/>
-            <a:t>Jenkins</a:t>
-          </a:r>
-          <a:r>
-            <a:rPr lang="en-US" dirty="0"/>
-            <a:t>), Configuration Management Tool (Puppet and </a:t>
-          </a:r>
-          <a:r>
-            <a:rPr lang="en-US" b="1" dirty="0"/>
-            <a:t>Ansible</a:t>
-          </a:r>
-          <a:r>
-            <a:rPr lang="en-US" dirty="0"/>
-            <a:t>), Version Repository (</a:t>
-          </a:r>
-          <a:r>
-            <a:rPr lang="en-US" b="1" dirty="0"/>
-            <a:t>GIT</a:t>
-          </a:r>
-          <a:r>
-            <a:rPr lang="en-US" dirty="0"/>
-            <a:t> and SVN) , </a:t>
+            <a:rPr lang="en-IN" dirty="0"/>
+            <a:t>infra development.</a:t>
           </a:r>
           <a:endParaRPr lang="en-US" b="0" dirty="0"/>
         </a:p>
@@ -5711,11 +5465,11 @@
         <a:p>
           <a:r>
             <a:rPr lang="en-US" b="1" dirty="0"/>
-            <a:t>MetLife Insurance &amp; Forest Lab - </a:t>
+            <a:t>Capgemini – </a:t>
           </a:r>
           <a:r>
             <a:rPr lang="en-GB" b="1" dirty="0"/>
-            <a:t>Aug’10 – Mar’12</a:t>
+            <a:t>Mar’12 – Nov’21</a:t>
           </a:r>
           <a:endParaRPr lang="en-IN" dirty="0"/>
         </a:p>
@@ -5751,12 +5505,16 @@
         <a:lstStyle/>
         <a:p>
           <a:r>
+            <a:rPr lang="en-US" b="1" dirty="0" err="1"/>
+            <a:t>AtoS</a:t>
+          </a:r>
+          <a:r>
             <a:rPr lang="en-US" b="1" dirty="0"/>
-            <a:t>HDFC Bank - </a:t>
+            <a:t> – </a:t>
           </a:r>
           <a:r>
             <a:rPr lang="en-GB" b="1" dirty="0"/>
-            <a:t>Nov’07 – Apr’10</a:t>
+            <a:t>May’10 – Mar’12</a:t>
           </a:r>
           <a:endParaRPr lang="en-US" dirty="0"/>
         </a:p>
@@ -5861,33 +5619,42 @@
             <a:buChar char="§"/>
           </a:pPr>
           <a:r>
-            <a:rPr lang="en-US" dirty="0"/>
-            <a:t>Lead the team of UNIX including </a:t>
+            <a:rPr lang="en-IN" dirty="0"/>
+            <a:t>Led </a:t>
           </a:r>
           <a:r>
-            <a:rPr lang="en-US" b="1" dirty="0"/>
-            <a:t>Linux</a:t>
+            <a:rPr lang="en-IN" b="1" dirty="0"/>
+            <a:t>Cloud</a:t>
           </a:r>
           <a:r>
-            <a:rPr lang="en-US" dirty="0"/>
-            <a:t>, </a:t>
+            <a:rPr lang="en-IN" dirty="0"/>
+            <a:t> &amp; </a:t>
           </a:r>
           <a:r>
-            <a:rPr lang="en-US" b="1" dirty="0"/>
-            <a:t>Solaris</a:t>
+            <a:rPr lang="en-IN" b="1" dirty="0"/>
+            <a:t>DevOps</a:t>
           </a:r>
           <a:r>
-            <a:rPr lang="en-US" dirty="0"/>
-            <a:t>, and </a:t>
+            <a:rPr lang="en-IN" dirty="0"/>
+            <a:t> team of 14 junior engineers resulting </a:t>
           </a:r>
           <a:r>
-            <a:rPr lang="en-US" b="1" dirty="0"/>
-            <a:t>AIX</a:t>
+            <a:rPr lang="en-IN" b="1" dirty="0"/>
+            <a:t>30% increase</a:t>
           </a:r>
           <a:r>
-            <a:rPr lang="en-US" dirty="0"/>
-            <a:t> to resolve the incident, change and problem management tickets</a:t>
+            <a:rPr lang="en-IN" dirty="0"/>
+            <a:t> in </a:t>
           </a:r>
+          <a:r>
+            <a:rPr lang="en-IN" b="1" dirty="0"/>
+            <a:t>productivity</a:t>
+          </a:r>
+          <a:r>
+            <a:rPr lang="en-IN" dirty="0"/>
+            <a:t>.</a:t>
+          </a:r>
+          <a:endParaRPr lang="en-US" dirty="0"/>
         </a:p>
       </dgm:t>
     </dgm:pt>
@@ -5903,104 +5670,6 @@
       </dgm:t>
     </dgm:pt>
     <dgm:pt modelId="{5288EAFC-F42C-4B3D-AD1D-76733596CD3E}" type="sibTrans" cxnId="{61187C59-1732-499D-A54A-6542F6E0A2F7}">
-      <dgm:prSet/>
-      <dgm:spPr/>
-      <dgm:t>
-        <a:bodyPr/>
-        <a:lstStyle/>
-        <a:p>
-          <a:endParaRPr lang="en-IN"/>
-        </a:p>
-      </dgm:t>
-    </dgm:pt>
-    <dgm:pt modelId="{7D0D7A66-6808-4C2F-8514-5D41801A6ADF}">
-      <dgm:prSet/>
-      <dgm:spPr/>
-      <dgm:t>
-        <a:bodyPr/>
-        <a:lstStyle/>
-        <a:p>
-          <a:pPr algn="just">
-            <a:buFont typeface="Wingdings" panose="05000000000000000000" pitchFamily="2" charset="2"/>
-            <a:buChar char="§"/>
-          </a:pPr>
-          <a:r>
-            <a:rPr lang="en-US" dirty="0"/>
-            <a:t>Implemented &amp; managed Shell Script such as Backup of OS, Installation Modules Script.</a:t>
-          </a:r>
-          <a:endParaRPr lang="en-IN" dirty="0"/>
-        </a:p>
-      </dgm:t>
-    </dgm:pt>
-    <dgm:pt modelId="{343CD4FA-C055-4D66-95A9-E1BCCB91A167}" type="parTrans" cxnId="{2C8399E4-76E2-411A-B267-0ECF2D81129D}">
-      <dgm:prSet/>
-      <dgm:spPr/>
-      <dgm:t>
-        <a:bodyPr/>
-        <a:lstStyle/>
-        <a:p>
-          <a:endParaRPr lang="en-IN"/>
-        </a:p>
-      </dgm:t>
-    </dgm:pt>
-    <dgm:pt modelId="{86192F8B-B083-4197-A91D-A8D4DBB0EF7B}" type="sibTrans" cxnId="{2C8399E4-76E2-411A-B267-0ECF2D81129D}">
-      <dgm:prSet/>
-      <dgm:spPr/>
-      <dgm:t>
-        <a:bodyPr/>
-        <a:lstStyle/>
-        <a:p>
-          <a:endParaRPr lang="en-IN"/>
-        </a:p>
-      </dgm:t>
-    </dgm:pt>
-    <dgm:pt modelId="{1A0EDDCC-9364-44B9-9ACE-65B9904490F2}">
-      <dgm:prSet/>
-      <dgm:spPr/>
-      <dgm:t>
-        <a:bodyPr/>
-        <a:lstStyle/>
-        <a:p>
-          <a:pPr algn="just">
-            <a:buFont typeface="Wingdings" panose="05000000000000000000" pitchFamily="2" charset="2"/>
-            <a:buChar char="§"/>
-          </a:pPr>
-          <a:r>
-            <a:rPr lang="en-US" dirty="0"/>
-            <a:t>Supported for </a:t>
-          </a:r>
-          <a:r>
-            <a:rPr lang="en-US" b="1" dirty="0"/>
-            <a:t>Nagios</a:t>
-          </a:r>
-          <a:r>
-            <a:rPr lang="en-US" dirty="0"/>
-            <a:t> and </a:t>
-          </a:r>
-          <a:r>
-            <a:rPr lang="en-US" b="1" dirty="0"/>
-            <a:t>Zabbix</a:t>
-          </a:r>
-          <a:r>
-            <a:rPr lang="en-US" dirty="0"/>
-            <a:t> Monitoring Tools</a:t>
-          </a:r>
-          <a:endParaRPr lang="en-IN" dirty="0"/>
-        </a:p>
-      </dgm:t>
-    </dgm:pt>
-    <dgm:pt modelId="{C2C66335-2ECB-47BE-B41A-394F087057DA}" type="parTrans" cxnId="{C51D6FAE-84C1-4FDC-8DC8-AE31F39BA761}">
-      <dgm:prSet/>
-      <dgm:spPr/>
-      <dgm:t>
-        <a:bodyPr/>
-        <a:lstStyle/>
-        <a:p>
-          <a:endParaRPr lang="en-IN"/>
-        </a:p>
-      </dgm:t>
-    </dgm:pt>
-    <dgm:pt modelId="{4B500128-3FB2-40FA-9CDC-AAD5D965C4AC}" type="sibTrans" cxnId="{C51D6FAE-84C1-4FDC-8DC8-AE31F39BA761}">
       <dgm:prSet/>
       <dgm:spPr/>
       <dgm:t>
@@ -6101,58 +5770,61 @@
         </a:p>
       </dgm:t>
     </dgm:pt>
-    <dgm:pt modelId="{CF132972-61C7-43CA-B62B-C57DE1F1F9D5}">
-      <dgm:prSet phldrT="[Text]"/>
+    <dgm:pt modelId="{8D5AD5BE-6066-4D4E-B5DD-808AABA1DA59}">
+      <dgm:prSet/>
       <dgm:spPr/>
       <dgm:t>
         <a:bodyPr/>
         <a:lstStyle/>
         <a:p>
-          <a:pPr algn="just">
-            <a:buFont typeface="Wingdings" panose="05000000000000000000" pitchFamily="2" charset="2"/>
-            <a:buChar char="§"/>
+          <a:pPr>
+            <a:buFont typeface="Symbol" panose="05050102010706020507" pitchFamily="18" charset="2"/>
+            <a:buChar char=""/>
           </a:pPr>
           <a:r>
-            <a:rPr lang="en-US" dirty="0"/>
-            <a:t>Designing , Implementing and Support for AWS (</a:t>
+            <a:rPr lang="en-IN" b="1" dirty="0"/>
+            <a:t>Optimized</a:t>
           </a:r>
           <a:r>
-            <a:rPr lang="en-US" b="1" dirty="0"/>
-            <a:t>EC2, LB, VPC, Subnet, Route53, IGW, NAT, CloudWatch, EKS, ECS, ELK, SNS</a:t>
+            <a:rPr lang="en-IN" dirty="0"/>
+            <a:t> cloud platform utilization and lowered operational costs by 20% &amp; time by 70% using </a:t>
           </a:r>
           <a:r>
-            <a:rPr lang="en-US" dirty="0"/>
-            <a:t>), </a:t>
-          </a:r>
-          <a:r>
-            <a:rPr lang="en-US" dirty="0" err="1"/>
-            <a:t>IaaC</a:t>
-          </a:r>
-          <a:r>
-            <a:rPr lang="en-US" dirty="0"/>
-            <a:t> </a:t>
-          </a:r>
-          <a:r>
-            <a:rPr lang="en-US" b="1" dirty="0"/>
+            <a:rPr lang="en-IN" b="1" dirty="0"/>
             <a:t>Terraform</a:t>
           </a:r>
           <a:r>
-            <a:rPr lang="en-US" dirty="0"/>
-            <a:t>, Scheduler (</a:t>
+            <a:rPr lang="en-IN" dirty="0"/>
+            <a:t>, </a:t>
           </a:r>
           <a:r>
-            <a:rPr lang="en-US" b="1" dirty="0"/>
-            <a:t>Lambda</a:t>
+            <a:rPr lang="en-IN" b="1" dirty="0"/>
+            <a:t>GitHub</a:t>
           </a:r>
           <a:r>
-            <a:rPr lang="en-US" dirty="0"/>
-            <a:t>)</a:t>
+            <a:rPr lang="en-IN" dirty="0"/>
+            <a:t>, </a:t>
           </a:r>
-          <a:endParaRPr lang="en-US" b="0" dirty="0"/>
+          <a:r>
+            <a:rPr lang="en-IN" b="1" dirty="0"/>
+            <a:t>Jenkins</a:t>
+          </a:r>
+          <a:r>
+            <a:rPr lang="en-IN" dirty="0"/>
+            <a:t> and </a:t>
+          </a:r>
+          <a:r>
+            <a:rPr lang="en-IN" b="1" dirty="0"/>
+            <a:t>Quay</a:t>
+          </a:r>
+          <a:r>
+            <a:rPr lang="en-IN" dirty="0"/>
+            <a:t> Private Repository.</a:t>
+          </a:r>
         </a:p>
       </dgm:t>
     </dgm:pt>
-    <dgm:pt modelId="{A3D03C22-27B5-432F-9CFD-1587E374777B}" type="parTrans" cxnId="{3A793E37-C781-4C03-BCEB-8BF2809411BB}">
+    <dgm:pt modelId="{A2EEBBC5-9469-41D0-8481-1B47ACB4076F}" type="parTrans" cxnId="{12EE4DE1-A579-4D3D-8089-D7E45AD88B02}">
       <dgm:prSet/>
       <dgm:spPr/>
       <dgm:t>
@@ -6163,7 +5835,7 @@
         </a:p>
       </dgm:t>
     </dgm:pt>
-    <dgm:pt modelId="{A273E23E-7383-4E3E-AB9A-84FBEBF65A8D}" type="sibTrans" cxnId="{3A793E37-C781-4C03-BCEB-8BF2809411BB}">
+    <dgm:pt modelId="{99AA05BA-280E-4C9D-9815-16E5331F07D4}" type="sibTrans" cxnId="{12EE4DE1-A579-4D3D-8089-D7E45AD88B02}">
       <dgm:prSet/>
       <dgm:spPr/>
       <dgm:t>
@@ -6174,98 +5846,49 @@
         </a:p>
       </dgm:t>
     </dgm:pt>
-    <dgm:pt modelId="{0C385B0E-76C9-448D-A0A1-6CD18DC34EA7}">
-      <dgm:prSet phldrT="[Text]"/>
+    <dgm:pt modelId="{A91DF037-9D27-49C4-9755-8CEEECDCB253}">
+      <dgm:prSet/>
       <dgm:spPr/>
       <dgm:t>
         <a:bodyPr/>
         <a:lstStyle/>
         <a:p>
-          <a:pPr algn="just">
-            <a:buFont typeface="Wingdings" panose="05000000000000000000" pitchFamily="2" charset="2"/>
-            <a:buChar char="§"/>
+          <a:pPr>
+            <a:buFont typeface="Symbol" panose="05050102010706020507" pitchFamily="18" charset="2"/>
+            <a:buChar char=""/>
           </a:pPr>
           <a:r>
-            <a:rPr lang="en-US" dirty="0"/>
-            <a:t>Production Application Support (</a:t>
+            <a:rPr lang="en-IN" dirty="0"/>
+            <a:t>Conducted </a:t>
           </a:r>
           <a:r>
-            <a:rPr lang="en-US" b="1" dirty="0"/>
-            <a:t>IBM WebSphere</a:t>
+            <a:rPr lang="en-IN" b="1" dirty="0"/>
+            <a:t>audits</a:t>
           </a:r>
           <a:r>
-            <a:rPr lang="en-US" dirty="0"/>
-            <a:t>, </a:t>
+            <a:rPr lang="en-IN" dirty="0"/>
+            <a:t> for </a:t>
           </a:r>
           <a:r>
-            <a:rPr lang="en-US" b="1" dirty="0"/>
-            <a:t>Tomcat</a:t>
+            <a:rPr lang="en-IN" b="1" dirty="0"/>
+            <a:t>compliance</a:t>
           </a:r>
           <a:r>
-            <a:rPr lang="en-US" dirty="0"/>
-            <a:t>, </a:t>
+            <a:rPr lang="en-IN" dirty="0"/>
+            <a:t> with security policies, ensuring </a:t>
           </a:r>
           <a:r>
-            <a:rPr lang="en-US" b="1" dirty="0"/>
-            <a:t>Apache</a:t>
+            <a:rPr lang="en-IN" b="1" dirty="0"/>
+            <a:t>99.9% score</a:t>
           </a:r>
           <a:r>
-            <a:rPr lang="en-US" dirty="0"/>
-            <a:t>, </a:t>
+            <a:rPr lang="en-IN" dirty="0"/>
+            <a:t> on all audits.</a:t>
           </a:r>
-          <a:r>
-            <a:rPr lang="en-US" b="1" dirty="0"/>
-            <a:t>Nginx</a:t>
-          </a:r>
-          <a:r>
-            <a:rPr lang="en-US" dirty="0"/>
-            <a:t>) Team including Middleware Database Support (</a:t>
-          </a:r>
-          <a:r>
-            <a:rPr lang="en-US" b="1" dirty="0"/>
-            <a:t>Oracle10</a:t>
-          </a:r>
-          <a:r>
-            <a:rPr lang="en-US" dirty="0"/>
-            <a:t>, </a:t>
-          </a:r>
-          <a:r>
-            <a:rPr lang="en-US" b="1" dirty="0"/>
-            <a:t>11G</a:t>
-          </a:r>
-          <a:r>
-            <a:rPr lang="en-US" dirty="0"/>
-            <a:t> and </a:t>
-          </a:r>
-          <a:r>
-            <a:rPr lang="en-US" b="1" dirty="0"/>
-            <a:t>12C</a:t>
-          </a:r>
-          <a:r>
-            <a:rPr lang="en-US" dirty="0"/>
-            <a:t>, DB2, </a:t>
-          </a:r>
-          <a:r>
-            <a:rPr lang="en-US" b="1" dirty="0"/>
-            <a:t>MySQL</a:t>
-          </a:r>
-          <a:r>
-            <a:rPr lang="en-US" dirty="0"/>
-            <a:t>, </a:t>
-          </a:r>
-          <a:r>
-            <a:rPr lang="en-US" b="1" dirty="0" err="1"/>
-            <a:t>PostgreySQL</a:t>
-          </a:r>
-          <a:r>
-            <a:rPr lang="en-US" dirty="0"/>
-            <a:t>, NoSQL).</a:t>
-          </a:r>
-          <a:endParaRPr lang="en-US" b="0" dirty="0"/>
         </a:p>
       </dgm:t>
     </dgm:pt>
-    <dgm:pt modelId="{54C2626B-BBA7-4ADA-8226-39408C77D196}" type="parTrans" cxnId="{92DB6E80-8269-4D73-BD3E-C772459C4690}">
+    <dgm:pt modelId="{0D485493-5538-4D54-822F-199A346EC057}" type="parTrans" cxnId="{39B86306-9D5C-463F-9E1C-C46E1ACCF36D}">
       <dgm:prSet/>
       <dgm:spPr/>
       <dgm:t>
@@ -6276,7 +5899,255 @@
         </a:p>
       </dgm:t>
     </dgm:pt>
-    <dgm:pt modelId="{5C1EBBF0-03B2-4809-A85B-41C85AD4CBC9}" type="sibTrans" cxnId="{92DB6E80-8269-4D73-BD3E-C772459C4690}">
+    <dgm:pt modelId="{C104382D-72AE-40D2-9F8D-952BCD2BED6C}" type="sibTrans" cxnId="{39B86306-9D5C-463F-9E1C-C46E1ACCF36D}">
+      <dgm:prSet/>
+      <dgm:spPr/>
+      <dgm:t>
+        <a:bodyPr/>
+        <a:lstStyle/>
+        <a:p>
+          <a:endParaRPr lang="en-IN"/>
+        </a:p>
+      </dgm:t>
+    </dgm:pt>
+    <dgm:pt modelId="{6CB918A6-B1CE-433C-B49B-985469E621DC}">
+      <dgm:prSet/>
+      <dgm:spPr/>
+      <dgm:t>
+        <a:bodyPr/>
+        <a:lstStyle/>
+        <a:p>
+          <a:pPr>
+            <a:buFont typeface="Symbol" panose="05050102010706020507" pitchFamily="18" charset="2"/>
+            <a:buChar char=""/>
+          </a:pPr>
+          <a:r>
+            <a:rPr lang="en-IN"/>
+            <a:t>Migrated microservice to </a:t>
+          </a:r>
+          <a:r>
+            <a:rPr lang="en-IN" b="1"/>
+            <a:t>containerized</a:t>
+          </a:r>
+          <a:r>
+            <a:rPr lang="en-IN"/>
+            <a:t> as pods </a:t>
+          </a:r>
+          <a:r>
+            <a:rPr lang="en-IN" b="1"/>
+            <a:t>EKS, AKS &amp; GKE Cluster,</a:t>
+          </a:r>
+          <a:r>
+            <a:rPr lang="en-IN"/>
+            <a:t> fall down deployment time by 50%.</a:t>
+          </a:r>
+        </a:p>
+      </dgm:t>
+    </dgm:pt>
+    <dgm:pt modelId="{24E00F5C-35E0-4D47-B2F1-87377F109ED3}" type="parTrans" cxnId="{12AC90EC-6452-4187-B55C-743C6BCAC803}">
+      <dgm:prSet/>
+      <dgm:spPr/>
+      <dgm:t>
+        <a:bodyPr/>
+        <a:lstStyle/>
+        <a:p>
+          <a:endParaRPr lang="en-IN"/>
+        </a:p>
+      </dgm:t>
+    </dgm:pt>
+    <dgm:pt modelId="{DCCC92CC-A008-45C2-9116-678A5DCE3F53}" type="sibTrans" cxnId="{12AC90EC-6452-4187-B55C-743C6BCAC803}">
+      <dgm:prSet/>
+      <dgm:spPr/>
+      <dgm:t>
+        <a:bodyPr/>
+        <a:lstStyle/>
+        <a:p>
+          <a:endParaRPr lang="en-IN"/>
+        </a:p>
+      </dgm:t>
+    </dgm:pt>
+    <dgm:pt modelId="{61EF0740-15E8-4FE5-9551-7E09E8299014}">
+      <dgm:prSet/>
+      <dgm:spPr/>
+      <dgm:t>
+        <a:bodyPr/>
+        <a:lstStyle/>
+        <a:p>
+          <a:pPr>
+            <a:buFont typeface="Symbol" panose="05050102010706020507" pitchFamily="18" charset="2"/>
+            <a:buChar char=""/>
+          </a:pPr>
+          <a:r>
+            <a:rPr lang="en-IN" dirty="0"/>
+            <a:t>Optimized application performance by implementing </a:t>
+          </a:r>
+          <a:r>
+            <a:rPr lang="en-IN" b="1" dirty="0"/>
+            <a:t>auto-scaling</a:t>
+          </a:r>
+          <a:r>
+            <a:rPr lang="en-IN" dirty="0"/>
+            <a:t> and </a:t>
+          </a:r>
+          <a:r>
+            <a:rPr lang="en-IN" b="1" dirty="0"/>
+            <a:t>load balancing</a:t>
+          </a:r>
+          <a:r>
+            <a:rPr lang="en-IN" dirty="0"/>
+            <a:t>, shorten latency by 40% and expanded uptime to 99.99% for IaaS application with 20% cost saving.</a:t>
+          </a:r>
+        </a:p>
+      </dgm:t>
+    </dgm:pt>
+    <dgm:pt modelId="{E03B6D17-6515-4D32-B5D2-DAD565E9C0B1}" type="parTrans" cxnId="{9A1A3C68-667A-436A-9002-BACC6334C280}">
+      <dgm:prSet/>
+      <dgm:spPr/>
+      <dgm:t>
+        <a:bodyPr/>
+        <a:lstStyle/>
+        <a:p>
+          <a:endParaRPr lang="en-IN"/>
+        </a:p>
+      </dgm:t>
+    </dgm:pt>
+    <dgm:pt modelId="{CC09B152-1A6C-494E-A247-799F623078E6}" type="sibTrans" cxnId="{9A1A3C68-667A-436A-9002-BACC6334C280}">
+      <dgm:prSet/>
+      <dgm:spPr/>
+      <dgm:t>
+        <a:bodyPr/>
+        <a:lstStyle/>
+        <a:p>
+          <a:endParaRPr lang="en-IN"/>
+        </a:p>
+      </dgm:t>
+    </dgm:pt>
+    <dgm:pt modelId="{4886CB21-B973-4900-83D8-EB6D88BF6300}">
+      <dgm:prSet/>
+      <dgm:spPr/>
+      <dgm:t>
+        <a:bodyPr/>
+        <a:lstStyle/>
+        <a:p>
+          <a:pPr>
+            <a:buFont typeface="Symbol" panose="05050102010706020507" pitchFamily="18" charset="2"/>
+            <a:buChar char=""/>
+          </a:pPr>
+          <a:r>
+            <a:rPr lang="en-IN" dirty="0"/>
+            <a:t>Resolved L3 / L4 level problem for </a:t>
+          </a:r>
+          <a:r>
+            <a:rPr lang="en-IN" b="1" dirty="0"/>
+            <a:t>Kubernetes Cluster</a:t>
+          </a:r>
+          <a:r>
+            <a:rPr lang="en-IN" dirty="0"/>
+            <a:t>, Pods, </a:t>
+          </a:r>
+          <a:r>
+            <a:rPr lang="en-IN" b="1" dirty="0"/>
+            <a:t>Docker</a:t>
+          </a:r>
+          <a:r>
+            <a:rPr lang="en-IN" dirty="0"/>
+            <a:t> &amp; Container, </a:t>
+          </a:r>
+          <a:r>
+            <a:rPr lang="en-IN" b="1" dirty="0"/>
+            <a:t>GitHub</a:t>
+          </a:r>
+          <a:r>
+            <a:rPr lang="en-IN" dirty="0"/>
+            <a:t>, SVN, </a:t>
+          </a:r>
+          <a:r>
+            <a:rPr lang="en-IN" b="1" dirty="0"/>
+            <a:t>Jenkins</a:t>
+          </a:r>
+          <a:r>
+            <a:rPr lang="en-IN" dirty="0"/>
+            <a:t> and </a:t>
+          </a:r>
+          <a:r>
+            <a:rPr lang="en-IN" b="1" dirty="0"/>
+            <a:t>Ansible</a:t>
+          </a:r>
+          <a:r>
+            <a:rPr lang="en-IN" dirty="0"/>
+            <a:t>.</a:t>
+          </a:r>
+        </a:p>
+      </dgm:t>
+    </dgm:pt>
+    <dgm:pt modelId="{B08DDC2E-9CA9-4C75-BA73-8145FF3A126A}" type="parTrans" cxnId="{6A03EC78-0869-4891-9C09-96F02B3DF5C7}">
+      <dgm:prSet/>
+      <dgm:spPr/>
+      <dgm:t>
+        <a:bodyPr/>
+        <a:lstStyle/>
+        <a:p>
+          <a:endParaRPr lang="en-IN"/>
+        </a:p>
+      </dgm:t>
+    </dgm:pt>
+    <dgm:pt modelId="{26B1771A-57C6-407B-B486-9528E3D45409}" type="sibTrans" cxnId="{6A03EC78-0869-4891-9C09-96F02B3DF5C7}">
+      <dgm:prSet/>
+      <dgm:spPr/>
+      <dgm:t>
+        <a:bodyPr/>
+        <a:lstStyle/>
+        <a:p>
+          <a:endParaRPr lang="en-IN"/>
+        </a:p>
+      </dgm:t>
+    </dgm:pt>
+    <dgm:pt modelId="{6FBF2F1E-4475-4D6B-B2A9-9FBB78604800}">
+      <dgm:prSet/>
+      <dgm:spPr/>
+      <dgm:t>
+        <a:bodyPr/>
+        <a:lstStyle/>
+        <a:p>
+          <a:pPr>
+            <a:buFont typeface="Symbol" panose="05050102010706020507" pitchFamily="18" charset="2"/>
+            <a:buChar char=""/>
+          </a:pPr>
+          <a:r>
+            <a:rPr lang="en-IN" dirty="0"/>
+            <a:t>Optimized the L3 support as a Technical Specialist – SME for </a:t>
+          </a:r>
+          <a:r>
+            <a:rPr lang="en-IN" b="1" dirty="0"/>
+            <a:t>AWS</a:t>
+          </a:r>
+          <a:r>
+            <a:rPr lang="en-IN" dirty="0"/>
+            <a:t> and </a:t>
+          </a:r>
+          <a:r>
+            <a:rPr lang="en-IN" b="1" dirty="0"/>
+            <a:t>Azure</a:t>
+          </a:r>
+          <a:r>
+            <a:rPr lang="en-IN" dirty="0"/>
+            <a:t> Cloud.</a:t>
+          </a:r>
+        </a:p>
+      </dgm:t>
+    </dgm:pt>
+    <dgm:pt modelId="{F9A0506D-CE9A-4577-8E7E-990815CD194A}" type="parTrans" cxnId="{08C32E58-7DF0-40D4-AEBA-8DC5F9588923}">
+      <dgm:prSet/>
+      <dgm:spPr/>
+      <dgm:t>
+        <a:bodyPr/>
+        <a:lstStyle/>
+        <a:p>
+          <a:endParaRPr lang="en-IN"/>
+        </a:p>
+      </dgm:t>
+    </dgm:pt>
+    <dgm:pt modelId="{BB9D6D20-F9A1-4760-AD3A-47C5FA1E5E97}" type="sibTrans" cxnId="{08C32E58-7DF0-40D4-AEBA-8DC5F9588923}">
       <dgm:prSet/>
       <dgm:spPr/>
       <dgm:t>
@@ -6295,13 +6166,6 @@
         </dgm:presLayoutVars>
       </dgm:prSet>
       <dgm:spPr/>
-      <dgm:t>
-        <a:bodyPr/>
-        <a:lstStyle/>
-        <a:p>
-          <a:endParaRPr lang="en-IN"/>
-        </a:p>
-      </dgm:t>
     </dgm:pt>
     <dgm:pt modelId="{04DFAE79-FE64-4AA0-8B4B-72BF8BAA21AE}" type="pres">
       <dgm:prSet presAssocID="{AC9882B7-5B97-473A-B8AE-8E353876C9BB}" presName="parentText" presStyleLbl="node1" presStyleIdx="0" presStyleCnt="3">
@@ -6311,13 +6175,6 @@
         </dgm:presLayoutVars>
       </dgm:prSet>
       <dgm:spPr/>
-      <dgm:t>
-        <a:bodyPr/>
-        <a:lstStyle/>
-        <a:p>
-          <a:endParaRPr lang="en-IN"/>
-        </a:p>
-      </dgm:t>
     </dgm:pt>
     <dgm:pt modelId="{C98FEF29-09C1-488D-934E-64D26C2FD628}" type="pres">
       <dgm:prSet presAssocID="{AC9882B7-5B97-473A-B8AE-8E353876C9BB}" presName="childText" presStyleLbl="revTx" presStyleIdx="0" presStyleCnt="3">
@@ -6326,13 +6183,6 @@
         </dgm:presLayoutVars>
       </dgm:prSet>
       <dgm:spPr/>
-      <dgm:t>
-        <a:bodyPr/>
-        <a:lstStyle/>
-        <a:p>
-          <a:endParaRPr lang="en-IN"/>
-        </a:p>
-      </dgm:t>
     </dgm:pt>
     <dgm:pt modelId="{B8801E36-46F3-445B-98C1-58B8DA651519}" type="pres">
       <dgm:prSet presAssocID="{9056B327-7AFE-4B3F-B4AA-314FF0EEAC25}" presName="parentText" presStyleLbl="node1" presStyleIdx="1" presStyleCnt="3">
@@ -6342,13 +6192,6 @@
         </dgm:presLayoutVars>
       </dgm:prSet>
       <dgm:spPr/>
-      <dgm:t>
-        <a:bodyPr/>
-        <a:lstStyle/>
-        <a:p>
-          <a:endParaRPr lang="en-IN"/>
-        </a:p>
-      </dgm:t>
     </dgm:pt>
     <dgm:pt modelId="{FBF5D673-AB7F-48FC-85F8-680FE1673FFB}" type="pres">
       <dgm:prSet presAssocID="{9056B327-7AFE-4B3F-B4AA-314FF0EEAC25}" presName="childText" presStyleLbl="revTx" presStyleIdx="1" presStyleCnt="3">
@@ -6357,13 +6200,6 @@
         </dgm:presLayoutVars>
       </dgm:prSet>
       <dgm:spPr/>
-      <dgm:t>
-        <a:bodyPr/>
-        <a:lstStyle/>
-        <a:p>
-          <a:endParaRPr lang="en-IN"/>
-        </a:p>
-      </dgm:t>
     </dgm:pt>
     <dgm:pt modelId="{9DEA3B43-40B9-470B-8D30-B083AD1256C3}" type="pres">
       <dgm:prSet presAssocID="{EC66EEFA-0CD1-487F-8D8A-B98DE22742FC}" presName="parentText" presStyleLbl="node1" presStyleIdx="2" presStyleCnt="3">
@@ -6373,13 +6209,6 @@
         </dgm:presLayoutVars>
       </dgm:prSet>
       <dgm:spPr/>
-      <dgm:t>
-        <a:bodyPr/>
-        <a:lstStyle/>
-        <a:p>
-          <a:endParaRPr lang="en-IN"/>
-        </a:p>
-      </dgm:t>
     </dgm:pt>
     <dgm:pt modelId="{EBD29935-A74A-46A5-A195-4465FFA3D033}" type="pres">
       <dgm:prSet presAssocID="{EC66EEFA-0CD1-487F-8D8A-B98DE22742FC}" presName="childText" presStyleLbl="revTx" presStyleIdx="2" presStyleCnt="3">
@@ -6388,41 +6217,38 @@
         </dgm:presLayoutVars>
       </dgm:prSet>
       <dgm:spPr/>
-      <dgm:t>
-        <a:bodyPr/>
-        <a:lstStyle/>
-        <a:p>
-          <a:endParaRPr lang="en-IN"/>
-        </a:p>
-      </dgm:t>
     </dgm:pt>
   </dgm:ptLst>
   <dgm:cxnLst>
+    <dgm:cxn modelId="{39B86306-9D5C-463F-9E1C-C46E1ACCF36D}" srcId="{AC9882B7-5B97-473A-B8AE-8E353876C9BB}" destId="{A91DF037-9D27-49C4-9755-8CEEECDCB253}" srcOrd="2" destOrd="0" parTransId="{0D485493-5538-4D54-822F-199A346EC057}" sibTransId="{C104382D-72AE-40D2-9F8D-952BCD2BED6C}"/>
+    <dgm:cxn modelId="{DCD6322B-6539-4500-9B26-EF60F789B623}" type="presOf" srcId="{9056B327-7AFE-4B3F-B4AA-314FF0EEAC25}" destId="{B8801E36-46F3-445B-98C1-58B8DA651519}" srcOrd="0" destOrd="0" presId="urn:microsoft.com/office/officeart/2005/8/layout/vList2"/>
+    <dgm:cxn modelId="{BA0F332C-80FA-492F-BB7C-675E02AA1E4F}" type="presOf" srcId="{4886CB21-B973-4900-83D8-EB6D88BF6300}" destId="{FBF5D673-AB7F-48FC-85F8-680FE1673FFB}" srcOrd="0" destOrd="1" presId="urn:microsoft.com/office/officeart/2005/8/layout/vList2"/>
+    <dgm:cxn modelId="{9BDEF835-074D-4CC4-B340-D43520432176}" type="presOf" srcId="{8D5AD5BE-6066-4D4E-B5DD-808AABA1DA59}" destId="{C98FEF29-09C1-488D-934E-64D26C2FD628}" srcOrd="0" destOrd="1" presId="urn:microsoft.com/office/officeart/2005/8/layout/vList2"/>
+    <dgm:cxn modelId="{A0E3D45C-8F60-4EDF-87AE-393DC1742505}" type="presOf" srcId="{BC389A48-CC17-4508-81AC-D2F4A18D12F5}" destId="{FBF5D673-AB7F-48FC-85F8-680FE1673FFB}" srcOrd="0" destOrd="0" presId="urn:microsoft.com/office/officeart/2005/8/layout/vList2"/>
+    <dgm:cxn modelId="{D7448260-D577-4EE7-8E95-34EA5A9A725C}" type="presOf" srcId="{6AB0A7D9-18B5-4FC9-97A7-059DCF542310}" destId="{EBD29935-A74A-46A5-A195-4465FFA3D033}" srcOrd="0" destOrd="0" presId="urn:microsoft.com/office/officeart/2005/8/layout/vList2"/>
     <dgm:cxn modelId="{167E3E61-D458-41BD-8323-612923B3DCD3}" type="presOf" srcId="{F4E15243-1232-4480-BB2E-D47248CED8B8}" destId="{1EA282F3-81E0-4323-9668-E24C8DED115F}" srcOrd="0" destOrd="0" presId="urn:microsoft.com/office/officeart/2005/8/layout/vList2"/>
+    <dgm:cxn modelId="{9A1A3C68-667A-436A-9002-BACC6334C280}" srcId="{AC9882B7-5B97-473A-B8AE-8E353876C9BB}" destId="{61EF0740-15E8-4FE5-9551-7E09E8299014}" srcOrd="4" destOrd="0" parTransId="{E03B6D17-6515-4D32-B5D2-DAD565E9C0B1}" sibTransId="{CC09B152-1A6C-494E-A247-799F623078E6}"/>
+    <dgm:cxn modelId="{0063F848-1259-4C70-A0DA-4AFC54B669E0}" type="presOf" srcId="{6FBF2F1E-4475-4D6B-B2A9-9FBB78604800}" destId="{FBF5D673-AB7F-48FC-85F8-680FE1673FFB}" srcOrd="0" destOrd="2" presId="urn:microsoft.com/office/officeart/2005/8/layout/vList2"/>
+    <dgm:cxn modelId="{4104976D-1944-4345-B570-20E5B603242F}" srcId="{F4E15243-1232-4480-BB2E-D47248CED8B8}" destId="{EC66EEFA-0CD1-487F-8D8A-B98DE22742FC}" srcOrd="2" destOrd="0" parTransId="{5826A6E3-2FA2-4600-9FE4-6AB4F21C3651}" sibTransId="{50E476DF-B169-43B5-9917-0E3F22C32A19}"/>
+    <dgm:cxn modelId="{08C32E58-7DF0-40D4-AEBA-8DC5F9588923}" srcId="{9056B327-7AFE-4B3F-B4AA-314FF0EEAC25}" destId="{6FBF2F1E-4475-4D6B-B2A9-9FBB78604800}" srcOrd="2" destOrd="0" parTransId="{F9A0506D-CE9A-4577-8E7E-990815CD194A}" sibTransId="{BB9D6D20-F9A1-4760-AD3A-47C5FA1E5E97}"/>
+    <dgm:cxn modelId="{6A03EC78-0869-4891-9C09-96F02B3DF5C7}" srcId="{9056B327-7AFE-4B3F-B4AA-314FF0EEAC25}" destId="{4886CB21-B973-4900-83D8-EB6D88BF6300}" srcOrd="1" destOrd="0" parTransId="{B08DDC2E-9CA9-4C75-BA73-8145FF3A126A}" sibTransId="{26B1771A-57C6-407B-B486-9528E3D45409}"/>
+    <dgm:cxn modelId="{61187C59-1732-499D-A54A-6542F6E0A2F7}" srcId="{9056B327-7AFE-4B3F-B4AA-314FF0EEAC25}" destId="{BC389A48-CC17-4508-81AC-D2F4A18D12F5}" srcOrd="0" destOrd="0" parTransId="{E6A37E1D-0893-42EF-8387-006D643393E6}" sibTransId="{5288EAFC-F42C-4B3D-AD1D-76733596CD3E}"/>
+    <dgm:cxn modelId="{55D85D8A-6365-4D66-9D6A-286CE3B68C31}" type="presOf" srcId="{EC66EEFA-0CD1-487F-8D8A-B98DE22742FC}" destId="{9DEA3B43-40B9-470B-8D30-B083AD1256C3}" srcOrd="0" destOrd="0" presId="urn:microsoft.com/office/officeart/2005/8/layout/vList2"/>
+    <dgm:cxn modelId="{93953793-8545-4EE0-B199-F805735E976D}" srcId="{AC9882B7-5B97-473A-B8AE-8E353876C9BB}" destId="{BB575D33-B599-4A6E-8314-6F8EB7C76DD9}" srcOrd="0" destOrd="0" parTransId="{20EF0785-6C60-42A2-9830-A7DA48D77D69}" sibTransId="{EF5F7304-4474-4830-AC2B-3DD6CC06B2F7}"/>
+    <dgm:cxn modelId="{4F1588A5-77B5-4B95-BEBF-CC23B2F03C43}" srcId="{F4E15243-1232-4480-BB2E-D47248CED8B8}" destId="{AC9882B7-5B97-473A-B8AE-8E353876C9BB}" srcOrd="0" destOrd="0" parTransId="{F5C9465F-0017-46A8-A254-061335301DEA}" sibTransId="{FAEBC639-A4FA-42F7-81BC-03ABC2096F20}"/>
+    <dgm:cxn modelId="{4DBC2AC1-45B6-4D05-A186-A6EAD60EFB9F}" type="presOf" srcId="{BB575D33-B599-4A6E-8314-6F8EB7C76DD9}" destId="{C98FEF29-09C1-488D-934E-64D26C2FD628}" srcOrd="0" destOrd="0" presId="urn:microsoft.com/office/officeart/2005/8/layout/vList2"/>
+    <dgm:cxn modelId="{56EE9BC8-72C6-4A0E-B285-48E3670078B4}" type="presOf" srcId="{344538C5-A293-4DB3-9469-CD3AAEA2F2CA}" destId="{EBD29935-A74A-46A5-A195-4465FFA3D033}" srcOrd="0" destOrd="2" presId="urn:microsoft.com/office/officeart/2005/8/layout/vList2"/>
+    <dgm:cxn modelId="{09B9DCCA-F762-4EFA-A14D-3A2EE8B46271}" type="presOf" srcId="{61EF0740-15E8-4FE5-9551-7E09E8299014}" destId="{C98FEF29-09C1-488D-934E-64D26C2FD628}" srcOrd="0" destOrd="4" presId="urn:microsoft.com/office/officeart/2005/8/layout/vList2"/>
+    <dgm:cxn modelId="{0F7D09CE-D434-49D8-B5AF-53C03DC5D662}" srcId="{EC66EEFA-0CD1-487F-8D8A-B98DE22742FC}" destId="{6AB0A7D9-18B5-4FC9-97A7-059DCF542310}" srcOrd="0" destOrd="0" parTransId="{A0CF9744-3729-43DB-993C-7FAE19A4F027}" sibTransId="{C5C69F04-90E1-4333-A2A9-9B00B881919C}"/>
+    <dgm:cxn modelId="{0BF588D0-E325-4ED2-BEC9-8A9289610B4D}" srcId="{F4E15243-1232-4480-BB2E-D47248CED8B8}" destId="{9056B327-7AFE-4B3F-B4AA-314FF0EEAC25}" srcOrd="1" destOrd="0" parTransId="{46CBCFCC-39EC-4B2F-81BE-0FF159C2FAEA}" sibTransId="{40E47454-FD7B-4C6A-8D9B-D82FF9F70CDF}"/>
     <dgm:cxn modelId="{EDF2C6D1-3A8B-4D4F-9F13-54F1C777CA1E}" srcId="{EC66EEFA-0CD1-487F-8D8A-B98DE22742FC}" destId="{344538C5-A293-4DB3-9469-CD3AAEA2F2CA}" srcOrd="2" destOrd="0" parTransId="{98F716CD-592A-4E91-BEAB-A153A651245C}" sibTransId="{CE41E365-5237-4296-BAAD-7FD3BB31FA8D}"/>
-    <dgm:cxn modelId="{92DB6E80-8269-4D73-BD3E-C772459C4690}" srcId="{AC9882B7-5B97-473A-B8AE-8E353876C9BB}" destId="{0C385B0E-76C9-448D-A0A1-6CD18DC34EA7}" srcOrd="2" destOrd="0" parTransId="{54C2626B-BBA7-4ADA-8226-39408C77D196}" sibTransId="{5C1EBBF0-03B2-4809-A85B-41C85AD4CBC9}"/>
+    <dgm:cxn modelId="{9B042ED3-C556-4A9C-8795-DADBB0182712}" type="presOf" srcId="{6CB918A6-B1CE-433C-B49B-985469E621DC}" destId="{C98FEF29-09C1-488D-934E-64D26C2FD628}" srcOrd="0" destOrd="3" presId="urn:microsoft.com/office/officeart/2005/8/layout/vList2"/>
+    <dgm:cxn modelId="{72A0EADB-7D8B-41EB-80A4-22F919BAE6AD}" type="presOf" srcId="{A64413E6-C548-4C3F-AF68-84968ACA8D50}" destId="{EBD29935-A74A-46A5-A195-4465FFA3D033}" srcOrd="0" destOrd="1" presId="urn:microsoft.com/office/officeart/2005/8/layout/vList2"/>
+    <dgm:cxn modelId="{12EE4DE1-A579-4D3D-8089-D7E45AD88B02}" srcId="{AC9882B7-5B97-473A-B8AE-8E353876C9BB}" destId="{8D5AD5BE-6066-4D4E-B5DD-808AABA1DA59}" srcOrd="1" destOrd="0" parTransId="{A2EEBBC5-9469-41D0-8481-1B47ACB4076F}" sibTransId="{99AA05BA-280E-4C9D-9815-16E5331F07D4}"/>
+    <dgm:cxn modelId="{7F30C3EA-F977-41D0-9752-BC6B37311D75}" type="presOf" srcId="{AC9882B7-5B97-473A-B8AE-8E353876C9BB}" destId="{04DFAE79-FE64-4AA0-8B4B-72BF8BAA21AE}" srcOrd="0" destOrd="0" presId="urn:microsoft.com/office/officeart/2005/8/layout/vList2"/>
+    <dgm:cxn modelId="{12AC90EC-6452-4187-B55C-743C6BCAC803}" srcId="{AC9882B7-5B97-473A-B8AE-8E353876C9BB}" destId="{6CB918A6-B1CE-433C-B49B-985469E621DC}" srcOrd="3" destOrd="0" parTransId="{24E00F5C-35E0-4D47-B2F1-87377F109ED3}" sibTransId="{DCCC92CC-A008-45C2-9116-678A5DCE3F53}"/>
     <dgm:cxn modelId="{9D466AF6-34B5-47AD-97DA-D2CFF7C23004}" srcId="{EC66EEFA-0CD1-487F-8D8A-B98DE22742FC}" destId="{A64413E6-C548-4C3F-AF68-84968ACA8D50}" srcOrd="1" destOrd="0" parTransId="{63F1C55B-6B25-4A07-B44B-73533B82D19A}" sibTransId="{BCA0EE46-D466-4C38-ACBB-CE9AF8580C93}"/>
-    <dgm:cxn modelId="{55D85D8A-6365-4D66-9D6A-286CE3B68C31}" type="presOf" srcId="{EC66EEFA-0CD1-487F-8D8A-B98DE22742FC}" destId="{9DEA3B43-40B9-470B-8D30-B083AD1256C3}" srcOrd="0" destOrd="0" presId="urn:microsoft.com/office/officeart/2005/8/layout/vList2"/>
-    <dgm:cxn modelId="{2C8399E4-76E2-411A-B267-0ECF2D81129D}" srcId="{9056B327-7AFE-4B3F-B4AA-314FF0EEAC25}" destId="{7D0D7A66-6808-4C2F-8514-5D41801A6ADF}" srcOrd="1" destOrd="0" parTransId="{343CD4FA-C055-4D66-95A9-E1BCCB91A167}" sibTransId="{86192F8B-B083-4197-A91D-A8D4DBB0EF7B}"/>
-    <dgm:cxn modelId="{0F7D09CE-D434-49D8-B5AF-53C03DC5D662}" srcId="{EC66EEFA-0CD1-487F-8D8A-B98DE22742FC}" destId="{6AB0A7D9-18B5-4FC9-97A7-059DCF542310}" srcOrd="0" destOrd="0" parTransId="{A0CF9744-3729-43DB-993C-7FAE19A4F027}" sibTransId="{C5C69F04-90E1-4333-A2A9-9B00B881919C}"/>
-    <dgm:cxn modelId="{7F30C3EA-F977-41D0-9752-BC6B37311D75}" type="presOf" srcId="{AC9882B7-5B97-473A-B8AE-8E353876C9BB}" destId="{04DFAE79-FE64-4AA0-8B4B-72BF8BAA21AE}" srcOrd="0" destOrd="0" presId="urn:microsoft.com/office/officeart/2005/8/layout/vList2"/>
-    <dgm:cxn modelId="{0BF588D0-E325-4ED2-BEC9-8A9289610B4D}" srcId="{F4E15243-1232-4480-BB2E-D47248CED8B8}" destId="{9056B327-7AFE-4B3F-B4AA-314FF0EEAC25}" srcOrd="1" destOrd="0" parTransId="{46CBCFCC-39EC-4B2F-81BE-0FF159C2FAEA}" sibTransId="{40E47454-FD7B-4C6A-8D9B-D82FF9F70CDF}"/>
-    <dgm:cxn modelId="{13D4BF81-BCC2-4D51-A18E-182709CF37A4}" type="presOf" srcId="{7D0D7A66-6808-4C2F-8514-5D41801A6ADF}" destId="{FBF5D673-AB7F-48FC-85F8-680FE1673FFB}" srcOrd="0" destOrd="1" presId="urn:microsoft.com/office/officeart/2005/8/layout/vList2"/>
-    <dgm:cxn modelId="{8C8520EC-78F6-4E18-B521-A6506FD7C32D}" type="presOf" srcId="{1A0EDDCC-9364-44B9-9ACE-65B9904490F2}" destId="{FBF5D673-AB7F-48FC-85F8-680FE1673FFB}" srcOrd="0" destOrd="2" presId="urn:microsoft.com/office/officeart/2005/8/layout/vList2"/>
-    <dgm:cxn modelId="{93953793-8545-4EE0-B199-F805735E976D}" srcId="{AC9882B7-5B97-473A-B8AE-8E353876C9BB}" destId="{BB575D33-B599-4A6E-8314-6F8EB7C76DD9}" srcOrd="0" destOrd="0" parTransId="{20EF0785-6C60-42A2-9830-A7DA48D77D69}" sibTransId="{EF5F7304-4474-4830-AC2B-3DD6CC06B2F7}"/>
-    <dgm:cxn modelId="{61187C59-1732-499D-A54A-6542F6E0A2F7}" srcId="{9056B327-7AFE-4B3F-B4AA-314FF0EEAC25}" destId="{BC389A48-CC17-4508-81AC-D2F4A18D12F5}" srcOrd="0" destOrd="0" parTransId="{E6A37E1D-0893-42EF-8387-006D643393E6}" sibTransId="{5288EAFC-F42C-4B3D-AD1D-76733596CD3E}"/>
-    <dgm:cxn modelId="{D7448260-D577-4EE7-8E95-34EA5A9A725C}" type="presOf" srcId="{6AB0A7D9-18B5-4FC9-97A7-059DCF542310}" destId="{EBD29935-A74A-46A5-A195-4465FFA3D033}" srcOrd="0" destOrd="0" presId="urn:microsoft.com/office/officeart/2005/8/layout/vList2"/>
-    <dgm:cxn modelId="{56EE9BC8-72C6-4A0E-B285-48E3670078B4}" type="presOf" srcId="{344538C5-A293-4DB3-9469-CD3AAEA2F2CA}" destId="{EBD29935-A74A-46A5-A195-4465FFA3D033}" srcOrd="0" destOrd="2" presId="urn:microsoft.com/office/officeart/2005/8/layout/vList2"/>
-    <dgm:cxn modelId="{A0E3D45C-8F60-4EDF-87AE-393DC1742505}" type="presOf" srcId="{BC389A48-CC17-4508-81AC-D2F4A18D12F5}" destId="{FBF5D673-AB7F-48FC-85F8-680FE1673FFB}" srcOrd="0" destOrd="0" presId="urn:microsoft.com/office/officeart/2005/8/layout/vList2"/>
-    <dgm:cxn modelId="{DCD6322B-6539-4500-9B26-EF60F789B623}" type="presOf" srcId="{9056B327-7AFE-4B3F-B4AA-314FF0EEAC25}" destId="{B8801E36-46F3-445B-98C1-58B8DA651519}" srcOrd="0" destOrd="0" presId="urn:microsoft.com/office/officeart/2005/8/layout/vList2"/>
-    <dgm:cxn modelId="{4DBC2AC1-45B6-4D05-A186-A6EAD60EFB9F}" type="presOf" srcId="{BB575D33-B599-4A6E-8314-6F8EB7C76DD9}" destId="{C98FEF29-09C1-488D-934E-64D26C2FD628}" srcOrd="0" destOrd="0" presId="urn:microsoft.com/office/officeart/2005/8/layout/vList2"/>
-    <dgm:cxn modelId="{6AC14E06-6875-48C1-80CA-D072F63B3E69}" type="presOf" srcId="{0C385B0E-76C9-448D-A0A1-6CD18DC34EA7}" destId="{C98FEF29-09C1-488D-934E-64D26C2FD628}" srcOrd="0" destOrd="2" presId="urn:microsoft.com/office/officeart/2005/8/layout/vList2"/>
-    <dgm:cxn modelId="{4F1588A5-77B5-4B95-BEBF-CC23B2F03C43}" srcId="{F4E15243-1232-4480-BB2E-D47248CED8B8}" destId="{AC9882B7-5B97-473A-B8AE-8E353876C9BB}" srcOrd="0" destOrd="0" parTransId="{F5C9465F-0017-46A8-A254-061335301DEA}" sibTransId="{FAEBC639-A4FA-42F7-81BC-03ABC2096F20}"/>
-    <dgm:cxn modelId="{4104976D-1944-4345-B570-20E5B603242F}" srcId="{F4E15243-1232-4480-BB2E-D47248CED8B8}" destId="{EC66EEFA-0CD1-487F-8D8A-B98DE22742FC}" srcOrd="2" destOrd="0" parTransId="{5826A6E3-2FA2-4600-9FE4-6AB4F21C3651}" sibTransId="{50E476DF-B169-43B5-9917-0E3F22C32A19}"/>
-    <dgm:cxn modelId="{3A793E37-C781-4C03-BCEB-8BF2809411BB}" srcId="{AC9882B7-5B97-473A-B8AE-8E353876C9BB}" destId="{CF132972-61C7-43CA-B62B-C57DE1F1F9D5}" srcOrd="1" destOrd="0" parTransId="{A3D03C22-27B5-432F-9CFD-1587E374777B}" sibTransId="{A273E23E-7383-4E3E-AB9A-84FBEBF65A8D}"/>
-    <dgm:cxn modelId="{72A0EADB-7D8B-41EB-80A4-22F919BAE6AD}" type="presOf" srcId="{A64413E6-C548-4C3F-AF68-84968ACA8D50}" destId="{EBD29935-A74A-46A5-A195-4465FFA3D033}" srcOrd="0" destOrd="1" presId="urn:microsoft.com/office/officeart/2005/8/layout/vList2"/>
-    <dgm:cxn modelId="{C51D6FAE-84C1-4FDC-8DC8-AE31F39BA761}" srcId="{9056B327-7AFE-4B3F-B4AA-314FF0EEAC25}" destId="{1A0EDDCC-9364-44B9-9ACE-65B9904490F2}" srcOrd="2" destOrd="0" parTransId="{C2C66335-2ECB-47BE-B41A-394F087057DA}" sibTransId="{4B500128-3FB2-40FA-9CDC-AAD5D965C4AC}"/>
-    <dgm:cxn modelId="{34AD6EC9-CB47-4696-AE97-D3F6443A1C5A}" type="presOf" srcId="{CF132972-61C7-43CA-B62B-C57DE1F1F9D5}" destId="{C98FEF29-09C1-488D-934E-64D26C2FD628}" srcOrd="0" destOrd="1" presId="urn:microsoft.com/office/officeart/2005/8/layout/vList2"/>
+    <dgm:cxn modelId="{8B08E5FC-02DA-4614-9F35-DDF445BD701B}" type="presOf" srcId="{A91DF037-9D27-49C4-9755-8CEEECDCB253}" destId="{C98FEF29-09C1-488D-934E-64D26C2FD628}" srcOrd="0" destOrd="2" presId="urn:microsoft.com/office/officeart/2005/8/layout/vList2"/>
     <dgm:cxn modelId="{0597E707-85BD-41A2-92AE-803229582AAB}" type="presParOf" srcId="{1EA282F3-81E0-4323-9668-E24C8DED115F}" destId="{04DFAE79-FE64-4AA0-8B4B-72BF8BAA21AE}" srcOrd="0" destOrd="0" presId="urn:microsoft.com/office/officeart/2005/8/layout/vList2"/>
     <dgm:cxn modelId="{1F131300-3481-4D14-BE2E-304BA7A1A7AF}" type="presParOf" srcId="{1EA282F3-81E0-4323-9668-E24C8DED115F}" destId="{C98FEF29-09C1-488D-934E-64D26C2FD628}" srcOrd="1" destOrd="0" presId="urn:microsoft.com/office/officeart/2005/8/layout/vList2"/>
     <dgm:cxn modelId="{9E7E442F-0486-4544-8FCB-2183609A5FDF}" type="presParOf" srcId="{1EA282F3-81E0-4323-9668-E24C8DED115F}" destId="{B8801E36-46F3-445B-98C1-58B8DA651519}" srcOrd="2" destOrd="0" presId="urn:microsoft.com/office/officeart/2005/8/layout/vList2"/>
@@ -6510,7 +6336,7 @@
                 <a14:useLocalDpi xmlns:a14="http://schemas.microsoft.com/office/drawing/2010/main" val="0"/>
               </a:ext>
               <a:ext uri="{96DAC541-7B7A-43D3-8B79-37D633B846F1}">
-                <asvg:svgBlip xmlns:asvg="http://schemas.microsoft.com/office/drawing/2016/SVG/main" xmlns="" r:embed="rId2"/>
+                <asvg:svgBlip xmlns:asvg="http://schemas.microsoft.com/office/drawing/2016/SVG/main" r:embed="rId2"/>
               </a:ext>
             </a:extLst>
           </a:blip>
@@ -6577,7 +6403,7 @@
         </a:bodyPr>
         <a:lstStyle/>
         <a:p>
-          <a:pPr lvl="0" algn="l" defTabSz="711200">
+          <a:pPr marL="0" lvl="0" indent="0" algn="l" defTabSz="711200">
             <a:lnSpc>
               <a:spcPct val="100000"/>
             </a:lnSpc>
@@ -6587,6 +6413,7 @@
             <a:spcAft>
               <a:spcPct val="35000"/>
             </a:spcAft>
+            <a:buNone/>
           </a:pPr>
           <a:r>
             <a:rPr lang="en-IN" sz="1600" kern="1200" dirty="0">
@@ -6666,7 +6493,7 @@
                 <a14:useLocalDpi xmlns:a14="http://schemas.microsoft.com/office/drawing/2010/main" val="0"/>
               </a:ext>
               <a:ext uri="{96DAC541-7B7A-43D3-8B79-37D633B846F1}">
-                <asvg:svgBlip xmlns:asvg="http://schemas.microsoft.com/office/drawing/2016/SVG/main" xmlns="" r:embed="rId4"/>
+                <asvg:svgBlip xmlns:asvg="http://schemas.microsoft.com/office/drawing/2016/SVG/main" r:embed="rId4"/>
               </a:ext>
             </a:extLst>
           </a:blip>
@@ -6733,7 +6560,7 @@
         </a:bodyPr>
         <a:lstStyle/>
         <a:p>
-          <a:pPr lvl="0" algn="l" defTabSz="711200">
+          <a:pPr marL="0" lvl="0" indent="0" algn="l" defTabSz="711200">
             <a:lnSpc>
               <a:spcPct val="100000"/>
             </a:lnSpc>
@@ -6743,6 +6570,7 @@
             <a:spcAft>
               <a:spcPct val="35000"/>
             </a:spcAft>
+            <a:buNone/>
           </a:pPr>
           <a:r>
             <a:rPr lang="en-IN" sz="1600" kern="1200">
@@ -6850,7 +6678,7 @@
                 <a14:useLocalDpi xmlns:a14="http://schemas.microsoft.com/office/drawing/2010/main" val="0"/>
               </a:ext>
               <a:ext uri="{96DAC541-7B7A-43D3-8B79-37D633B846F1}">
-                <asvg:svgBlip xmlns:asvg="http://schemas.microsoft.com/office/drawing/2016/SVG/main" xmlns="" r:embed="rId6"/>
+                <asvg:svgBlip xmlns:asvg="http://schemas.microsoft.com/office/drawing/2016/SVG/main" r:embed="rId6"/>
               </a:ext>
             </a:extLst>
           </a:blip>
@@ -6917,7 +6745,7 @@
         </a:bodyPr>
         <a:lstStyle/>
         <a:p>
-          <a:pPr lvl="0" algn="l" defTabSz="711200">
+          <a:pPr marL="0" lvl="0" indent="0" algn="l" defTabSz="711200">
             <a:lnSpc>
               <a:spcPct val="100000"/>
             </a:lnSpc>
@@ -6927,6 +6755,7 @@
             <a:spcAft>
               <a:spcPct val="35000"/>
             </a:spcAft>
+            <a:buNone/>
           </a:pPr>
           <a:r>
             <a:rPr lang="en-IN" sz="1600" kern="1200">
@@ -7026,7 +6855,7 @@
                 <a14:useLocalDpi xmlns:a14="http://schemas.microsoft.com/office/drawing/2010/main" val="0"/>
               </a:ext>
               <a:ext uri="{96DAC541-7B7A-43D3-8B79-37D633B846F1}">
-                <asvg:svgBlip xmlns:asvg="http://schemas.microsoft.com/office/drawing/2016/SVG/main" xmlns="" r:embed="rId8"/>
+                <asvg:svgBlip xmlns:asvg="http://schemas.microsoft.com/office/drawing/2016/SVG/main" r:embed="rId8"/>
               </a:ext>
             </a:extLst>
           </a:blip>
@@ -7093,7 +6922,7 @@
         </a:bodyPr>
         <a:lstStyle/>
         <a:p>
-          <a:pPr lvl="0" algn="l" defTabSz="711200">
+          <a:pPr marL="0" lvl="0" indent="0" algn="l" defTabSz="711200">
             <a:lnSpc>
               <a:spcPct val="100000"/>
             </a:lnSpc>
@@ -7103,6 +6932,7 @@
             <a:spcAft>
               <a:spcPct val="35000"/>
             </a:spcAft>
+            <a:buNone/>
           </a:pPr>
           <a:r>
             <a:rPr lang="en-IN" sz="1600" kern="1200" dirty="0">
@@ -7182,7 +7012,7 @@
                 <a14:useLocalDpi xmlns:a14="http://schemas.microsoft.com/office/drawing/2010/main" val="0"/>
               </a:ext>
               <a:ext uri="{96DAC541-7B7A-43D3-8B79-37D633B846F1}">
-                <asvg:svgBlip xmlns:asvg="http://schemas.microsoft.com/office/drawing/2016/SVG/main" xmlns="" r:embed="rId10"/>
+                <asvg:svgBlip xmlns:asvg="http://schemas.microsoft.com/office/drawing/2016/SVG/main" r:embed="rId10"/>
               </a:ext>
             </a:extLst>
           </a:blip>
@@ -7249,7 +7079,7 @@
         </a:bodyPr>
         <a:lstStyle/>
         <a:p>
-          <a:pPr lvl="0" algn="l" defTabSz="711200">
+          <a:pPr marL="0" lvl="0" indent="0" algn="l" defTabSz="711200">
             <a:lnSpc>
               <a:spcPct val="100000"/>
             </a:lnSpc>
@@ -7259,6 +7089,7 @@
             <a:spcAft>
               <a:spcPct val="35000"/>
             </a:spcAft>
+            <a:buNone/>
           </a:pPr>
           <a:r>
             <a:rPr lang="en-IN" sz="1600" b="1" kern="1200" dirty="0">
@@ -7338,7 +7169,7 @@
                 <a14:useLocalDpi xmlns:a14="http://schemas.microsoft.com/office/drawing/2010/main" val="0"/>
               </a:ext>
               <a:ext uri="{96DAC541-7B7A-43D3-8B79-37D633B846F1}">
-                <asvg:svgBlip xmlns:asvg="http://schemas.microsoft.com/office/drawing/2016/SVG/main" xmlns="" r:embed="rId12"/>
+                <asvg:svgBlip xmlns:asvg="http://schemas.microsoft.com/office/drawing/2016/SVG/main" r:embed="rId12"/>
               </a:ext>
             </a:extLst>
           </a:blip>
@@ -7405,7 +7236,7 @@
         </a:bodyPr>
         <a:lstStyle/>
         <a:p>
-          <a:pPr lvl="0" algn="l" defTabSz="711200">
+          <a:pPr marL="0" lvl="0" indent="0" algn="l" defTabSz="711200">
             <a:lnSpc>
               <a:spcPct val="100000"/>
             </a:lnSpc>
@@ -7415,6 +7246,7 @@
             <a:spcAft>
               <a:spcPct val="35000"/>
             </a:spcAft>
+            <a:buNone/>
           </a:pPr>
           <a:r>
             <a:rPr lang="en-IN" sz="1600" b="1" kern="1200" dirty="0">
@@ -7494,7 +7326,7 @@
                 <a14:useLocalDpi xmlns:a14="http://schemas.microsoft.com/office/drawing/2010/main" val="0"/>
               </a:ext>
               <a:ext uri="{96DAC541-7B7A-43D3-8B79-37D633B846F1}">
-                <asvg:svgBlip xmlns:asvg="http://schemas.microsoft.com/office/drawing/2016/SVG/main" xmlns="" r:embed="rId12"/>
+                <asvg:svgBlip xmlns:asvg="http://schemas.microsoft.com/office/drawing/2016/SVG/main" r:embed="rId12"/>
               </a:ext>
             </a:extLst>
           </a:blip>
@@ -7569,7 +7401,7 @@
         </a:bodyPr>
         <a:lstStyle/>
         <a:p>
-          <a:pPr lvl="0" algn="l" defTabSz="711200">
+          <a:pPr marL="0" lvl="0" indent="0" algn="l" defTabSz="711200">
             <a:lnSpc>
               <a:spcPct val="100000"/>
             </a:lnSpc>
@@ -7579,6 +7411,7 @@
             <a:spcAft>
               <a:spcPct val="35000"/>
             </a:spcAft>
+            <a:buNone/>
           </a:pPr>
           <a:r>
             <a:rPr lang="en-IN" sz="1600" b="1" kern="1200" dirty="0">
@@ -7658,7 +7491,7 @@
                 <a14:useLocalDpi xmlns:a14="http://schemas.microsoft.com/office/drawing/2010/main" val="0"/>
               </a:ext>
               <a:ext uri="{96DAC541-7B7A-43D3-8B79-37D633B846F1}">
-                <asvg:svgBlip xmlns:asvg="http://schemas.microsoft.com/office/drawing/2016/SVG/main" xmlns="" r:embed="rId14"/>
+                <asvg:svgBlip xmlns:asvg="http://schemas.microsoft.com/office/drawing/2016/SVG/main" r:embed="rId14"/>
               </a:ext>
             </a:extLst>
           </a:blip>
@@ -7725,7 +7558,7 @@
         </a:bodyPr>
         <a:lstStyle/>
         <a:p>
-          <a:pPr lvl="0" algn="l" defTabSz="711200">
+          <a:pPr marL="0" lvl="0" indent="0" algn="l" defTabSz="711200">
             <a:lnSpc>
               <a:spcPct val="100000"/>
             </a:lnSpc>
@@ -7735,6 +7568,7 @@
             <a:spcAft>
               <a:spcPct val="35000"/>
             </a:spcAft>
+            <a:buNone/>
           </a:pPr>
           <a:r>
             <a:rPr lang="en-IN" sz="1600" b="1" kern="1200" dirty="0">
@@ -7814,7 +7648,7 @@
                 <a14:useLocalDpi xmlns:a14="http://schemas.microsoft.com/office/drawing/2010/main" val="0"/>
               </a:ext>
               <a:ext uri="{96DAC541-7B7A-43D3-8B79-37D633B846F1}">
-                <asvg:svgBlip xmlns:asvg="http://schemas.microsoft.com/office/drawing/2016/SVG/main" xmlns="" r:embed="rId16"/>
+                <asvg:svgBlip xmlns:asvg="http://schemas.microsoft.com/office/drawing/2016/SVG/main" r:embed="rId16"/>
               </a:ext>
             </a:extLst>
           </a:blip>
@@ -7881,7 +7715,7 @@
         </a:bodyPr>
         <a:lstStyle/>
         <a:p>
-          <a:pPr lvl="0" algn="l" defTabSz="711200">
+          <a:pPr marL="0" lvl="0" indent="0" algn="l" defTabSz="711200">
             <a:lnSpc>
               <a:spcPct val="100000"/>
             </a:lnSpc>
@@ -7891,6 +7725,7 @@
             <a:spcAft>
               <a:spcPct val="35000"/>
             </a:spcAft>
+            <a:buNone/>
           </a:pPr>
           <a:r>
             <a:rPr lang="en-IN" sz="1600" b="1" kern="1200" dirty="0">
@@ -8026,7 +7861,7 @@
         </a:bodyPr>
         <a:lstStyle/>
         <a:p>
-          <a:pPr lvl="0" algn="ctr" defTabSz="711200">
+          <a:pPr marL="0" lvl="0" indent="0" algn="ctr" defTabSz="711200">
             <a:lnSpc>
               <a:spcPct val="90000"/>
             </a:lnSpc>
@@ -8036,6 +7871,7 @@
             <a:spcAft>
               <a:spcPct val="35000"/>
             </a:spcAft>
+            <a:buNone/>
           </a:pPr>
           <a:r>
             <a:rPr lang="en-IN" sz="1600" b="1" kern="1200" dirty="0">
@@ -8139,7 +7975,7 @@
         </a:bodyPr>
         <a:lstStyle/>
         <a:p>
-          <a:pPr lvl="0" algn="ctr" defTabSz="711200">
+          <a:pPr marL="0" lvl="0" indent="0" algn="ctr" defTabSz="711200">
             <a:lnSpc>
               <a:spcPct val="90000"/>
             </a:lnSpc>
@@ -8149,6 +7985,7 @@
             <a:spcAft>
               <a:spcPct val="35000"/>
             </a:spcAft>
+            <a:buNone/>
           </a:pPr>
           <a:r>
             <a:rPr lang="en-IN" sz="1600" b="1" kern="1200" dirty="0">
@@ -8233,7 +8070,7 @@
         </a:bodyPr>
         <a:lstStyle/>
         <a:p>
-          <a:pPr lvl="0" algn="ctr" defTabSz="711200">
+          <a:pPr marL="0" lvl="0" indent="0" algn="ctr" defTabSz="711200">
             <a:lnSpc>
               <a:spcPct val="90000"/>
             </a:lnSpc>
@@ -8243,6 +8080,7 @@
             <a:spcAft>
               <a:spcPct val="35000"/>
             </a:spcAft>
+            <a:buNone/>
           </a:pPr>
           <a:r>
             <a:rPr lang="en-IN" sz="1600" b="1" kern="1200" dirty="0">
@@ -8339,7 +8177,7 @@
         </a:bodyPr>
         <a:lstStyle/>
         <a:p>
-          <a:pPr lvl="0" algn="ctr" defTabSz="1022350">
+          <a:pPr marL="0" lvl="0" indent="0" algn="ctr" defTabSz="1022350">
             <a:lnSpc>
               <a:spcPct val="90000"/>
             </a:lnSpc>
@@ -8349,6 +8187,7 @@
             <a:spcAft>
               <a:spcPct val="35000"/>
             </a:spcAft>
+            <a:buNone/>
           </a:pPr>
           <a:r>
             <a:rPr lang="en-IN" sz="2300" b="1" kern="1200" dirty="0">
@@ -8433,7 +8272,7 @@
         </a:bodyPr>
         <a:lstStyle/>
         <a:p>
-          <a:pPr lvl="0" algn="ctr" defTabSz="1022350">
+          <a:pPr marL="0" lvl="0" indent="0" algn="ctr" defTabSz="1022350">
             <a:lnSpc>
               <a:spcPct val="90000"/>
             </a:lnSpc>
@@ -8443,6 +8282,7 @@
             <a:spcAft>
               <a:spcPct val="35000"/>
             </a:spcAft>
+            <a:buNone/>
           </a:pPr>
           <a:r>
             <a:rPr lang="en-IN" sz="2300" b="1" kern="1200" dirty="0">
@@ -8539,7 +8379,7 @@
         </a:bodyPr>
         <a:lstStyle/>
         <a:p>
-          <a:pPr lvl="0" algn="l" defTabSz="933450">
+          <a:pPr marL="0" lvl="0" indent="0" algn="l" defTabSz="933450">
             <a:lnSpc>
               <a:spcPct val="90000"/>
             </a:lnSpc>
@@ -8549,6 +8389,7 @@
             <a:spcAft>
               <a:spcPct val="35000"/>
             </a:spcAft>
+            <a:buNone/>
           </a:pPr>
           <a:r>
             <a:rPr lang="en-IN" sz="2100" kern="1200" dirty="0"/>
@@ -8608,7 +8449,7 @@
             <a:spcAft>
               <a:spcPct val="20000"/>
             </a:spcAft>
-            <a:buChar char="••"/>
+            <a:buChar char="•"/>
           </a:pPr>
           <a:r>
             <a:rPr lang="en-US" sz="1600" b="0" kern="1200"/>
@@ -8634,31 +8475,27 @@
             <a:spcAft>
               <a:spcPct val="20000"/>
             </a:spcAft>
-            <a:buChar char="••"/>
+            <a:buChar char="•"/>
           </a:pPr>
           <a:r>
             <a:rPr lang="en-IN" sz="1600" b="0" kern="1200" dirty="0"/>
             <a:t>Technical Expertise in </a:t>
           </a:r>
           <a:r>
-            <a:rPr lang="en-IN" sz="1600" b="1" kern="1200" dirty="0" smtClean="0"/>
+            <a:rPr lang="en-IN" sz="1600" b="1" kern="1200" dirty="0"/>
             <a:t>Cloud</a:t>
           </a:r>
           <a:r>
-            <a:rPr lang="en-IN" sz="1600" b="0" kern="1200" dirty="0" smtClean="0"/>
+            <a:rPr lang="en-IN" sz="1600" b="0" kern="1200" dirty="0"/>
             <a:t> &amp; </a:t>
           </a:r>
           <a:r>
-            <a:rPr lang="en-IN" sz="1600" b="1" kern="1200" dirty="0" smtClean="0"/>
+            <a:rPr lang="en-IN" sz="1600" b="1" kern="1200" dirty="0"/>
             <a:t>DevOps</a:t>
           </a:r>
           <a:r>
-            <a:rPr lang="en-IN" sz="1600" b="0" kern="1200" dirty="0" smtClean="0"/>
-            <a:t> </a:t>
-          </a:r>
-          <a:r>
             <a:rPr lang="en-IN" sz="1600" b="0" kern="1200" dirty="0"/>
-            <a:t>Tools (</a:t>
+            <a:t> Tools (</a:t>
           </a:r>
           <a:r>
             <a:rPr lang="en-IN" sz="1600" b="1" kern="1200" dirty="0"/>
@@ -8693,7 +8530,7 @@
             <a:t>, </a:t>
           </a:r>
           <a:r>
-            <a:rPr lang="en-IN" sz="1600" b="1" kern="1200" dirty="0" err="1"/>
+            <a:rPr lang="en-IN" sz="1600" b="1" kern="1200" dirty="0"/>
             <a:t>Ansible</a:t>
           </a:r>
           <a:r>
@@ -8722,15 +8559,7 @@
           </a:r>
           <a:r>
             <a:rPr lang="en-IN" sz="1600" b="0" kern="1200" dirty="0"/>
-            <a:t> </a:t>
-          </a:r>
-          <a:r>
-            <a:rPr lang="en-IN" sz="1600" b="0" kern="1200" dirty="0" err="1"/>
-            <a:t>Grafana</a:t>
-          </a:r>
-          <a:r>
-            <a:rPr lang="en-IN" sz="1600" b="0" kern="1200" dirty="0"/>
-            <a:t>), IBM WebSphere (WAS), Tomcat, AIX, AWS, Azure, Linux, Solaris, VMware, Shell Scripting, and LAMP. </a:t>
+            <a:t> Grafana), IBM WebSphere (WAS), Tomcat, AIX, AWS, Azure, Linux, Solaris, VMware, Shell Scripting, and LAMP. </a:t>
           </a:r>
           <a:endParaRPr lang="en-US" sz="1600" b="0" kern="1200" dirty="0"/>
         </a:p>
@@ -8795,7 +8624,7 @@
         </a:bodyPr>
         <a:lstStyle/>
         <a:p>
-          <a:pPr lvl="0" algn="l" defTabSz="933450">
+          <a:pPr marL="0" lvl="0" indent="0" algn="l" defTabSz="933450">
             <a:lnSpc>
               <a:spcPct val="90000"/>
             </a:lnSpc>
@@ -8805,6 +8634,7 @@
             <a:spcAft>
               <a:spcPct val="35000"/>
             </a:spcAft>
+            <a:buNone/>
           </a:pPr>
           <a:r>
             <a:rPr lang="en-IN" sz="2100" kern="1200" dirty="0"/>
@@ -8866,7 +8696,9 @@
             </a:spcAft>
             <a:buSzPts val="900"/>
             <a:buFont typeface="Symbol" panose="05050102010706020507" pitchFamily="18" charset="2"/>
-            <a:buChar char="••"/>
+            <a:buBlip>
+              <a:blip xmlns:r="http://schemas.openxmlformats.org/officeDocument/2006/relationships" r:embed="rId1"/>
+            </a:buBlip>
           </a:pPr>
           <a:r>
             <a:rPr lang="en-GB" sz="1600" kern="1200"/>
@@ -8893,7 +8725,7 @@
             <a:spcAft>
               <a:spcPct val="20000"/>
             </a:spcAft>
-            <a:buChar char="••"/>
+            <a:buChar char="•"/>
           </a:pPr>
           <a:r>
             <a:rPr lang="en-US" sz="1600" kern="1200"/>
@@ -8961,7 +8793,7 @@
         </a:bodyPr>
         <a:lstStyle/>
         <a:p>
-          <a:pPr lvl="0" algn="l" defTabSz="933450">
+          <a:pPr marL="0" lvl="0" indent="0" algn="l" defTabSz="933450">
             <a:lnSpc>
               <a:spcPct val="90000"/>
             </a:lnSpc>
@@ -8971,6 +8803,7 @@
             <a:spcAft>
               <a:spcPct val="35000"/>
             </a:spcAft>
+            <a:buNone/>
           </a:pPr>
           <a:r>
             <a:rPr lang="en-IN" sz="2100" kern="1200" dirty="0"/>
@@ -9031,7 +8864,7 @@
             <a:spcAft>
               <a:spcPct val="20000"/>
             </a:spcAft>
-            <a:buChar char="••"/>
+            <a:buChar char="•"/>
           </a:pPr>
           <a:r>
             <a:rPr lang="en-GB" sz="1600" kern="1200" dirty="0"/>
@@ -9088,8 +8921,8 @@
       </dsp:nvSpPr>
       <dsp:spPr>
         <a:xfrm>
-          <a:off x="0" y="221850"/>
-          <a:ext cx="7280279" cy="455715"/>
+          <a:off x="0" y="149670"/>
+          <a:ext cx="7280279" cy="431730"/>
         </a:xfrm>
         <a:prstGeom prst="roundRect">
           <a:avLst/>
@@ -9131,12 +8964,12 @@
         </a:fontRef>
       </dsp:style>
       <dsp:txBody>
-        <a:bodyPr spcFirstLastPara="0" vert="horz" wrap="square" lIns="72390" tIns="72390" rIns="72390" bIns="72390" numCol="1" spcCol="1270" anchor="ctr" anchorCtr="0">
+        <a:bodyPr spcFirstLastPara="0" vert="horz" wrap="square" lIns="68580" tIns="68580" rIns="68580" bIns="68580" numCol="1" spcCol="1270" anchor="ctr" anchorCtr="0">
           <a:noAutofit/>
         </a:bodyPr>
         <a:lstStyle/>
         <a:p>
-          <a:pPr lvl="0" algn="l" defTabSz="844550">
+          <a:pPr marL="0" lvl="0" indent="0" algn="l" defTabSz="800100">
             <a:lnSpc>
               <a:spcPct val="90000"/>
             </a:lnSpc>
@@ -9146,17 +8979,22 @@
             <a:spcAft>
               <a:spcPct val="35000"/>
             </a:spcAft>
+            <a:buNone/>
           </a:pPr>
           <a:r>
-            <a:rPr lang="en-US" sz="1900" b="1" kern="1200" dirty="0"/>
-            <a:t>Opel Vauxhall Finance – Since August-2017</a:t>
+            <a:rPr lang="en-IN" sz="1800" b="1" kern="1200" dirty="0"/>
+            <a:t>HDFC BANK Limited </a:t>
           </a:r>
-          <a:endParaRPr lang="en-IN" sz="1900" kern="1200" dirty="0"/>
+          <a:r>
+            <a:rPr lang="en-US" sz="1800" b="1" kern="1200" dirty="0"/>
+            <a:t>– Since Nov’21</a:t>
+          </a:r>
+          <a:endParaRPr lang="en-IN" sz="1800" kern="1200" dirty="0"/>
         </a:p>
       </dsp:txBody>
       <dsp:txXfrm>
-        <a:off x="22246" y="244096"/>
-        <a:ext cx="7235787" cy="411223"/>
+        <a:off x="21075" y="170745"/>
+        <a:ext cx="7238129" cy="389580"/>
       </dsp:txXfrm>
     </dsp:sp>
     <dsp:sp modelId="{C98FEF29-09C1-488D-934E-64D26C2FD628}">
@@ -9166,8 +9004,8 @@
       </dsp:nvSpPr>
       <dsp:spPr>
         <a:xfrm>
-          <a:off x="0" y="677565"/>
-          <a:ext cx="7280279" cy="1848510"/>
+          <a:off x="0" y="581400"/>
+          <a:ext cx="7280279" cy="2198340"/>
         </a:xfrm>
         <a:prstGeom prst="rect">
           <a:avLst/>
@@ -9191,12 +9029,12 @@
         <a:fontRef idx="minor"/>
       </dsp:style>
       <dsp:txBody>
-        <a:bodyPr spcFirstLastPara="0" vert="horz" wrap="square" lIns="231149" tIns="24130" rIns="135128" bIns="24130" numCol="1" spcCol="1270" anchor="t" anchorCtr="0">
+        <a:bodyPr spcFirstLastPara="0" vert="horz" wrap="square" lIns="231149" tIns="22860" rIns="128016" bIns="22860" numCol="1" spcCol="1270" anchor="t" anchorCtr="0">
           <a:noAutofit/>
         </a:bodyPr>
         <a:lstStyle/>
         <a:p>
-          <a:pPr marL="114300" lvl="1" indent="-114300" algn="just" defTabSz="666750">
+          <a:pPr marL="114300" lvl="1" indent="-114300" algn="just" defTabSz="622300">
             <a:lnSpc>
               <a:spcPct val="90000"/>
             </a:lnSpc>
@@ -9207,56 +9045,24 @@
               <a:spcPct val="20000"/>
             </a:spcAft>
             <a:buFont typeface="Wingdings" panose="05000000000000000000" pitchFamily="2" charset="2"/>
-            <a:buChar char="••"/>
+            <a:buChar char="§"/>
           </a:pPr>
           <a:r>
-            <a:rPr lang="en-US" sz="1500" kern="1200" dirty="0"/>
-            <a:t>Managing the DevOps Tools such as </a:t>
+            <a:rPr lang="en-IN" sz="1400" kern="1200" dirty="0"/>
+            <a:t>Achieved 80% productivity from Cloud Team and Vendor for </a:t>
           </a:r>
           <a:r>
-            <a:rPr lang="en-US" sz="1500" b="1" kern="1200" dirty="0"/>
-            <a:t>Docker</a:t>
+            <a:rPr lang="en-IN" sz="1400" b="1" kern="1200" dirty="0"/>
+            <a:t>AWS, Azure, GCP </a:t>
           </a:r>
           <a:r>
-            <a:rPr lang="en-US" sz="1500" kern="1200" dirty="0"/>
-            <a:t> and </a:t>
+            <a:rPr lang="en-IN" sz="1400" kern="1200" dirty="0"/>
+            <a:t>infra development.</a:t>
           </a:r>
-          <a:r>
-            <a:rPr lang="en-US" sz="1500" b="1" kern="1200" dirty="0"/>
-            <a:t>Kubernetes</a:t>
-          </a:r>
-          <a:r>
-            <a:rPr lang="en-US" sz="1500" kern="1200" dirty="0"/>
-            <a:t>, CICD Tool (TeamCity and </a:t>
-          </a:r>
-          <a:r>
-            <a:rPr lang="en-US" sz="1500" b="1" kern="1200" dirty="0"/>
-            <a:t>Jenkins</a:t>
-          </a:r>
-          <a:r>
-            <a:rPr lang="en-US" sz="1500" kern="1200" dirty="0"/>
-            <a:t>), Configuration Management Tool (Puppet and </a:t>
-          </a:r>
-          <a:r>
-            <a:rPr lang="en-US" sz="1500" b="1" kern="1200" dirty="0"/>
-            <a:t>Ansible</a:t>
-          </a:r>
-          <a:r>
-            <a:rPr lang="en-US" sz="1500" kern="1200" dirty="0"/>
-            <a:t>), Version Repository (</a:t>
-          </a:r>
-          <a:r>
-            <a:rPr lang="en-US" sz="1500" b="1" kern="1200" dirty="0"/>
-            <a:t>GIT</a:t>
-          </a:r>
-          <a:r>
-            <a:rPr lang="en-US" sz="1500" kern="1200" dirty="0"/>
-            <a:t> and SVN) , </a:t>
-          </a:r>
-          <a:endParaRPr lang="en-US" sz="1500" b="0" kern="1200" dirty="0"/>
+          <a:endParaRPr lang="en-US" sz="1400" b="0" kern="1200" dirty="0"/>
         </a:p>
         <a:p>
-          <a:pPr marL="114300" lvl="1" indent="-114300" algn="just" defTabSz="666750">
+          <a:pPr marL="114300" lvl="1" indent="-114300" algn="l" defTabSz="622300">
             <a:lnSpc>
               <a:spcPct val="90000"/>
             </a:lnSpc>
@@ -9266,49 +9072,52 @@
             <a:spcAft>
               <a:spcPct val="20000"/>
             </a:spcAft>
-            <a:buFont typeface="Wingdings" panose="05000000000000000000" pitchFamily="2" charset="2"/>
-            <a:buChar char="••"/>
+            <a:buFont typeface="Symbol" panose="05050102010706020507" pitchFamily="18" charset="2"/>
+            <a:buChar char=""/>
           </a:pPr>
           <a:r>
-            <a:rPr lang="en-US" sz="1500" kern="1200" dirty="0"/>
-            <a:t>Designing , Implementing and Support for AWS (</a:t>
+            <a:rPr lang="en-IN" sz="1400" b="1" kern="1200" dirty="0"/>
+            <a:t>Optimized</a:t>
           </a:r>
           <a:r>
-            <a:rPr lang="en-US" sz="1500" b="1" kern="1200" dirty="0"/>
-            <a:t>EC2, LB, VPC, Subnet, Route53, IGW, NAT, CloudWatch, EKS, ECS, ELK, SNS</a:t>
+            <a:rPr lang="en-IN" sz="1400" kern="1200" dirty="0"/>
+            <a:t> cloud platform utilization and lowered operational costs by 20% &amp; time by 70% using </a:t>
           </a:r>
           <a:r>
-            <a:rPr lang="en-US" sz="1500" kern="1200" dirty="0"/>
-            <a:t>), </a:t>
-          </a:r>
-          <a:r>
-            <a:rPr lang="en-US" sz="1500" kern="1200" dirty="0" err="1"/>
-            <a:t>IaaC</a:t>
-          </a:r>
-          <a:r>
-            <a:rPr lang="en-US" sz="1500" kern="1200" dirty="0"/>
-            <a:t> </a:t>
-          </a:r>
-          <a:r>
-            <a:rPr lang="en-US" sz="1500" b="1" kern="1200" dirty="0"/>
+            <a:rPr lang="en-IN" sz="1400" b="1" kern="1200" dirty="0"/>
             <a:t>Terraform</a:t>
           </a:r>
           <a:r>
-            <a:rPr lang="en-US" sz="1500" kern="1200" dirty="0"/>
-            <a:t>, Scheduler (</a:t>
+            <a:rPr lang="en-IN" sz="1400" kern="1200" dirty="0"/>
+            <a:t>, </a:t>
           </a:r>
           <a:r>
-            <a:rPr lang="en-US" sz="1500" b="1" kern="1200" dirty="0"/>
-            <a:t>Lambda</a:t>
+            <a:rPr lang="en-IN" sz="1400" b="1" kern="1200" dirty="0"/>
+            <a:t>GitHub</a:t>
           </a:r>
           <a:r>
-            <a:rPr lang="en-US" sz="1500" kern="1200" dirty="0"/>
-            <a:t>)</a:t>
+            <a:rPr lang="en-IN" sz="1400" kern="1200" dirty="0"/>
+            <a:t>, </a:t>
           </a:r>
-          <a:endParaRPr lang="en-US" sz="1500" b="0" kern="1200" dirty="0"/>
+          <a:r>
+            <a:rPr lang="en-IN" sz="1400" b="1" kern="1200" dirty="0"/>
+            <a:t>Jenkins</a:t>
+          </a:r>
+          <a:r>
+            <a:rPr lang="en-IN" sz="1400" kern="1200" dirty="0"/>
+            <a:t> and </a:t>
+          </a:r>
+          <a:r>
+            <a:rPr lang="en-IN" sz="1400" b="1" kern="1200" dirty="0"/>
+            <a:t>Quay</a:t>
+          </a:r>
+          <a:r>
+            <a:rPr lang="en-IN" sz="1400" kern="1200" dirty="0"/>
+            <a:t> Private Repository.</a:t>
+          </a:r>
         </a:p>
         <a:p>
-          <a:pPr marL="114300" lvl="1" indent="-114300" algn="just" defTabSz="666750">
+          <a:pPr marL="114300" lvl="1" indent="-114300" algn="l" defTabSz="622300">
             <a:lnSpc>
               <a:spcPct val="90000"/>
             </a:lnSpc>
@@ -9318,91 +9127,112 @@
             <a:spcAft>
               <a:spcPct val="20000"/>
             </a:spcAft>
-            <a:buFont typeface="Wingdings" panose="05000000000000000000" pitchFamily="2" charset="2"/>
-            <a:buChar char="••"/>
+            <a:buFont typeface="Symbol" panose="05050102010706020507" pitchFamily="18" charset="2"/>
+            <a:buChar char=""/>
           </a:pPr>
           <a:r>
-            <a:rPr lang="en-US" sz="1500" kern="1200" dirty="0"/>
-            <a:t>Production Application Support (</a:t>
+            <a:rPr lang="en-IN" sz="1400" kern="1200" dirty="0"/>
+            <a:t>Conducted </a:t>
           </a:r>
           <a:r>
-            <a:rPr lang="en-US" sz="1500" b="1" kern="1200" dirty="0"/>
-            <a:t>IBM WebSphere</a:t>
+            <a:rPr lang="en-IN" sz="1400" b="1" kern="1200" dirty="0"/>
+            <a:t>audits</a:t>
           </a:r>
           <a:r>
-            <a:rPr lang="en-US" sz="1500" kern="1200" dirty="0"/>
-            <a:t>, </a:t>
+            <a:rPr lang="en-IN" sz="1400" kern="1200" dirty="0"/>
+            <a:t> for </a:t>
           </a:r>
           <a:r>
-            <a:rPr lang="en-US" sz="1500" b="1" kern="1200" dirty="0"/>
-            <a:t>Tomcat</a:t>
+            <a:rPr lang="en-IN" sz="1400" b="1" kern="1200" dirty="0"/>
+            <a:t>compliance</a:t>
           </a:r>
           <a:r>
-            <a:rPr lang="en-US" sz="1500" kern="1200" dirty="0"/>
-            <a:t>, </a:t>
+            <a:rPr lang="en-IN" sz="1400" kern="1200" dirty="0"/>
+            <a:t> with security policies, ensuring </a:t>
           </a:r>
           <a:r>
-            <a:rPr lang="en-US" sz="1500" b="1" kern="1200" dirty="0"/>
-            <a:t>Apache</a:t>
+            <a:rPr lang="en-IN" sz="1400" b="1" kern="1200" dirty="0"/>
+            <a:t>99.9% score</a:t>
           </a:r>
           <a:r>
-            <a:rPr lang="en-US" sz="1500" kern="1200" dirty="0"/>
-            <a:t>, </a:t>
+            <a:rPr lang="en-IN" sz="1400" kern="1200" dirty="0"/>
+            <a:t> on all audits.</a:t>
+          </a:r>
+        </a:p>
+        <a:p>
+          <a:pPr marL="114300" lvl="1" indent="-114300" algn="l" defTabSz="622300">
+            <a:lnSpc>
+              <a:spcPct val="90000"/>
+            </a:lnSpc>
+            <a:spcBef>
+              <a:spcPct val="0"/>
+            </a:spcBef>
+            <a:spcAft>
+              <a:spcPct val="20000"/>
+            </a:spcAft>
+            <a:buFont typeface="Symbol" panose="05050102010706020507" pitchFamily="18" charset="2"/>
+            <a:buChar char=""/>
+          </a:pPr>
+          <a:r>
+            <a:rPr lang="en-IN" sz="1400" kern="1200"/>
+            <a:t>Migrated microservice to </a:t>
           </a:r>
           <a:r>
-            <a:rPr lang="en-US" sz="1500" b="1" kern="1200" dirty="0"/>
-            <a:t>Nginx</a:t>
+            <a:rPr lang="en-IN" sz="1400" b="1" kern="1200"/>
+            <a:t>containerized</a:t>
           </a:r>
           <a:r>
-            <a:rPr lang="en-US" sz="1500" kern="1200" dirty="0"/>
-            <a:t>) Team including Middleware Database Support (</a:t>
+            <a:rPr lang="en-IN" sz="1400" kern="1200"/>
+            <a:t> as pods </a:t>
           </a:r>
           <a:r>
-            <a:rPr lang="en-US" sz="1500" b="1" kern="1200" dirty="0"/>
-            <a:t>Oracle10</a:t>
+            <a:rPr lang="en-IN" sz="1400" b="1" kern="1200"/>
+            <a:t>EKS, AKS &amp; GKE Cluster,</a:t>
           </a:r>
           <a:r>
-            <a:rPr lang="en-US" sz="1500" kern="1200" dirty="0"/>
-            <a:t>, </a:t>
+            <a:rPr lang="en-IN" sz="1400" kern="1200"/>
+            <a:t> fall down deployment time by 50%.</a:t>
+          </a:r>
+        </a:p>
+        <a:p>
+          <a:pPr marL="114300" lvl="1" indent="-114300" algn="l" defTabSz="622300">
+            <a:lnSpc>
+              <a:spcPct val="90000"/>
+            </a:lnSpc>
+            <a:spcBef>
+              <a:spcPct val="0"/>
+            </a:spcBef>
+            <a:spcAft>
+              <a:spcPct val="20000"/>
+            </a:spcAft>
+            <a:buFont typeface="Symbol" panose="05050102010706020507" pitchFamily="18" charset="2"/>
+            <a:buChar char=""/>
+          </a:pPr>
+          <a:r>
+            <a:rPr lang="en-IN" sz="1400" kern="1200" dirty="0"/>
+            <a:t>Optimized application performance by implementing </a:t>
           </a:r>
           <a:r>
-            <a:rPr lang="en-US" sz="1500" b="1" kern="1200" dirty="0"/>
-            <a:t>11G</a:t>
+            <a:rPr lang="en-IN" sz="1400" b="1" kern="1200" dirty="0"/>
+            <a:t>auto-scaling</a:t>
           </a:r>
           <a:r>
-            <a:rPr lang="en-US" sz="1500" kern="1200" dirty="0"/>
+            <a:rPr lang="en-IN" sz="1400" kern="1200" dirty="0"/>
             <a:t> and </a:t>
           </a:r>
           <a:r>
-            <a:rPr lang="en-US" sz="1500" b="1" kern="1200" dirty="0"/>
-            <a:t>12C</a:t>
+            <a:rPr lang="en-IN" sz="1400" b="1" kern="1200" dirty="0"/>
+            <a:t>load balancing</a:t>
           </a:r>
           <a:r>
-            <a:rPr lang="en-US" sz="1500" kern="1200" dirty="0"/>
-            <a:t>, DB2, </a:t>
+            <a:rPr lang="en-IN" sz="1400" kern="1200" dirty="0"/>
+            <a:t>, shorten latency by 40% and expanded uptime to 99.99% for IaaS application with 20% cost saving.</a:t>
           </a:r>
-          <a:r>
-            <a:rPr lang="en-US" sz="1500" b="1" kern="1200" dirty="0"/>
-            <a:t>MySQL</a:t>
-          </a:r>
-          <a:r>
-            <a:rPr lang="en-US" sz="1500" kern="1200" dirty="0"/>
-            <a:t>, </a:t>
-          </a:r>
-          <a:r>
-            <a:rPr lang="en-US" sz="1500" b="1" kern="1200" dirty="0" err="1"/>
-            <a:t>PostgreySQL</a:t>
-          </a:r>
-          <a:r>
-            <a:rPr lang="en-US" sz="1500" kern="1200" dirty="0"/>
-            <a:t>, NoSQL).</a:t>
-          </a:r>
-          <a:endParaRPr lang="en-US" sz="1500" b="0" kern="1200" dirty="0"/>
         </a:p>
       </dsp:txBody>
       <dsp:txXfrm>
-        <a:off x="0" y="677565"/>
-        <a:ext cx="7280279" cy="1848510"/>
+        <a:off x="0" y="581400"/>
+        <a:ext cx="7280279" cy="2198340"/>
       </dsp:txXfrm>
     </dsp:sp>
     <dsp:sp modelId="{B8801E36-46F3-445B-98C1-58B8DA651519}">
@@ -9412,8 +9242,8 @@
       </dsp:nvSpPr>
       <dsp:spPr>
         <a:xfrm>
-          <a:off x="0" y="2526075"/>
-          <a:ext cx="7280279" cy="455715"/>
+          <a:off x="0" y="2779740"/>
+          <a:ext cx="7280279" cy="431730"/>
         </a:xfrm>
         <a:prstGeom prst="roundRect">
           <a:avLst/>
@@ -9455,12 +9285,12 @@
         </a:fontRef>
       </dsp:style>
       <dsp:txBody>
-        <a:bodyPr spcFirstLastPara="0" vert="horz" wrap="square" lIns="72390" tIns="72390" rIns="72390" bIns="72390" numCol="1" spcCol="1270" anchor="ctr" anchorCtr="0">
+        <a:bodyPr spcFirstLastPara="0" vert="horz" wrap="square" lIns="68580" tIns="68580" rIns="68580" bIns="68580" numCol="1" spcCol="1270" anchor="ctr" anchorCtr="0">
           <a:noAutofit/>
         </a:bodyPr>
         <a:lstStyle/>
         <a:p>
-          <a:pPr lvl="0" algn="l" defTabSz="844550">
+          <a:pPr marL="0" lvl="0" indent="0" algn="l" defTabSz="800100">
             <a:lnSpc>
               <a:spcPct val="90000"/>
             </a:lnSpc>
@@ -9470,21 +9300,22 @@
             <a:spcAft>
               <a:spcPct val="35000"/>
             </a:spcAft>
+            <a:buNone/>
           </a:pPr>
           <a:r>
-            <a:rPr lang="en-US" sz="1900" b="1" kern="1200" dirty="0"/>
-            <a:t>MetLife Insurance &amp; Forest Lab - </a:t>
+            <a:rPr lang="en-US" sz="1800" b="1" kern="1200" dirty="0"/>
+            <a:t>Capgemini – </a:t>
           </a:r>
           <a:r>
-            <a:rPr lang="en-GB" sz="1900" b="1" kern="1200" dirty="0"/>
-            <a:t>Aug’10 – Mar’12</a:t>
+            <a:rPr lang="en-GB" sz="1800" b="1" kern="1200" dirty="0"/>
+            <a:t>Mar’12 – Nov’21</a:t>
           </a:r>
-          <a:endParaRPr lang="en-IN" sz="1900" kern="1200" dirty="0"/>
+          <a:endParaRPr lang="en-IN" sz="1800" kern="1200" dirty="0"/>
         </a:p>
       </dsp:txBody>
       <dsp:txXfrm>
-        <a:off x="22246" y="2548321"/>
-        <a:ext cx="7235787" cy="411223"/>
+        <a:off x="21075" y="2800815"/>
+        <a:ext cx="7238129" cy="389580"/>
       </dsp:txXfrm>
     </dsp:sp>
     <dsp:sp modelId="{FBF5D673-AB7F-48FC-85F8-680FE1673FFB}">
@@ -9494,8 +9325,8 @@
       </dsp:nvSpPr>
       <dsp:spPr>
         <a:xfrm>
-          <a:off x="0" y="2981790"/>
-          <a:ext cx="7280279" cy="983250"/>
+          <a:off x="0" y="3211470"/>
+          <a:ext cx="7280279" cy="931500"/>
         </a:xfrm>
         <a:prstGeom prst="rect">
           <a:avLst/>
@@ -9519,12 +9350,12 @@
         <a:fontRef idx="minor"/>
       </dsp:style>
       <dsp:txBody>
-        <a:bodyPr spcFirstLastPara="0" vert="horz" wrap="square" lIns="231149" tIns="24130" rIns="135128" bIns="24130" numCol="1" spcCol="1270" anchor="t" anchorCtr="0">
+        <a:bodyPr spcFirstLastPara="0" vert="horz" wrap="square" lIns="231149" tIns="22860" rIns="128016" bIns="22860" numCol="1" spcCol="1270" anchor="t" anchorCtr="0">
           <a:noAutofit/>
         </a:bodyPr>
         <a:lstStyle/>
         <a:p>
-          <a:pPr marL="114300" lvl="1" indent="-114300" algn="just" defTabSz="666750">
+          <a:pPr marL="114300" lvl="1" indent="-114300" algn="just" defTabSz="622300">
             <a:lnSpc>
               <a:spcPct val="90000"/>
             </a:lnSpc>
@@ -9536,39 +9367,48 @@
             </a:spcAft>
             <a:buSzPts val="900"/>
             <a:buFont typeface="Wingdings" panose="05000000000000000000" pitchFamily="2" charset="2"/>
-            <a:buChar char="••"/>
+            <a:buChar char="§"/>
           </a:pPr>
           <a:r>
-            <a:rPr lang="en-US" sz="1500" kern="1200" dirty="0"/>
-            <a:t>Lead the team of UNIX including </a:t>
+            <a:rPr lang="en-IN" sz="1400" kern="1200" dirty="0"/>
+            <a:t>Led </a:t>
           </a:r>
           <a:r>
-            <a:rPr lang="en-US" sz="1500" b="1" kern="1200" dirty="0"/>
-            <a:t>Linux</a:t>
+            <a:rPr lang="en-IN" sz="1400" b="1" kern="1200" dirty="0"/>
+            <a:t>Cloud</a:t>
           </a:r>
           <a:r>
-            <a:rPr lang="en-US" sz="1500" kern="1200" dirty="0"/>
-            <a:t>, </a:t>
+            <a:rPr lang="en-IN" sz="1400" kern="1200" dirty="0"/>
+            <a:t> &amp; </a:t>
           </a:r>
           <a:r>
-            <a:rPr lang="en-US" sz="1500" b="1" kern="1200" dirty="0"/>
-            <a:t>Solaris</a:t>
+            <a:rPr lang="en-IN" sz="1400" b="1" kern="1200" dirty="0"/>
+            <a:t>DevOps</a:t>
           </a:r>
           <a:r>
-            <a:rPr lang="en-US" sz="1500" kern="1200" dirty="0"/>
-            <a:t>, and </a:t>
+            <a:rPr lang="en-IN" sz="1400" kern="1200" dirty="0"/>
+            <a:t> team of 14 junior engineers resulting </a:t>
           </a:r>
           <a:r>
-            <a:rPr lang="en-US" sz="1500" b="1" kern="1200" dirty="0"/>
-            <a:t>AIX</a:t>
+            <a:rPr lang="en-IN" sz="1400" b="1" kern="1200" dirty="0"/>
+            <a:t>30% increase</a:t>
           </a:r>
           <a:r>
-            <a:rPr lang="en-US" sz="1500" kern="1200" dirty="0"/>
-            <a:t> to resolve the incident, change and problem management tickets</a:t>
+            <a:rPr lang="en-IN" sz="1400" kern="1200" dirty="0"/>
+            <a:t> in </a:t>
           </a:r>
+          <a:r>
+            <a:rPr lang="en-IN" sz="1400" b="1" kern="1200" dirty="0"/>
+            <a:t>productivity</a:t>
+          </a:r>
+          <a:r>
+            <a:rPr lang="en-IN" sz="1400" kern="1200" dirty="0"/>
+            <a:t>.</a:t>
+          </a:r>
+          <a:endParaRPr lang="en-US" sz="1400" kern="1200" dirty="0"/>
         </a:p>
         <a:p>
-          <a:pPr marL="114300" lvl="1" indent="-114300" algn="just" defTabSz="666750">
+          <a:pPr marL="114300" lvl="1" indent="-114300" algn="l" defTabSz="622300">
             <a:lnSpc>
               <a:spcPct val="90000"/>
             </a:lnSpc>
@@ -9578,17 +9418,56 @@
             <a:spcAft>
               <a:spcPct val="20000"/>
             </a:spcAft>
-            <a:buFont typeface="Wingdings" panose="05000000000000000000" pitchFamily="2" charset="2"/>
-            <a:buChar char="••"/>
+            <a:buFont typeface="Symbol" panose="05050102010706020507" pitchFamily="18" charset="2"/>
+            <a:buChar char=""/>
           </a:pPr>
           <a:r>
-            <a:rPr lang="en-US" sz="1500" kern="1200" dirty="0"/>
-            <a:t>Implemented &amp; managed Shell Script such as Backup of OS, Installation Modules Script.</a:t>
+            <a:rPr lang="en-IN" sz="1400" kern="1200" dirty="0"/>
+            <a:t>Resolved L3 / L4 level problem for </a:t>
           </a:r>
-          <a:endParaRPr lang="en-IN" sz="1500" kern="1200" dirty="0"/>
+          <a:r>
+            <a:rPr lang="en-IN" sz="1400" b="1" kern="1200" dirty="0"/>
+            <a:t>Kubernetes Cluster</a:t>
+          </a:r>
+          <a:r>
+            <a:rPr lang="en-IN" sz="1400" kern="1200" dirty="0"/>
+            <a:t>, Pods, </a:t>
+          </a:r>
+          <a:r>
+            <a:rPr lang="en-IN" sz="1400" b="1" kern="1200" dirty="0"/>
+            <a:t>Docker</a:t>
+          </a:r>
+          <a:r>
+            <a:rPr lang="en-IN" sz="1400" kern="1200" dirty="0"/>
+            <a:t> &amp; Container, </a:t>
+          </a:r>
+          <a:r>
+            <a:rPr lang="en-IN" sz="1400" b="1" kern="1200" dirty="0"/>
+            <a:t>GitHub</a:t>
+          </a:r>
+          <a:r>
+            <a:rPr lang="en-IN" sz="1400" kern="1200" dirty="0"/>
+            <a:t>, SVN, </a:t>
+          </a:r>
+          <a:r>
+            <a:rPr lang="en-IN" sz="1400" b="1" kern="1200" dirty="0"/>
+            <a:t>Jenkins</a:t>
+          </a:r>
+          <a:r>
+            <a:rPr lang="en-IN" sz="1400" kern="1200" dirty="0"/>
+            <a:t> and </a:t>
+          </a:r>
+          <a:r>
+            <a:rPr lang="en-IN" sz="1400" b="1" kern="1200" dirty="0"/>
+            <a:t>Ansible</a:t>
+          </a:r>
+          <a:r>
+            <a:rPr lang="en-IN" sz="1400" kern="1200" dirty="0"/>
+            <a:t>.</a:t>
+          </a:r>
         </a:p>
         <a:p>
-          <a:pPr marL="114300" lvl="1" indent="-114300" algn="just" defTabSz="666750">
+          <a:pPr marL="114300" lvl="1" indent="-114300" algn="l" defTabSz="622300">
             <a:lnSpc>
               <a:spcPct val="90000"/>
             </a:lnSpc>
@@ -9598,35 +9477,34 @@
             <a:spcAft>
               <a:spcPct val="20000"/>
             </a:spcAft>
-            <a:buFont typeface="Wingdings" panose="05000000000000000000" pitchFamily="2" charset="2"/>
-            <a:buChar char="••"/>
+            <a:buFont typeface="Symbol" panose="05050102010706020507" pitchFamily="18" charset="2"/>
+            <a:buChar char=""/>
           </a:pPr>
           <a:r>
-            <a:rPr lang="en-US" sz="1500" kern="1200" dirty="0"/>
-            <a:t>Supported for </a:t>
+            <a:rPr lang="en-IN" sz="1400" kern="1200" dirty="0"/>
+            <a:t>Optimized the L3 support as a Technical Specialist – SME for </a:t>
           </a:r>
           <a:r>
-            <a:rPr lang="en-US" sz="1500" b="1" kern="1200" dirty="0"/>
-            <a:t>Nagios</a:t>
+            <a:rPr lang="en-IN" sz="1400" b="1" kern="1200" dirty="0"/>
+            <a:t>AWS</a:t>
           </a:r>
           <a:r>
-            <a:rPr lang="en-US" sz="1500" kern="1200" dirty="0"/>
+            <a:rPr lang="en-IN" sz="1400" kern="1200" dirty="0"/>
             <a:t> and </a:t>
           </a:r>
           <a:r>
-            <a:rPr lang="en-US" sz="1500" b="1" kern="1200" dirty="0"/>
-            <a:t>Zabbix</a:t>
+            <a:rPr lang="en-IN" sz="1400" b="1" kern="1200" dirty="0"/>
+            <a:t>Azure</a:t>
           </a:r>
           <a:r>
-            <a:rPr lang="en-US" sz="1500" kern="1200" dirty="0"/>
-            <a:t> Monitoring Tools</a:t>
+            <a:rPr lang="en-IN" sz="1400" kern="1200" dirty="0"/>
+            <a:t> Cloud.</a:t>
           </a:r>
-          <a:endParaRPr lang="en-IN" sz="1500" kern="1200" dirty="0"/>
         </a:p>
       </dsp:txBody>
       <dsp:txXfrm>
-        <a:off x="0" y="2981790"/>
-        <a:ext cx="7280279" cy="983250"/>
+        <a:off x="0" y="3211470"/>
+        <a:ext cx="7280279" cy="931500"/>
       </dsp:txXfrm>
     </dsp:sp>
     <dsp:sp modelId="{9DEA3B43-40B9-470B-8D30-B083AD1256C3}">
@@ -9636,8 +9514,8 @@
       </dsp:nvSpPr>
       <dsp:spPr>
         <a:xfrm>
-          <a:off x="0" y="3965040"/>
-          <a:ext cx="7280279" cy="455715"/>
+          <a:off x="0" y="4142970"/>
+          <a:ext cx="7280279" cy="431730"/>
         </a:xfrm>
         <a:prstGeom prst="roundRect">
           <a:avLst/>
@@ -9679,12 +9557,12 @@
         </a:fontRef>
       </dsp:style>
       <dsp:txBody>
-        <a:bodyPr spcFirstLastPara="0" vert="horz" wrap="square" lIns="72390" tIns="72390" rIns="72390" bIns="72390" numCol="1" spcCol="1270" anchor="ctr" anchorCtr="0">
+        <a:bodyPr spcFirstLastPara="0" vert="horz" wrap="square" lIns="68580" tIns="68580" rIns="68580" bIns="68580" numCol="1" spcCol="1270" anchor="ctr" anchorCtr="0">
           <a:noAutofit/>
         </a:bodyPr>
         <a:lstStyle/>
         <a:p>
-          <a:pPr lvl="0" algn="l" defTabSz="844550">
+          <a:pPr marL="0" lvl="0" indent="0" algn="l" defTabSz="800100">
             <a:lnSpc>
               <a:spcPct val="90000"/>
             </a:lnSpc>
@@ -9694,21 +9572,26 @@
             <a:spcAft>
               <a:spcPct val="35000"/>
             </a:spcAft>
+            <a:buNone/>
           </a:pPr>
           <a:r>
-            <a:rPr lang="en-US" sz="1900" b="1" kern="1200" dirty="0"/>
-            <a:t>HDFC Bank - </a:t>
+            <a:rPr lang="en-US" sz="1800" b="1" kern="1200" dirty="0" err="1"/>
+            <a:t>AtoS</a:t>
           </a:r>
           <a:r>
-            <a:rPr lang="en-GB" sz="1900" b="1" kern="1200" dirty="0"/>
-            <a:t>Nov’07 – Apr’10</a:t>
+            <a:rPr lang="en-US" sz="1800" b="1" kern="1200" dirty="0"/>
+            <a:t> – </a:t>
           </a:r>
-          <a:endParaRPr lang="en-US" sz="1900" kern="1200" dirty="0"/>
+          <a:r>
+            <a:rPr lang="en-GB" sz="1800" b="1" kern="1200" dirty="0"/>
+            <a:t>May’10 – Mar’12</a:t>
+          </a:r>
+          <a:endParaRPr lang="en-US" sz="1800" kern="1200" dirty="0"/>
         </a:p>
       </dsp:txBody>
       <dsp:txXfrm>
-        <a:off x="22246" y="3987286"/>
-        <a:ext cx="7235787" cy="411223"/>
+        <a:off x="21075" y="4164045"/>
+        <a:ext cx="7238129" cy="389580"/>
       </dsp:txXfrm>
     </dsp:sp>
     <dsp:sp modelId="{EBD29935-A74A-46A5-A195-4465FFA3D033}">
@@ -9718,8 +9601,8 @@
       </dsp:nvSpPr>
       <dsp:spPr>
         <a:xfrm>
-          <a:off x="0" y="4420755"/>
-          <a:ext cx="7280279" cy="1199565"/>
+          <a:off x="0" y="4574700"/>
+          <a:ext cx="7280279" cy="1117800"/>
         </a:xfrm>
         <a:prstGeom prst="rect">
           <a:avLst/>
@@ -9743,12 +9626,12 @@
         <a:fontRef idx="minor"/>
       </dsp:style>
       <dsp:txBody>
-        <a:bodyPr spcFirstLastPara="0" vert="horz" wrap="square" lIns="231149" tIns="24130" rIns="135128" bIns="24130" numCol="1" spcCol="1270" anchor="t" anchorCtr="0">
+        <a:bodyPr spcFirstLastPara="0" vert="horz" wrap="square" lIns="231149" tIns="22860" rIns="128016" bIns="22860" numCol="1" spcCol="1270" anchor="t" anchorCtr="0">
           <a:noAutofit/>
         </a:bodyPr>
         <a:lstStyle/>
         <a:p>
-          <a:pPr marL="114300" lvl="1" indent="-114300" algn="just" defTabSz="666750">
+          <a:pPr marL="114300" lvl="1" indent="-114300" algn="just" defTabSz="622300">
             <a:lnSpc>
               <a:spcPct val="90000"/>
             </a:lnSpc>
@@ -9759,39 +9642,39 @@
               <a:spcPct val="20000"/>
             </a:spcAft>
             <a:buFont typeface="Wingdings" panose="05000000000000000000" pitchFamily="2" charset="2"/>
-            <a:buChar char="••"/>
+            <a:buChar char="§"/>
           </a:pPr>
           <a:r>
-            <a:rPr lang="en-US" sz="1500" kern="1200" dirty="0"/>
+            <a:rPr lang="en-US" sz="1400" kern="1200" dirty="0"/>
             <a:t>Administered the installation of: </a:t>
           </a:r>
           <a:r>
-            <a:rPr lang="en-US" sz="1500" b="1" kern="1200" dirty="0"/>
+            <a:rPr lang="en-US" sz="1400" b="1" kern="1200" dirty="0"/>
             <a:t>AIX</a:t>
           </a:r>
           <a:r>
-            <a:rPr lang="en-US" sz="1500" kern="1200" dirty="0"/>
+            <a:rPr lang="en-US" sz="1400" kern="1200" dirty="0"/>
             <a:t> 5L V-5.3 on 520 &amp; 570 IBM Boxes &amp; Installation </a:t>
           </a:r>
           <a:r>
-            <a:rPr lang="en-US" sz="1500" b="1" kern="1200" dirty="0"/>
+            <a:rPr lang="en-US" sz="1400" b="1" kern="1200" dirty="0"/>
             <a:t>RHEL5</a:t>
           </a:r>
           <a:r>
-            <a:rPr lang="en-US" sz="1500" kern="1200" dirty="0"/>
+            <a:rPr lang="en-US" sz="1400" kern="1200" dirty="0"/>
             <a:t> &amp; </a:t>
           </a:r>
           <a:r>
-            <a:rPr lang="en-US" sz="1500" b="1" kern="1200" dirty="0"/>
+            <a:rPr lang="en-US" sz="1400" b="1" kern="1200" dirty="0"/>
             <a:t>RHEL4</a:t>
           </a:r>
           <a:r>
-            <a:rPr lang="en-US" sz="1500" kern="1200" dirty="0"/>
+            <a:rPr lang="en-US" sz="1400" kern="1200" dirty="0"/>
             <a:t> on IBM x3550</a:t>
           </a:r>
         </a:p>
         <a:p>
-          <a:pPr marL="114300" lvl="1" indent="-114300" algn="just" defTabSz="666750">
+          <a:pPr marL="114300" lvl="1" indent="-114300" algn="just" defTabSz="622300">
             <a:lnSpc>
               <a:spcPct val="90000"/>
             </a:lnSpc>
@@ -9802,16 +9685,16 @@
               <a:spcPct val="20000"/>
             </a:spcAft>
             <a:buFont typeface="Wingdings" panose="05000000000000000000" pitchFamily="2" charset="2"/>
-            <a:buChar char="••"/>
+            <a:buChar char="§"/>
           </a:pPr>
           <a:r>
-            <a:rPr lang="en-US" sz="1500" kern="1200" dirty="0"/>
+            <a:rPr lang="en-US" sz="1400" kern="1200" dirty="0"/>
             <a:t>LPAR on AIX 570 Box &amp; Online movement of CPU and RAM from DLPAR</a:t>
           </a:r>
-          <a:endParaRPr lang="en-IN" sz="1500" kern="1200" dirty="0"/>
+          <a:endParaRPr lang="en-IN" sz="1400" kern="1200" dirty="0"/>
         </a:p>
         <a:p>
-          <a:pPr marL="114300" lvl="1" indent="-114300" algn="just" defTabSz="666750">
+          <a:pPr marL="114300" lvl="1" indent="-114300" algn="just" defTabSz="622300">
             <a:lnSpc>
               <a:spcPct val="90000"/>
             </a:lnSpc>
@@ -9822,26 +9705,26 @@
               <a:spcPct val="20000"/>
             </a:spcAft>
             <a:buFont typeface="Wingdings" panose="05000000000000000000" pitchFamily="2" charset="2"/>
-            <a:buChar char="••"/>
+            <a:buChar char="§"/>
           </a:pPr>
           <a:r>
-            <a:rPr lang="en-US" sz="1500" kern="1200" dirty="0"/>
+            <a:rPr lang="en-US" sz="1400" kern="1200" dirty="0"/>
             <a:t>Wrote a </a:t>
           </a:r>
           <a:r>
-            <a:rPr lang="en-US" sz="1500" b="1" kern="1200" dirty="0"/>
+            <a:rPr lang="en-US" sz="1400" b="1" kern="1200" dirty="0"/>
             <a:t>shell scripts </a:t>
           </a:r>
           <a:r>
-            <a:rPr lang="en-US" sz="1500" kern="1200" dirty="0"/>
+            <a:rPr lang="en-US" sz="1400" kern="1200" dirty="0"/>
             <a:t>for using backup of data on external drive such as tape drive and implemented &amp; management of VMware on Linux </a:t>
           </a:r>
-          <a:endParaRPr lang="en-IN" sz="1500" kern="1200" dirty="0"/>
+          <a:endParaRPr lang="en-IN" sz="1400" kern="1200" dirty="0"/>
         </a:p>
       </dsp:txBody>
       <dsp:txXfrm>
-        <a:off x="0" y="4420755"/>
-        <a:ext cx="7280279" cy="1199565"/>
+        <a:off x="0" y="4574700"/>
+        <a:ext cx="7280279" cy="1117800"/>
       </dsp:txXfrm>
     </dsp:sp>
   </dsp:spTree>
@@ -10125,7 +10008,7 @@
   </dgm:layoutNode>
   <dgm:extLst>
     <a:ext uri="{68A01E43-0DF5-4B5B-8FA6-DAF915123BFB}">
-      <dgm1612:lstStyle xmlns:dgm1612="http://schemas.microsoft.com/office/drawing/2016/12/diagram" xmlns="">
+      <dgm1612:lstStyle xmlns:dgm1612="http://schemas.microsoft.com/office/drawing/2016/12/diagram">
         <a:lvl1pPr>
           <a:lnSpc>
             <a:spcPct val="100000"/>
@@ -14823,7 +14706,7 @@
           <a:p>
             <a:fld id="{CCAB5E31-8249-4CF5-8792-B22FA71368C3}" type="datetimeFigureOut">
               <a:rPr lang="en-US" smtClean="0"/>
-              <a:t>11/3/2023</a:t>
+              <a:t>12/23/2024</a:t>
             </a:fld>
             <a:endParaRPr lang="en-US"/>
           </a:p>
@@ -15112,7 +14995,7 @@
           <p:cNvPr id="2" name="Title 1">
             <a:extLst>
               <a:ext uri="{FF2B5EF4-FFF2-40B4-BE49-F238E27FC236}">
-                <a16:creationId xmlns:a16="http://schemas.microsoft.com/office/drawing/2014/main" xmlns="" id="{B1ECD3DB-478B-4A06-AADC-5C84F50CAE6A}"/>
+                <a16:creationId xmlns:a16="http://schemas.microsoft.com/office/drawing/2014/main" id="{B1ECD3DB-478B-4A06-AADC-5C84F50CAE6A}"/>
               </a:ext>
             </a:extLst>
           </p:cNvPr>
@@ -15149,7 +15032,7 @@
           <p:cNvPr id="3" name="Subtitle 2">
             <a:extLst>
               <a:ext uri="{FF2B5EF4-FFF2-40B4-BE49-F238E27FC236}">
-                <a16:creationId xmlns:a16="http://schemas.microsoft.com/office/drawing/2014/main" xmlns="" id="{3DE96620-4059-4A21-9BBF-2E4D0C292FCA}"/>
+                <a16:creationId xmlns:a16="http://schemas.microsoft.com/office/drawing/2014/main" id="{3DE96620-4059-4A21-9BBF-2E4D0C292FCA}"/>
               </a:ext>
             </a:extLst>
           </p:cNvPr>
@@ -15219,7 +15102,7 @@
           <p:cNvPr id="4" name="Date Placeholder 3">
             <a:extLst>
               <a:ext uri="{FF2B5EF4-FFF2-40B4-BE49-F238E27FC236}">
-                <a16:creationId xmlns:a16="http://schemas.microsoft.com/office/drawing/2014/main" xmlns="" id="{7C9A1DFC-8B6E-4914-B4C2-A2B1F6E27104}"/>
+                <a16:creationId xmlns:a16="http://schemas.microsoft.com/office/drawing/2014/main" id="{7C9A1DFC-8B6E-4914-B4C2-A2B1F6E27104}"/>
               </a:ext>
             </a:extLst>
           </p:cNvPr>
@@ -15237,7 +15120,7 @@
           <a:p>
             <a:fld id="{9250970E-ADB8-4029-AD8E-C376EC0F62B0}" type="datetimeFigureOut">
               <a:rPr lang="en-US" smtClean="0"/>
-              <a:t>11/3/2023</a:t>
+              <a:t>12/23/2024</a:t>
             </a:fld>
             <a:endParaRPr lang="en-US"/>
           </a:p>
@@ -15248,7 +15131,7 @@
           <p:cNvPr id="5" name="Footer Placeholder 4">
             <a:extLst>
               <a:ext uri="{FF2B5EF4-FFF2-40B4-BE49-F238E27FC236}">
-                <a16:creationId xmlns:a16="http://schemas.microsoft.com/office/drawing/2014/main" xmlns="" id="{BB7B1A89-7AA3-4CDC-9A7B-9260850D25F3}"/>
+                <a16:creationId xmlns:a16="http://schemas.microsoft.com/office/drawing/2014/main" id="{BB7B1A89-7AA3-4CDC-9A7B-9260850D25F3}"/>
               </a:ext>
             </a:extLst>
           </p:cNvPr>
@@ -15273,7 +15156,7 @@
           <p:cNvPr id="6" name="Slide Number Placeholder 5">
             <a:extLst>
               <a:ext uri="{FF2B5EF4-FFF2-40B4-BE49-F238E27FC236}">
-                <a16:creationId xmlns:a16="http://schemas.microsoft.com/office/drawing/2014/main" xmlns="" id="{D199B9C3-909F-4014-B240-DFDD6FA2B430}"/>
+                <a16:creationId xmlns:a16="http://schemas.microsoft.com/office/drawing/2014/main" id="{D199B9C3-909F-4014-B240-DFDD6FA2B430}"/>
               </a:ext>
             </a:extLst>
           </p:cNvPr>
@@ -15332,7 +15215,7 @@
           <p:cNvPr id="2" name="Title 1">
             <a:extLst>
               <a:ext uri="{FF2B5EF4-FFF2-40B4-BE49-F238E27FC236}">
-                <a16:creationId xmlns:a16="http://schemas.microsoft.com/office/drawing/2014/main" xmlns="" id="{24592035-0974-4787-93B3-3B4062A25FCC}"/>
+                <a16:creationId xmlns:a16="http://schemas.microsoft.com/office/drawing/2014/main" id="{24592035-0974-4787-93B3-3B4062A25FCC}"/>
               </a:ext>
             </a:extLst>
           </p:cNvPr>
@@ -15360,7 +15243,7 @@
           <p:cNvPr id="3" name="Vertical Text Placeholder 2">
             <a:extLst>
               <a:ext uri="{FF2B5EF4-FFF2-40B4-BE49-F238E27FC236}">
-                <a16:creationId xmlns:a16="http://schemas.microsoft.com/office/drawing/2014/main" xmlns="" id="{313897D9-7563-48D2-A061-843F5D1613F8}"/>
+                <a16:creationId xmlns:a16="http://schemas.microsoft.com/office/drawing/2014/main" id="{313897D9-7563-48D2-A061-843F5D1613F8}"/>
               </a:ext>
             </a:extLst>
           </p:cNvPr>
@@ -15417,7 +15300,7 @@
           <p:cNvPr id="4" name="Date Placeholder 3">
             <a:extLst>
               <a:ext uri="{FF2B5EF4-FFF2-40B4-BE49-F238E27FC236}">
-                <a16:creationId xmlns:a16="http://schemas.microsoft.com/office/drawing/2014/main" xmlns="" id="{57123A1C-A2B3-4E35-B586-A2CCB53AF9A3}"/>
+                <a16:creationId xmlns:a16="http://schemas.microsoft.com/office/drawing/2014/main" id="{57123A1C-A2B3-4E35-B586-A2CCB53AF9A3}"/>
               </a:ext>
             </a:extLst>
           </p:cNvPr>
@@ -15435,7 +15318,7 @@
           <a:p>
             <a:fld id="{9250970E-ADB8-4029-AD8E-C376EC0F62B0}" type="datetimeFigureOut">
               <a:rPr lang="en-US" smtClean="0"/>
-              <a:t>11/3/2023</a:t>
+              <a:t>12/23/2024</a:t>
             </a:fld>
             <a:endParaRPr lang="en-US"/>
           </a:p>
@@ -15446,7 +15329,7 @@
           <p:cNvPr id="5" name="Footer Placeholder 4">
             <a:extLst>
               <a:ext uri="{FF2B5EF4-FFF2-40B4-BE49-F238E27FC236}">
-                <a16:creationId xmlns:a16="http://schemas.microsoft.com/office/drawing/2014/main" xmlns="" id="{12D50C94-3981-4034-BF0E-7263DBEE9D1A}"/>
+                <a16:creationId xmlns:a16="http://schemas.microsoft.com/office/drawing/2014/main" id="{12D50C94-3981-4034-BF0E-7263DBEE9D1A}"/>
               </a:ext>
             </a:extLst>
           </p:cNvPr>
@@ -15471,7 +15354,7 @@
           <p:cNvPr id="6" name="Slide Number Placeholder 5">
             <a:extLst>
               <a:ext uri="{FF2B5EF4-FFF2-40B4-BE49-F238E27FC236}">
-                <a16:creationId xmlns:a16="http://schemas.microsoft.com/office/drawing/2014/main" xmlns="" id="{AB815A5B-2DCF-4392-B305-94A33275D4A4}"/>
+                <a16:creationId xmlns:a16="http://schemas.microsoft.com/office/drawing/2014/main" id="{AB815A5B-2DCF-4392-B305-94A33275D4A4}"/>
               </a:ext>
             </a:extLst>
           </p:cNvPr>
@@ -15530,7 +15413,7 @@
           <p:cNvPr id="2" name="Vertical Title 1">
             <a:extLst>
               <a:ext uri="{FF2B5EF4-FFF2-40B4-BE49-F238E27FC236}">
-                <a16:creationId xmlns:a16="http://schemas.microsoft.com/office/drawing/2014/main" xmlns="" id="{82319A72-1790-487A-BE7F-247E59CF8B7B}"/>
+                <a16:creationId xmlns:a16="http://schemas.microsoft.com/office/drawing/2014/main" id="{82319A72-1790-487A-BE7F-247E59CF8B7B}"/>
               </a:ext>
             </a:extLst>
           </p:cNvPr>
@@ -15563,7 +15446,7 @@
           <p:cNvPr id="3" name="Vertical Text Placeholder 2">
             <a:extLst>
               <a:ext uri="{FF2B5EF4-FFF2-40B4-BE49-F238E27FC236}">
-                <a16:creationId xmlns:a16="http://schemas.microsoft.com/office/drawing/2014/main" xmlns="" id="{240A41D4-623B-4479-A7D7-D9A8B6C1D91F}"/>
+                <a16:creationId xmlns:a16="http://schemas.microsoft.com/office/drawing/2014/main" id="{240A41D4-623B-4479-A7D7-D9A8B6C1D91F}"/>
               </a:ext>
             </a:extLst>
           </p:cNvPr>
@@ -15625,7 +15508,7 @@
           <p:cNvPr id="4" name="Date Placeholder 3">
             <a:extLst>
               <a:ext uri="{FF2B5EF4-FFF2-40B4-BE49-F238E27FC236}">
-                <a16:creationId xmlns:a16="http://schemas.microsoft.com/office/drawing/2014/main" xmlns="" id="{5D894036-A908-45D2-9348-8E33CD3FBEFF}"/>
+                <a16:creationId xmlns:a16="http://schemas.microsoft.com/office/drawing/2014/main" id="{5D894036-A908-45D2-9348-8E33CD3FBEFF}"/>
               </a:ext>
             </a:extLst>
           </p:cNvPr>
@@ -15643,7 +15526,7 @@
           <a:p>
             <a:fld id="{9250970E-ADB8-4029-AD8E-C376EC0F62B0}" type="datetimeFigureOut">
               <a:rPr lang="en-US" smtClean="0"/>
-              <a:t>11/3/2023</a:t>
+              <a:t>12/23/2024</a:t>
             </a:fld>
             <a:endParaRPr lang="en-US"/>
           </a:p>
@@ -15654,7 +15537,7 @@
           <p:cNvPr id="5" name="Footer Placeholder 4">
             <a:extLst>
               <a:ext uri="{FF2B5EF4-FFF2-40B4-BE49-F238E27FC236}">
-                <a16:creationId xmlns:a16="http://schemas.microsoft.com/office/drawing/2014/main" xmlns="" id="{458A1A3A-7ED5-4273-8089-56D8F3909540}"/>
+                <a16:creationId xmlns:a16="http://schemas.microsoft.com/office/drawing/2014/main" id="{458A1A3A-7ED5-4273-8089-56D8F3909540}"/>
               </a:ext>
             </a:extLst>
           </p:cNvPr>
@@ -15679,7 +15562,7 @@
           <p:cNvPr id="6" name="Slide Number Placeholder 5">
             <a:extLst>
               <a:ext uri="{FF2B5EF4-FFF2-40B4-BE49-F238E27FC236}">
-                <a16:creationId xmlns:a16="http://schemas.microsoft.com/office/drawing/2014/main" xmlns="" id="{E931D49F-397E-4F84-A8FB-7FFC2624B8B6}"/>
+                <a16:creationId xmlns:a16="http://schemas.microsoft.com/office/drawing/2014/main" id="{E931D49F-397E-4F84-A8FB-7FFC2624B8B6}"/>
               </a:ext>
             </a:extLst>
           </p:cNvPr>
@@ -15738,7 +15621,7 @@
           <p:cNvPr id="2" name="Title 1">
             <a:extLst>
               <a:ext uri="{FF2B5EF4-FFF2-40B4-BE49-F238E27FC236}">
-                <a16:creationId xmlns:a16="http://schemas.microsoft.com/office/drawing/2014/main" xmlns="" id="{15E8AA1E-84A1-443D-BABE-CB360440C10D}"/>
+                <a16:creationId xmlns:a16="http://schemas.microsoft.com/office/drawing/2014/main" id="{15E8AA1E-84A1-443D-BABE-CB360440C10D}"/>
               </a:ext>
             </a:extLst>
           </p:cNvPr>
@@ -15766,7 +15649,7 @@
           <p:cNvPr id="3" name="Content Placeholder 2">
             <a:extLst>
               <a:ext uri="{FF2B5EF4-FFF2-40B4-BE49-F238E27FC236}">
-                <a16:creationId xmlns:a16="http://schemas.microsoft.com/office/drawing/2014/main" xmlns="" id="{94031C62-C777-42BD-979F-B57507E81C65}"/>
+                <a16:creationId xmlns:a16="http://schemas.microsoft.com/office/drawing/2014/main" id="{94031C62-C777-42BD-979F-B57507E81C65}"/>
               </a:ext>
             </a:extLst>
           </p:cNvPr>
@@ -15823,7 +15706,7 @@
           <p:cNvPr id="4" name="Date Placeholder 3">
             <a:extLst>
               <a:ext uri="{FF2B5EF4-FFF2-40B4-BE49-F238E27FC236}">
-                <a16:creationId xmlns:a16="http://schemas.microsoft.com/office/drawing/2014/main" xmlns="" id="{69499F6C-F794-42CB-AD7A-1FCDBF21AF10}"/>
+                <a16:creationId xmlns:a16="http://schemas.microsoft.com/office/drawing/2014/main" id="{69499F6C-F794-42CB-AD7A-1FCDBF21AF10}"/>
               </a:ext>
             </a:extLst>
           </p:cNvPr>
@@ -15841,7 +15724,7 @@
           <a:p>
             <a:fld id="{9250970E-ADB8-4029-AD8E-C376EC0F62B0}" type="datetimeFigureOut">
               <a:rPr lang="en-US" smtClean="0"/>
-              <a:t>11/3/2023</a:t>
+              <a:t>12/23/2024</a:t>
             </a:fld>
             <a:endParaRPr lang="en-US"/>
           </a:p>
@@ -15852,7 +15735,7 @@
           <p:cNvPr id="5" name="Footer Placeholder 4">
             <a:extLst>
               <a:ext uri="{FF2B5EF4-FFF2-40B4-BE49-F238E27FC236}">
-                <a16:creationId xmlns:a16="http://schemas.microsoft.com/office/drawing/2014/main" xmlns="" id="{D1D2BA5F-7EC0-4EBA-9C76-9D656F4A6677}"/>
+                <a16:creationId xmlns:a16="http://schemas.microsoft.com/office/drawing/2014/main" id="{D1D2BA5F-7EC0-4EBA-9C76-9D656F4A6677}"/>
               </a:ext>
             </a:extLst>
           </p:cNvPr>
@@ -15877,7 +15760,7 @@
           <p:cNvPr id="6" name="Slide Number Placeholder 5">
             <a:extLst>
               <a:ext uri="{FF2B5EF4-FFF2-40B4-BE49-F238E27FC236}">
-                <a16:creationId xmlns:a16="http://schemas.microsoft.com/office/drawing/2014/main" xmlns="" id="{2C0D4A66-D9E4-4CDB-BBFE-B53185511836}"/>
+                <a16:creationId xmlns:a16="http://schemas.microsoft.com/office/drawing/2014/main" id="{2C0D4A66-D9E4-4CDB-BBFE-B53185511836}"/>
               </a:ext>
             </a:extLst>
           </p:cNvPr>
@@ -15936,7 +15819,7 @@
           <p:cNvPr id="2" name="Title 1">
             <a:extLst>
               <a:ext uri="{FF2B5EF4-FFF2-40B4-BE49-F238E27FC236}">
-                <a16:creationId xmlns:a16="http://schemas.microsoft.com/office/drawing/2014/main" xmlns="" id="{B6C0454D-E380-4866-B19D-6BDCD6567AA5}"/>
+                <a16:creationId xmlns:a16="http://schemas.microsoft.com/office/drawing/2014/main" id="{B6C0454D-E380-4866-B19D-6BDCD6567AA5}"/>
               </a:ext>
             </a:extLst>
           </p:cNvPr>
@@ -15973,7 +15856,7 @@
           <p:cNvPr id="3" name="Text Placeholder 2">
             <a:extLst>
               <a:ext uri="{FF2B5EF4-FFF2-40B4-BE49-F238E27FC236}">
-                <a16:creationId xmlns:a16="http://schemas.microsoft.com/office/drawing/2014/main" xmlns="" id="{AAB2A8B9-44ED-4DCB-8112-823BDEF83058}"/>
+                <a16:creationId xmlns:a16="http://schemas.microsoft.com/office/drawing/2014/main" id="{AAB2A8B9-44ED-4DCB-8112-823BDEF83058}"/>
               </a:ext>
             </a:extLst>
           </p:cNvPr>
@@ -16098,7 +15981,7 @@
           <p:cNvPr id="4" name="Date Placeholder 3">
             <a:extLst>
               <a:ext uri="{FF2B5EF4-FFF2-40B4-BE49-F238E27FC236}">
-                <a16:creationId xmlns:a16="http://schemas.microsoft.com/office/drawing/2014/main" xmlns="" id="{25761CB2-5A04-4AF3-B56C-9D99EF1E1DE3}"/>
+                <a16:creationId xmlns:a16="http://schemas.microsoft.com/office/drawing/2014/main" id="{25761CB2-5A04-4AF3-B56C-9D99EF1E1DE3}"/>
               </a:ext>
             </a:extLst>
           </p:cNvPr>
@@ -16116,7 +15999,7 @@
           <a:p>
             <a:fld id="{9250970E-ADB8-4029-AD8E-C376EC0F62B0}" type="datetimeFigureOut">
               <a:rPr lang="en-US" smtClean="0"/>
-              <a:t>11/3/2023</a:t>
+              <a:t>12/23/2024</a:t>
             </a:fld>
             <a:endParaRPr lang="en-US"/>
           </a:p>
@@ -16127,7 +16010,7 @@
           <p:cNvPr id="5" name="Footer Placeholder 4">
             <a:extLst>
               <a:ext uri="{FF2B5EF4-FFF2-40B4-BE49-F238E27FC236}">
-                <a16:creationId xmlns:a16="http://schemas.microsoft.com/office/drawing/2014/main" xmlns="" id="{1D018237-AD6C-4B2B-A696-B162C268E548}"/>
+                <a16:creationId xmlns:a16="http://schemas.microsoft.com/office/drawing/2014/main" id="{1D018237-AD6C-4B2B-A696-B162C268E548}"/>
               </a:ext>
             </a:extLst>
           </p:cNvPr>
@@ -16152,7 +16035,7 @@
           <p:cNvPr id="6" name="Slide Number Placeholder 5">
             <a:extLst>
               <a:ext uri="{FF2B5EF4-FFF2-40B4-BE49-F238E27FC236}">
-                <a16:creationId xmlns:a16="http://schemas.microsoft.com/office/drawing/2014/main" xmlns="" id="{4C04201C-E5CE-4D80-B5B7-D477CFD6F90C}"/>
+                <a16:creationId xmlns:a16="http://schemas.microsoft.com/office/drawing/2014/main" id="{4C04201C-E5CE-4D80-B5B7-D477CFD6F90C}"/>
               </a:ext>
             </a:extLst>
           </p:cNvPr>
@@ -16211,7 +16094,7 @@
           <p:cNvPr id="2" name="Title 1">
             <a:extLst>
               <a:ext uri="{FF2B5EF4-FFF2-40B4-BE49-F238E27FC236}">
-                <a16:creationId xmlns:a16="http://schemas.microsoft.com/office/drawing/2014/main" xmlns="" id="{FED79269-BC0F-4156-957E-8364842D5AF3}"/>
+                <a16:creationId xmlns:a16="http://schemas.microsoft.com/office/drawing/2014/main" id="{FED79269-BC0F-4156-957E-8364842D5AF3}"/>
               </a:ext>
             </a:extLst>
           </p:cNvPr>
@@ -16239,7 +16122,7 @@
           <p:cNvPr id="3" name="Content Placeholder 2">
             <a:extLst>
               <a:ext uri="{FF2B5EF4-FFF2-40B4-BE49-F238E27FC236}">
-                <a16:creationId xmlns:a16="http://schemas.microsoft.com/office/drawing/2014/main" xmlns="" id="{61C06060-C5B4-45FF-99CD-2ACAD43B4512}"/>
+                <a16:creationId xmlns:a16="http://schemas.microsoft.com/office/drawing/2014/main" id="{61C06060-C5B4-45FF-99CD-2ACAD43B4512}"/>
               </a:ext>
             </a:extLst>
           </p:cNvPr>
@@ -16301,7 +16184,7 @@
           <p:cNvPr id="4" name="Content Placeholder 3">
             <a:extLst>
               <a:ext uri="{FF2B5EF4-FFF2-40B4-BE49-F238E27FC236}">
-                <a16:creationId xmlns:a16="http://schemas.microsoft.com/office/drawing/2014/main" xmlns="" id="{5436DDFF-5E5D-4555-BA07-FBBD6ACF1EA6}"/>
+                <a16:creationId xmlns:a16="http://schemas.microsoft.com/office/drawing/2014/main" id="{5436DDFF-5E5D-4555-BA07-FBBD6ACF1EA6}"/>
               </a:ext>
             </a:extLst>
           </p:cNvPr>
@@ -16363,7 +16246,7 @@
           <p:cNvPr id="5" name="Date Placeholder 4">
             <a:extLst>
               <a:ext uri="{FF2B5EF4-FFF2-40B4-BE49-F238E27FC236}">
-                <a16:creationId xmlns:a16="http://schemas.microsoft.com/office/drawing/2014/main" xmlns="" id="{5DD62E18-35F4-4970-99A1-A9F21A4BA1D3}"/>
+                <a16:creationId xmlns:a16="http://schemas.microsoft.com/office/drawing/2014/main" id="{5DD62E18-35F4-4970-99A1-A9F21A4BA1D3}"/>
               </a:ext>
             </a:extLst>
           </p:cNvPr>
@@ -16381,7 +16264,7 @@
           <a:p>
             <a:fld id="{9250970E-ADB8-4029-AD8E-C376EC0F62B0}" type="datetimeFigureOut">
               <a:rPr lang="en-US" smtClean="0"/>
-              <a:t>11/3/2023</a:t>
+              <a:t>12/23/2024</a:t>
             </a:fld>
             <a:endParaRPr lang="en-US"/>
           </a:p>
@@ -16392,7 +16275,7 @@
           <p:cNvPr id="6" name="Footer Placeholder 5">
             <a:extLst>
               <a:ext uri="{FF2B5EF4-FFF2-40B4-BE49-F238E27FC236}">
-                <a16:creationId xmlns:a16="http://schemas.microsoft.com/office/drawing/2014/main" xmlns="" id="{EAE2AFE5-C5F1-4AC4-BAB5-84ED2FB2AD6C}"/>
+                <a16:creationId xmlns:a16="http://schemas.microsoft.com/office/drawing/2014/main" id="{EAE2AFE5-C5F1-4AC4-BAB5-84ED2FB2AD6C}"/>
               </a:ext>
             </a:extLst>
           </p:cNvPr>
@@ -16417,7 +16300,7 @@
           <p:cNvPr id="7" name="Slide Number Placeholder 6">
             <a:extLst>
               <a:ext uri="{FF2B5EF4-FFF2-40B4-BE49-F238E27FC236}">
-                <a16:creationId xmlns:a16="http://schemas.microsoft.com/office/drawing/2014/main" xmlns="" id="{B3B17F73-641E-47CD-9712-14656F38B7C3}"/>
+                <a16:creationId xmlns:a16="http://schemas.microsoft.com/office/drawing/2014/main" id="{B3B17F73-641E-47CD-9712-14656F38B7C3}"/>
               </a:ext>
             </a:extLst>
           </p:cNvPr>
@@ -16476,7 +16359,7 @@
           <p:cNvPr id="2" name="Title 1">
             <a:extLst>
               <a:ext uri="{FF2B5EF4-FFF2-40B4-BE49-F238E27FC236}">
-                <a16:creationId xmlns:a16="http://schemas.microsoft.com/office/drawing/2014/main" xmlns="" id="{DBC1ABEB-F3C9-40C6-BB7D-1BA58D8496EB}"/>
+                <a16:creationId xmlns:a16="http://schemas.microsoft.com/office/drawing/2014/main" id="{DBC1ABEB-F3C9-40C6-BB7D-1BA58D8496EB}"/>
               </a:ext>
             </a:extLst>
           </p:cNvPr>
@@ -16509,7 +16392,7 @@
           <p:cNvPr id="3" name="Text Placeholder 2">
             <a:extLst>
               <a:ext uri="{FF2B5EF4-FFF2-40B4-BE49-F238E27FC236}">
-                <a16:creationId xmlns:a16="http://schemas.microsoft.com/office/drawing/2014/main" xmlns="" id="{EEBE0010-731E-4628-A4B4-24C567C97E54}"/>
+                <a16:creationId xmlns:a16="http://schemas.microsoft.com/office/drawing/2014/main" id="{EEBE0010-731E-4628-A4B4-24C567C97E54}"/>
               </a:ext>
             </a:extLst>
           </p:cNvPr>
@@ -16580,7 +16463,7 @@
           <p:cNvPr id="4" name="Content Placeholder 3">
             <a:extLst>
               <a:ext uri="{FF2B5EF4-FFF2-40B4-BE49-F238E27FC236}">
-                <a16:creationId xmlns:a16="http://schemas.microsoft.com/office/drawing/2014/main" xmlns="" id="{CC0DD908-E12A-43DF-9147-51C0546B9468}"/>
+                <a16:creationId xmlns:a16="http://schemas.microsoft.com/office/drawing/2014/main" id="{CC0DD908-E12A-43DF-9147-51C0546B9468}"/>
               </a:ext>
             </a:extLst>
           </p:cNvPr>
@@ -16642,7 +16525,7 @@
           <p:cNvPr id="5" name="Text Placeholder 4">
             <a:extLst>
               <a:ext uri="{FF2B5EF4-FFF2-40B4-BE49-F238E27FC236}">
-                <a16:creationId xmlns:a16="http://schemas.microsoft.com/office/drawing/2014/main" xmlns="" id="{F79F92CF-29F7-48F7-B638-47C158D8F9F3}"/>
+                <a16:creationId xmlns:a16="http://schemas.microsoft.com/office/drawing/2014/main" id="{F79F92CF-29F7-48F7-B638-47C158D8F9F3}"/>
               </a:ext>
             </a:extLst>
           </p:cNvPr>
@@ -16713,7 +16596,7 @@
           <p:cNvPr id="6" name="Content Placeholder 5">
             <a:extLst>
               <a:ext uri="{FF2B5EF4-FFF2-40B4-BE49-F238E27FC236}">
-                <a16:creationId xmlns:a16="http://schemas.microsoft.com/office/drawing/2014/main" xmlns="" id="{6CB4A63F-AA80-4543-A0C0-5FF0C4316E8D}"/>
+                <a16:creationId xmlns:a16="http://schemas.microsoft.com/office/drawing/2014/main" id="{6CB4A63F-AA80-4543-A0C0-5FF0C4316E8D}"/>
               </a:ext>
             </a:extLst>
           </p:cNvPr>
@@ -16775,7 +16658,7 @@
           <p:cNvPr id="7" name="Date Placeholder 6">
             <a:extLst>
               <a:ext uri="{FF2B5EF4-FFF2-40B4-BE49-F238E27FC236}">
-                <a16:creationId xmlns:a16="http://schemas.microsoft.com/office/drawing/2014/main" xmlns="" id="{230CBDED-CF75-418D-9C5F-BB154C42FCD2}"/>
+                <a16:creationId xmlns:a16="http://schemas.microsoft.com/office/drawing/2014/main" id="{230CBDED-CF75-418D-9C5F-BB154C42FCD2}"/>
               </a:ext>
             </a:extLst>
           </p:cNvPr>
@@ -16793,7 +16676,7 @@
           <a:p>
             <a:fld id="{9250970E-ADB8-4029-AD8E-C376EC0F62B0}" type="datetimeFigureOut">
               <a:rPr lang="en-US" smtClean="0"/>
-              <a:t>11/3/2023</a:t>
+              <a:t>12/23/2024</a:t>
             </a:fld>
             <a:endParaRPr lang="en-US"/>
           </a:p>
@@ -16804,7 +16687,7 @@
           <p:cNvPr id="8" name="Footer Placeholder 7">
             <a:extLst>
               <a:ext uri="{FF2B5EF4-FFF2-40B4-BE49-F238E27FC236}">
-                <a16:creationId xmlns:a16="http://schemas.microsoft.com/office/drawing/2014/main" xmlns="" id="{7118B367-8E97-4E39-B932-DFBF4CDA61AA}"/>
+                <a16:creationId xmlns:a16="http://schemas.microsoft.com/office/drawing/2014/main" id="{7118B367-8E97-4E39-B932-DFBF4CDA61AA}"/>
               </a:ext>
             </a:extLst>
           </p:cNvPr>
@@ -16829,7 +16712,7 @@
           <p:cNvPr id="9" name="Slide Number Placeholder 8">
             <a:extLst>
               <a:ext uri="{FF2B5EF4-FFF2-40B4-BE49-F238E27FC236}">
-                <a16:creationId xmlns:a16="http://schemas.microsoft.com/office/drawing/2014/main" xmlns="" id="{221BAED9-92F9-4608-AB96-EC5554003047}"/>
+                <a16:creationId xmlns:a16="http://schemas.microsoft.com/office/drawing/2014/main" id="{221BAED9-92F9-4608-AB96-EC5554003047}"/>
               </a:ext>
             </a:extLst>
           </p:cNvPr>
@@ -16888,7 +16771,7 @@
           <p:cNvPr id="2" name="Title 1">
             <a:extLst>
               <a:ext uri="{FF2B5EF4-FFF2-40B4-BE49-F238E27FC236}">
-                <a16:creationId xmlns:a16="http://schemas.microsoft.com/office/drawing/2014/main" xmlns="" id="{370433CB-34C1-4FA4-80C4-C8D197756E5B}"/>
+                <a16:creationId xmlns:a16="http://schemas.microsoft.com/office/drawing/2014/main" id="{370433CB-34C1-4FA4-80C4-C8D197756E5B}"/>
               </a:ext>
             </a:extLst>
           </p:cNvPr>
@@ -16916,7 +16799,7 @@
           <p:cNvPr id="3" name="Date Placeholder 2">
             <a:extLst>
               <a:ext uri="{FF2B5EF4-FFF2-40B4-BE49-F238E27FC236}">
-                <a16:creationId xmlns:a16="http://schemas.microsoft.com/office/drawing/2014/main" xmlns="" id="{8C72537D-D9C2-44F8-99EA-E77A06729C14}"/>
+                <a16:creationId xmlns:a16="http://schemas.microsoft.com/office/drawing/2014/main" id="{8C72537D-D9C2-44F8-99EA-E77A06729C14}"/>
               </a:ext>
             </a:extLst>
           </p:cNvPr>
@@ -16934,7 +16817,7 @@
           <a:p>
             <a:fld id="{9250970E-ADB8-4029-AD8E-C376EC0F62B0}" type="datetimeFigureOut">
               <a:rPr lang="en-US" smtClean="0"/>
-              <a:t>11/3/2023</a:t>
+              <a:t>12/23/2024</a:t>
             </a:fld>
             <a:endParaRPr lang="en-US"/>
           </a:p>
@@ -16945,7 +16828,7 @@
           <p:cNvPr id="4" name="Footer Placeholder 3">
             <a:extLst>
               <a:ext uri="{FF2B5EF4-FFF2-40B4-BE49-F238E27FC236}">
-                <a16:creationId xmlns:a16="http://schemas.microsoft.com/office/drawing/2014/main" xmlns="" id="{53F393D6-8A86-459F-8199-61F3712075A2}"/>
+                <a16:creationId xmlns:a16="http://schemas.microsoft.com/office/drawing/2014/main" id="{53F393D6-8A86-459F-8199-61F3712075A2}"/>
               </a:ext>
             </a:extLst>
           </p:cNvPr>
@@ -16970,7 +16853,7 @@
           <p:cNvPr id="5" name="Slide Number Placeholder 4">
             <a:extLst>
               <a:ext uri="{FF2B5EF4-FFF2-40B4-BE49-F238E27FC236}">
-                <a16:creationId xmlns:a16="http://schemas.microsoft.com/office/drawing/2014/main" xmlns="" id="{4ACA4EB7-7AAA-47BF-8C38-2F53AEBABC5A}"/>
+                <a16:creationId xmlns:a16="http://schemas.microsoft.com/office/drawing/2014/main" id="{4ACA4EB7-7AAA-47BF-8C38-2F53AEBABC5A}"/>
               </a:ext>
             </a:extLst>
           </p:cNvPr>
@@ -17029,7 +16912,7 @@
           <p:cNvPr id="2" name="Date Placeholder 1">
             <a:extLst>
               <a:ext uri="{FF2B5EF4-FFF2-40B4-BE49-F238E27FC236}">
-                <a16:creationId xmlns:a16="http://schemas.microsoft.com/office/drawing/2014/main" xmlns="" id="{F65514A6-4873-43EA-8DD9-95E85C07EECE}"/>
+                <a16:creationId xmlns:a16="http://schemas.microsoft.com/office/drawing/2014/main" id="{F65514A6-4873-43EA-8DD9-95E85C07EECE}"/>
               </a:ext>
             </a:extLst>
           </p:cNvPr>
@@ -17047,7 +16930,7 @@
           <a:p>
             <a:fld id="{9250970E-ADB8-4029-AD8E-C376EC0F62B0}" type="datetimeFigureOut">
               <a:rPr lang="en-US" smtClean="0"/>
-              <a:t>11/3/2023</a:t>
+              <a:t>12/23/2024</a:t>
             </a:fld>
             <a:endParaRPr lang="en-US"/>
           </a:p>
@@ -17058,7 +16941,7 @@
           <p:cNvPr id="3" name="Footer Placeholder 2">
             <a:extLst>
               <a:ext uri="{FF2B5EF4-FFF2-40B4-BE49-F238E27FC236}">
-                <a16:creationId xmlns:a16="http://schemas.microsoft.com/office/drawing/2014/main" xmlns="" id="{EDE0EC53-4143-4CEF-AC0B-9B96814F5708}"/>
+                <a16:creationId xmlns:a16="http://schemas.microsoft.com/office/drawing/2014/main" id="{EDE0EC53-4143-4CEF-AC0B-9B96814F5708}"/>
               </a:ext>
             </a:extLst>
           </p:cNvPr>
@@ -17083,7 +16966,7 @@
           <p:cNvPr id="4" name="Slide Number Placeholder 3">
             <a:extLst>
               <a:ext uri="{FF2B5EF4-FFF2-40B4-BE49-F238E27FC236}">
-                <a16:creationId xmlns:a16="http://schemas.microsoft.com/office/drawing/2014/main" xmlns="" id="{38024737-02C3-4803-B504-A98F5F5ADCC5}"/>
+                <a16:creationId xmlns:a16="http://schemas.microsoft.com/office/drawing/2014/main" id="{38024737-02C3-4803-B504-A98F5F5ADCC5}"/>
               </a:ext>
             </a:extLst>
           </p:cNvPr>
@@ -17142,7 +17025,7 @@
           <p:cNvPr id="2" name="Title 1">
             <a:extLst>
               <a:ext uri="{FF2B5EF4-FFF2-40B4-BE49-F238E27FC236}">
-                <a16:creationId xmlns:a16="http://schemas.microsoft.com/office/drawing/2014/main" xmlns="" id="{34D29150-CE87-46B5-AB9B-8E2F6CD9B743}"/>
+                <a16:creationId xmlns:a16="http://schemas.microsoft.com/office/drawing/2014/main" id="{34D29150-CE87-46B5-AB9B-8E2F6CD9B743}"/>
               </a:ext>
             </a:extLst>
           </p:cNvPr>
@@ -17179,7 +17062,7 @@
           <p:cNvPr id="3" name="Content Placeholder 2">
             <a:extLst>
               <a:ext uri="{FF2B5EF4-FFF2-40B4-BE49-F238E27FC236}">
-                <a16:creationId xmlns:a16="http://schemas.microsoft.com/office/drawing/2014/main" xmlns="" id="{2E1C92F5-3D63-4426-AB4B-44778CC6B1C7}"/>
+                <a16:creationId xmlns:a16="http://schemas.microsoft.com/office/drawing/2014/main" id="{2E1C92F5-3D63-4426-AB4B-44778CC6B1C7}"/>
               </a:ext>
             </a:extLst>
           </p:cNvPr>
@@ -17269,7 +17152,7 @@
           <p:cNvPr id="4" name="Text Placeholder 3">
             <a:extLst>
               <a:ext uri="{FF2B5EF4-FFF2-40B4-BE49-F238E27FC236}">
-                <a16:creationId xmlns:a16="http://schemas.microsoft.com/office/drawing/2014/main" xmlns="" id="{9ECFF484-ECFB-40FC-BF9F-F3909371DAE6}"/>
+                <a16:creationId xmlns:a16="http://schemas.microsoft.com/office/drawing/2014/main" id="{9ECFF484-ECFB-40FC-BF9F-F3909371DAE6}"/>
               </a:ext>
             </a:extLst>
           </p:cNvPr>
@@ -17340,7 +17223,7 @@
           <p:cNvPr id="5" name="Date Placeholder 4">
             <a:extLst>
               <a:ext uri="{FF2B5EF4-FFF2-40B4-BE49-F238E27FC236}">
-                <a16:creationId xmlns:a16="http://schemas.microsoft.com/office/drawing/2014/main" xmlns="" id="{8E6524A2-511A-4E95-820A-AB619C1249F7}"/>
+                <a16:creationId xmlns:a16="http://schemas.microsoft.com/office/drawing/2014/main" id="{8E6524A2-511A-4E95-820A-AB619C1249F7}"/>
               </a:ext>
             </a:extLst>
           </p:cNvPr>
@@ -17358,7 +17241,7 @@
           <a:p>
             <a:fld id="{9250970E-ADB8-4029-AD8E-C376EC0F62B0}" type="datetimeFigureOut">
               <a:rPr lang="en-US" smtClean="0"/>
-              <a:t>11/3/2023</a:t>
+              <a:t>12/23/2024</a:t>
             </a:fld>
             <a:endParaRPr lang="en-US"/>
           </a:p>
@@ -17369,7 +17252,7 @@
           <p:cNvPr id="6" name="Footer Placeholder 5">
             <a:extLst>
               <a:ext uri="{FF2B5EF4-FFF2-40B4-BE49-F238E27FC236}">
-                <a16:creationId xmlns:a16="http://schemas.microsoft.com/office/drawing/2014/main" xmlns="" id="{13D55A27-BEF1-40C0-9610-48916D858975}"/>
+                <a16:creationId xmlns:a16="http://schemas.microsoft.com/office/drawing/2014/main" id="{13D55A27-BEF1-40C0-9610-48916D858975}"/>
               </a:ext>
             </a:extLst>
           </p:cNvPr>
@@ -17394,7 +17277,7 @@
           <p:cNvPr id="7" name="Slide Number Placeholder 6">
             <a:extLst>
               <a:ext uri="{FF2B5EF4-FFF2-40B4-BE49-F238E27FC236}">
-                <a16:creationId xmlns:a16="http://schemas.microsoft.com/office/drawing/2014/main" xmlns="" id="{0A53468D-045C-45F4-B65C-89B275FE5AD1}"/>
+                <a16:creationId xmlns:a16="http://schemas.microsoft.com/office/drawing/2014/main" id="{0A53468D-045C-45F4-B65C-89B275FE5AD1}"/>
               </a:ext>
             </a:extLst>
           </p:cNvPr>
@@ -17453,7 +17336,7 @@
           <p:cNvPr id="2" name="Title 1">
             <a:extLst>
               <a:ext uri="{FF2B5EF4-FFF2-40B4-BE49-F238E27FC236}">
-                <a16:creationId xmlns:a16="http://schemas.microsoft.com/office/drawing/2014/main" xmlns="" id="{33E62E87-F548-4B21-BCCC-41D4DA4BB95B}"/>
+                <a16:creationId xmlns:a16="http://schemas.microsoft.com/office/drawing/2014/main" id="{33E62E87-F548-4B21-BCCC-41D4DA4BB95B}"/>
               </a:ext>
             </a:extLst>
           </p:cNvPr>
@@ -17490,7 +17373,7 @@
           <p:cNvPr id="3" name="Picture Placeholder 2">
             <a:extLst>
               <a:ext uri="{FF2B5EF4-FFF2-40B4-BE49-F238E27FC236}">
-                <a16:creationId xmlns:a16="http://schemas.microsoft.com/office/drawing/2014/main" xmlns="" id="{CFCE47A9-4823-4360-9016-B8755B2B1E21}"/>
+                <a16:creationId xmlns:a16="http://schemas.microsoft.com/office/drawing/2014/main" id="{CFCE47A9-4823-4360-9016-B8755B2B1E21}"/>
               </a:ext>
             </a:extLst>
           </p:cNvPr>
@@ -17557,7 +17440,7 @@
           <p:cNvPr id="4" name="Text Placeholder 3">
             <a:extLst>
               <a:ext uri="{FF2B5EF4-FFF2-40B4-BE49-F238E27FC236}">
-                <a16:creationId xmlns:a16="http://schemas.microsoft.com/office/drawing/2014/main" xmlns="" id="{238A9249-0844-4B94-B26A-6B988B386470}"/>
+                <a16:creationId xmlns:a16="http://schemas.microsoft.com/office/drawing/2014/main" id="{238A9249-0844-4B94-B26A-6B988B386470}"/>
               </a:ext>
             </a:extLst>
           </p:cNvPr>
@@ -17628,7 +17511,7 @@
           <p:cNvPr id="5" name="Date Placeholder 4">
             <a:extLst>
               <a:ext uri="{FF2B5EF4-FFF2-40B4-BE49-F238E27FC236}">
-                <a16:creationId xmlns:a16="http://schemas.microsoft.com/office/drawing/2014/main" xmlns="" id="{0110F17F-BE66-4FEE-B45C-88F83B7E7417}"/>
+                <a16:creationId xmlns:a16="http://schemas.microsoft.com/office/drawing/2014/main" id="{0110F17F-BE66-4FEE-B45C-88F83B7E7417}"/>
               </a:ext>
             </a:extLst>
           </p:cNvPr>
@@ -17646,7 +17529,7 @@
           <a:p>
             <a:fld id="{9250970E-ADB8-4029-AD8E-C376EC0F62B0}" type="datetimeFigureOut">
               <a:rPr lang="en-US" smtClean="0"/>
-              <a:t>11/3/2023</a:t>
+              <a:t>12/23/2024</a:t>
             </a:fld>
             <a:endParaRPr lang="en-US"/>
           </a:p>
@@ -17657,7 +17540,7 @@
           <p:cNvPr id="6" name="Footer Placeholder 5">
             <a:extLst>
               <a:ext uri="{FF2B5EF4-FFF2-40B4-BE49-F238E27FC236}">
-                <a16:creationId xmlns:a16="http://schemas.microsoft.com/office/drawing/2014/main" xmlns="" id="{C8481937-3D8F-43D7-A878-C7646EAA6BD0}"/>
+                <a16:creationId xmlns:a16="http://schemas.microsoft.com/office/drawing/2014/main" id="{C8481937-3D8F-43D7-A878-C7646EAA6BD0}"/>
               </a:ext>
             </a:extLst>
           </p:cNvPr>
@@ -17682,7 +17565,7 @@
           <p:cNvPr id="7" name="Slide Number Placeholder 6">
             <a:extLst>
               <a:ext uri="{FF2B5EF4-FFF2-40B4-BE49-F238E27FC236}">
-                <a16:creationId xmlns:a16="http://schemas.microsoft.com/office/drawing/2014/main" xmlns="" id="{24BA8C14-FF74-4628-81A1-B19F6323BD5C}"/>
+                <a16:creationId xmlns:a16="http://schemas.microsoft.com/office/drawing/2014/main" id="{24BA8C14-FF74-4628-81A1-B19F6323BD5C}"/>
               </a:ext>
             </a:extLst>
           </p:cNvPr>
@@ -17746,7 +17629,7 @@
           <p:cNvPr id="2" name="Title Placeholder 1">
             <a:extLst>
               <a:ext uri="{FF2B5EF4-FFF2-40B4-BE49-F238E27FC236}">
-                <a16:creationId xmlns:a16="http://schemas.microsoft.com/office/drawing/2014/main" xmlns="" id="{820E75B4-97E4-4BCF-8C51-DEFFAC28281E}"/>
+                <a16:creationId xmlns:a16="http://schemas.microsoft.com/office/drawing/2014/main" id="{820E75B4-97E4-4BCF-8C51-DEFFAC28281E}"/>
               </a:ext>
             </a:extLst>
           </p:cNvPr>
@@ -17784,7 +17667,7 @@
           <p:cNvPr id="3" name="Text Placeholder 2">
             <a:extLst>
               <a:ext uri="{FF2B5EF4-FFF2-40B4-BE49-F238E27FC236}">
-                <a16:creationId xmlns:a16="http://schemas.microsoft.com/office/drawing/2014/main" xmlns="" id="{E0A91635-6355-4910-9F06-3E0718A4143E}"/>
+                <a16:creationId xmlns:a16="http://schemas.microsoft.com/office/drawing/2014/main" id="{E0A91635-6355-4910-9F06-3E0718A4143E}"/>
               </a:ext>
             </a:extLst>
           </p:cNvPr>
@@ -17851,7 +17734,7 @@
           <p:cNvPr id="4" name="Date Placeholder 3">
             <a:extLst>
               <a:ext uri="{FF2B5EF4-FFF2-40B4-BE49-F238E27FC236}">
-                <a16:creationId xmlns:a16="http://schemas.microsoft.com/office/drawing/2014/main" xmlns="" id="{1641FA70-0970-49E1-A1FA-B904B26FADCC}"/>
+                <a16:creationId xmlns:a16="http://schemas.microsoft.com/office/drawing/2014/main" id="{1641FA70-0970-49E1-A1FA-B904B26FADCC}"/>
               </a:ext>
             </a:extLst>
           </p:cNvPr>
@@ -17887,7 +17770,7 @@
           <a:p>
             <a:fld id="{9250970E-ADB8-4029-AD8E-C376EC0F62B0}" type="datetimeFigureOut">
               <a:rPr lang="en-US" smtClean="0"/>
-              <a:t>11/3/2023</a:t>
+              <a:t>12/23/2024</a:t>
             </a:fld>
             <a:endParaRPr lang="en-US"/>
           </a:p>
@@ -17898,7 +17781,7 @@
           <p:cNvPr id="5" name="Footer Placeholder 4">
             <a:extLst>
               <a:ext uri="{FF2B5EF4-FFF2-40B4-BE49-F238E27FC236}">
-                <a16:creationId xmlns:a16="http://schemas.microsoft.com/office/drawing/2014/main" xmlns="" id="{0789C322-BC8D-4D93-9672-FE6991FE36F5}"/>
+                <a16:creationId xmlns:a16="http://schemas.microsoft.com/office/drawing/2014/main" id="{0789C322-BC8D-4D93-9672-FE6991FE36F5}"/>
               </a:ext>
             </a:extLst>
           </p:cNvPr>
@@ -17941,7 +17824,7 @@
           <p:cNvPr id="6" name="Slide Number Placeholder 5">
             <a:extLst>
               <a:ext uri="{FF2B5EF4-FFF2-40B4-BE49-F238E27FC236}">
-                <a16:creationId xmlns:a16="http://schemas.microsoft.com/office/drawing/2014/main" xmlns="" id="{F1F669EA-9DA1-44DC-A676-6B4AE59BC49E}"/>
+                <a16:creationId xmlns:a16="http://schemas.microsoft.com/office/drawing/2014/main" id="{F1F669EA-9DA1-44DC-A676-6B4AE59BC49E}"/>
               </a:ext>
             </a:extLst>
           </p:cNvPr>
@@ -18317,10 +18200,10 @@
           <p:cNvPr id="9" name="Rectangle 8">
             <a:extLst>
               <a:ext uri="{FF2B5EF4-FFF2-40B4-BE49-F238E27FC236}">
-                <a16:creationId xmlns:a16="http://schemas.microsoft.com/office/drawing/2014/main" xmlns="" id="{3A5B4632-C963-4296-86F0-79AA9EA5AE98}"/>
+                <a16:creationId xmlns:a16="http://schemas.microsoft.com/office/drawing/2014/main" id="{3A5B4632-C963-4296-86F0-79AA9EA5AE98}"/>
               </a:ext>
               <a:ext uri="{C183D7F6-B498-43B3-948B-1728B52AA6E4}">
-                <adec:decorative xmlns:adec="http://schemas.microsoft.com/office/drawing/2017/decorative" xmlns="" val="1"/>
+                <adec:decorative xmlns:adec="http://schemas.microsoft.com/office/drawing/2017/decorative" val="1"/>
               </a:ext>
             </a:extLst>
           </p:cNvPr>
@@ -18330,7 +18213,7 @@
           <p:nvPr>
             <p:extLst>
               <p:ext uri="{386F3935-93C4-4BCD-93E2-E3B085C9AB24}">
-                <p16:designElem xmlns:p16="http://schemas.microsoft.com/office/powerpoint/2015/main" xmlns="" val="1"/>
+                <p16:designElem xmlns:p16="http://schemas.microsoft.com/office/powerpoint/2015/main" val="1"/>
               </p:ext>
             </p:extLst>
           </p:nvPr>
@@ -18388,7 +18271,7 @@
           <p:cNvPr id="2" name="Title 1">
             <a:extLst>
               <a:ext uri="{FF2B5EF4-FFF2-40B4-BE49-F238E27FC236}">
-                <a16:creationId xmlns:a16="http://schemas.microsoft.com/office/drawing/2014/main" xmlns="" id="{59C3C7B5-39C0-4A53-ACB7-55A21DE08153}"/>
+                <a16:creationId xmlns:a16="http://schemas.microsoft.com/office/drawing/2014/main" id="{59C3C7B5-39C0-4A53-ACB7-55A21DE08153}"/>
               </a:ext>
             </a:extLst>
           </p:cNvPr>
@@ -18428,7 +18311,7 @@
           <p:cNvPr id="5" name="Content Placeholder 2">
             <a:extLst>
               <a:ext uri="{FF2B5EF4-FFF2-40B4-BE49-F238E27FC236}">
-                <a16:creationId xmlns:a16="http://schemas.microsoft.com/office/drawing/2014/main" xmlns="" id="{B551BA93-B042-43A8-8A69-8A05AD8D2643}"/>
+                <a16:creationId xmlns:a16="http://schemas.microsoft.com/office/drawing/2014/main" id="{B551BA93-B042-43A8-8A69-8A05AD8D2643}"/>
               </a:ext>
             </a:extLst>
           </p:cNvPr>
@@ -18497,10 +18380,10 @@
           <p:cNvPr id="9" name="Rectangle 8">
             <a:extLst>
               <a:ext uri="{FF2B5EF4-FFF2-40B4-BE49-F238E27FC236}">
-                <a16:creationId xmlns:a16="http://schemas.microsoft.com/office/drawing/2014/main" xmlns="" id="{081EA652-8C6A-4E69-BEB9-170809474553}"/>
+                <a16:creationId xmlns:a16="http://schemas.microsoft.com/office/drawing/2014/main" id="{081EA652-8C6A-4E69-BEB9-170809474553}"/>
               </a:ext>
               <a:ext uri="{C183D7F6-B498-43B3-948B-1728B52AA6E4}">
-                <adec:decorative xmlns:adec="http://schemas.microsoft.com/office/drawing/2017/decorative" xmlns="" val="1"/>
+                <adec:decorative xmlns:adec="http://schemas.microsoft.com/office/drawing/2017/decorative" val="1"/>
               </a:ext>
             </a:extLst>
           </p:cNvPr>
@@ -18510,7 +18393,7 @@
           <p:nvPr>
             <p:extLst>
               <p:ext uri="{386F3935-93C4-4BCD-93E2-E3B085C9AB24}">
-                <p16:designElem xmlns:p16="http://schemas.microsoft.com/office/powerpoint/2015/main" xmlns="" val="1"/>
+                <p16:designElem xmlns:p16="http://schemas.microsoft.com/office/powerpoint/2015/main" val="1"/>
               </p:ext>
             </p:extLst>
           </p:nvPr>
@@ -18557,10 +18440,10 @@
           <p:cNvPr id="11" name="Freeform: Shape 10">
             <a:extLst>
               <a:ext uri="{FF2B5EF4-FFF2-40B4-BE49-F238E27FC236}">
-                <a16:creationId xmlns:a16="http://schemas.microsoft.com/office/drawing/2014/main" xmlns="" id="{A4026A73-1F7F-49F2-B319-8CA3B3D53269}"/>
+                <a16:creationId xmlns:a16="http://schemas.microsoft.com/office/drawing/2014/main" id="{A4026A73-1F7F-49F2-B319-8CA3B3D53269}"/>
               </a:ext>
               <a:ext uri="{C183D7F6-B498-43B3-948B-1728B52AA6E4}">
-                <adec:decorative xmlns:adec="http://schemas.microsoft.com/office/drawing/2017/decorative" xmlns="" val="1"/>
+                <adec:decorative xmlns:adec="http://schemas.microsoft.com/office/drawing/2017/decorative" val="1"/>
               </a:ext>
             </a:extLst>
           </p:cNvPr>
@@ -18570,7 +18453,7 @@
           <p:nvPr>
             <p:extLst>
               <p:ext uri="{386F3935-93C4-4BCD-93E2-E3B085C9AB24}">
-                <p16:designElem xmlns:p16="http://schemas.microsoft.com/office/powerpoint/2015/main" xmlns="" val="1"/>
+                <p16:designElem xmlns:p16="http://schemas.microsoft.com/office/powerpoint/2015/main" val="1"/>
               </p:ext>
             </p:extLst>
           </p:nvPr>
@@ -18749,10 +18632,10 @@
           <p:cNvPr id="13" name="Right Triangle 12">
             <a:extLst>
               <a:ext uri="{FF2B5EF4-FFF2-40B4-BE49-F238E27FC236}">
-                <a16:creationId xmlns:a16="http://schemas.microsoft.com/office/drawing/2014/main" xmlns="" id="{5298780A-33B9-4EA2-8F67-DE68AD62841B}"/>
+                <a16:creationId xmlns:a16="http://schemas.microsoft.com/office/drawing/2014/main" id="{5298780A-33B9-4EA2-8F67-DE68AD62841B}"/>
               </a:ext>
               <a:ext uri="{C183D7F6-B498-43B3-948B-1728B52AA6E4}">
-                <adec:decorative xmlns:adec="http://schemas.microsoft.com/office/drawing/2017/decorative" xmlns="" val="1"/>
+                <adec:decorative xmlns:adec="http://schemas.microsoft.com/office/drawing/2017/decorative" val="1"/>
               </a:ext>
             </a:extLst>
           </p:cNvPr>
@@ -18762,7 +18645,7 @@
           <p:nvPr>
             <p:extLst>
               <p:ext uri="{386F3935-93C4-4BCD-93E2-E3B085C9AB24}">
-                <p16:designElem xmlns:p16="http://schemas.microsoft.com/office/powerpoint/2015/main" xmlns="" val="1"/>
+                <p16:designElem xmlns:p16="http://schemas.microsoft.com/office/powerpoint/2015/main" val="1"/>
               </p:ext>
             </p:extLst>
           </p:nvPr>
@@ -18812,10 +18695,10 @@
           <p:cNvPr id="15" name="Rectangle 14">
             <a:extLst>
               <a:ext uri="{FF2B5EF4-FFF2-40B4-BE49-F238E27FC236}">
-                <a16:creationId xmlns:a16="http://schemas.microsoft.com/office/drawing/2014/main" xmlns="" id="{7F488E8B-4E1E-4402-8935-D4E6C02615C7}"/>
+                <a16:creationId xmlns:a16="http://schemas.microsoft.com/office/drawing/2014/main" id="{7F488E8B-4E1E-4402-8935-D4E6C02615C7}"/>
               </a:ext>
               <a:ext uri="{C183D7F6-B498-43B3-948B-1728B52AA6E4}">
-                <adec:decorative xmlns:adec="http://schemas.microsoft.com/office/drawing/2017/decorative" xmlns="" val="1"/>
+                <adec:decorative xmlns:adec="http://schemas.microsoft.com/office/drawing/2017/decorative" val="1"/>
               </a:ext>
             </a:extLst>
           </p:cNvPr>
@@ -18825,7 +18708,7 @@
           <p:nvPr>
             <p:extLst>
               <p:ext uri="{386F3935-93C4-4BCD-93E2-E3B085C9AB24}">
-                <p16:designElem xmlns:p16="http://schemas.microsoft.com/office/powerpoint/2015/main" xmlns="" val="1"/>
+                <p16:designElem xmlns:p16="http://schemas.microsoft.com/office/powerpoint/2015/main" val="1"/>
               </p:ext>
             </p:extLst>
           </p:nvPr>
@@ -18873,7 +18756,7 @@
           <p:cNvPr id="3" name="Title 1">
             <a:extLst>
               <a:ext uri="{FF2B5EF4-FFF2-40B4-BE49-F238E27FC236}">
-                <a16:creationId xmlns:a16="http://schemas.microsoft.com/office/drawing/2014/main" xmlns="" id="{46F1629A-F4E2-4C53-A895-4F7742C5CBB4}"/>
+                <a16:creationId xmlns:a16="http://schemas.microsoft.com/office/drawing/2014/main" id="{46F1629A-F4E2-4C53-A895-4F7742C5CBB4}"/>
               </a:ext>
             </a:extLst>
           </p:cNvPr>
@@ -18916,10 +18799,10 @@
           <p:cNvPr id="20" name="Straight Connector 16">
             <a:extLst>
               <a:ext uri="{FF2B5EF4-FFF2-40B4-BE49-F238E27FC236}">
-                <a16:creationId xmlns:a16="http://schemas.microsoft.com/office/drawing/2014/main" xmlns="" id="{23AAC9B5-8015-485C-ACF9-A750390E9A56}"/>
+                <a16:creationId xmlns:a16="http://schemas.microsoft.com/office/drawing/2014/main" id="{23AAC9B5-8015-485C-ACF9-A750390E9A56}"/>
               </a:ext>
               <a:ext uri="{C183D7F6-B498-43B3-948B-1728B52AA6E4}">
-                <adec:decorative xmlns:adec="http://schemas.microsoft.com/office/drawing/2017/decorative" xmlns="" val="1"/>
+                <adec:decorative xmlns:adec="http://schemas.microsoft.com/office/drawing/2017/decorative" val="1"/>
               </a:ext>
             </a:extLst>
           </p:cNvPr>
@@ -18929,7 +18812,7 @@
           <p:nvPr>
             <p:extLst>
               <p:ext uri="{386F3935-93C4-4BCD-93E2-E3B085C9AB24}">
-                <p16:designElem xmlns:p16="http://schemas.microsoft.com/office/powerpoint/2015/main" xmlns="" val="1"/>
+                <p16:designElem xmlns:p16="http://schemas.microsoft.com/office/powerpoint/2015/main" val="1"/>
               </p:ext>
             </p:extLst>
           </p:nvPr>
@@ -18971,7 +18854,7 @@
           <p:cNvPr id="4" name="Rectangle 3">
             <a:extLst>
               <a:ext uri="{FF2B5EF4-FFF2-40B4-BE49-F238E27FC236}">
-                <a16:creationId xmlns:a16="http://schemas.microsoft.com/office/drawing/2014/main" xmlns="" id="{B01BB7AA-C93F-4FE4-AC15-C0A457D168E0}"/>
+                <a16:creationId xmlns:a16="http://schemas.microsoft.com/office/drawing/2014/main" id="{B01BB7AA-C93F-4FE4-AC15-C0A457D168E0}"/>
               </a:ext>
             </a:extLst>
           </p:cNvPr>
@@ -19233,10 +19116,10 @@
           <p:cNvPr id="10" name="Rectangle 9">
             <a:extLst>
               <a:ext uri="{FF2B5EF4-FFF2-40B4-BE49-F238E27FC236}">
-                <a16:creationId xmlns:a16="http://schemas.microsoft.com/office/drawing/2014/main" xmlns="" id="{A3363022-C969-41E9-8EB2-E4C94908C1FA}"/>
+                <a16:creationId xmlns:a16="http://schemas.microsoft.com/office/drawing/2014/main" id="{A3363022-C969-41E9-8EB2-E4C94908C1FA}"/>
               </a:ext>
               <a:ext uri="{C183D7F6-B498-43B3-948B-1728B52AA6E4}">
-                <adec:decorative xmlns:adec="http://schemas.microsoft.com/office/drawing/2017/decorative" xmlns="" val="1"/>
+                <adec:decorative xmlns:adec="http://schemas.microsoft.com/office/drawing/2017/decorative" val="1"/>
               </a:ext>
             </a:extLst>
           </p:cNvPr>
@@ -19246,7 +19129,7 @@
           <p:nvPr>
             <p:extLst>
               <p:ext uri="{386F3935-93C4-4BCD-93E2-E3B085C9AB24}">
-                <p16:designElem xmlns:p16="http://schemas.microsoft.com/office/powerpoint/2015/main" xmlns="" val="1"/>
+                <p16:designElem xmlns:p16="http://schemas.microsoft.com/office/powerpoint/2015/main" val="1"/>
               </p:ext>
             </p:extLst>
           </p:nvPr>
@@ -19293,10 +19176,10 @@
           <p:cNvPr id="12" name="Rectangle 11">
             <a:extLst>
               <a:ext uri="{FF2B5EF4-FFF2-40B4-BE49-F238E27FC236}">
-                <a16:creationId xmlns:a16="http://schemas.microsoft.com/office/drawing/2014/main" xmlns="" id="{8D1AD6B3-BE88-4CEB-BA17-790657CC4729}"/>
+                <a16:creationId xmlns:a16="http://schemas.microsoft.com/office/drawing/2014/main" id="{8D1AD6B3-BE88-4CEB-BA17-790657CC4729}"/>
               </a:ext>
               <a:ext uri="{C183D7F6-B498-43B3-948B-1728B52AA6E4}">
-                <adec:decorative xmlns:adec="http://schemas.microsoft.com/office/drawing/2017/decorative" xmlns="" val="1"/>
+                <adec:decorative xmlns:adec="http://schemas.microsoft.com/office/drawing/2017/decorative" val="1"/>
               </a:ext>
             </a:extLst>
           </p:cNvPr>
@@ -19306,7 +19189,7 @@
           <p:nvPr>
             <p:extLst>
               <p:ext uri="{386F3935-93C4-4BCD-93E2-E3B085C9AB24}">
-                <p16:designElem xmlns:p16="http://schemas.microsoft.com/office/powerpoint/2015/main" xmlns="" val="1"/>
+                <p16:designElem xmlns:p16="http://schemas.microsoft.com/office/powerpoint/2015/main" val="1"/>
               </p:ext>
             </p:extLst>
           </p:nvPr>
@@ -19356,7 +19239,7 @@
           <p:cNvPr id="3" name="Title 1">
             <a:extLst>
               <a:ext uri="{FF2B5EF4-FFF2-40B4-BE49-F238E27FC236}">
-                <a16:creationId xmlns:a16="http://schemas.microsoft.com/office/drawing/2014/main" xmlns="" id="{19287946-4832-45A3-BFDC-9C1810FDA3DE}"/>
+                <a16:creationId xmlns:a16="http://schemas.microsoft.com/office/drawing/2014/main" id="{19287946-4832-45A3-BFDC-9C1810FDA3DE}"/>
               </a:ext>
             </a:extLst>
           </p:cNvPr>
@@ -19398,7 +19281,7 @@
           <p:cNvPr id="7" name="Graphic 6" descr="Smiling Face with No Fill">
             <a:extLst>
               <a:ext uri="{FF2B5EF4-FFF2-40B4-BE49-F238E27FC236}">
-                <a16:creationId xmlns:a16="http://schemas.microsoft.com/office/drawing/2014/main" xmlns="" id="{836B0311-85A7-42BB-92A1-5F32CED07779}"/>
+                <a16:creationId xmlns:a16="http://schemas.microsoft.com/office/drawing/2014/main" id="{836B0311-85A7-42BB-92A1-5F32CED07779}"/>
               </a:ext>
             </a:extLst>
           </p:cNvPr>
@@ -19414,7 +19297,7 @@
                 <a14:useLocalDpi xmlns:a14="http://schemas.microsoft.com/office/drawing/2010/main" val="0"/>
               </a:ext>
               <a:ext uri="{96DAC541-7B7A-43D3-8B79-37D633B846F1}">
-                <asvg:svgBlip xmlns:asvg="http://schemas.microsoft.com/office/drawing/2016/SVG/main" xmlns="" r:embed="rId3"/>
+                <asvg:svgBlip xmlns:asvg="http://schemas.microsoft.com/office/drawing/2016/SVG/main" r:embed="rId3"/>
               </a:ext>
             </a:extLst>
           </a:blip>
@@ -19458,10 +19341,10 @@
           <p:cNvPr id="14" name="Group 13">
             <a:extLst>
               <a:ext uri="{FF2B5EF4-FFF2-40B4-BE49-F238E27FC236}">
-                <a16:creationId xmlns:a16="http://schemas.microsoft.com/office/drawing/2014/main" xmlns="" id="{89D1390B-7E13-4B4F-9CB2-391063412E54}"/>
+                <a16:creationId xmlns:a16="http://schemas.microsoft.com/office/drawing/2014/main" id="{89D1390B-7E13-4B4F-9CB2-391063412E54}"/>
               </a:ext>
               <a:ext uri="{C183D7F6-B498-43B3-948B-1728B52AA6E4}">
-                <adec:decorative xmlns:adec="http://schemas.microsoft.com/office/drawing/2017/decorative" xmlns="" val="1"/>
+                <adec:decorative xmlns:adec="http://schemas.microsoft.com/office/drawing/2017/decorative" val="1"/>
               </a:ext>
             </a:extLst>
           </p:cNvPr>
@@ -19471,7 +19354,7 @@
           <p:nvPr>
             <p:extLst>
               <p:ext uri="{386F3935-93C4-4BCD-93E2-E3B085C9AB24}">
-                <p16:designElem xmlns:p16="http://schemas.microsoft.com/office/powerpoint/2015/main" xmlns="" val="1"/>
+                <p16:designElem xmlns:p16="http://schemas.microsoft.com/office/powerpoint/2015/main" val="1"/>
               </p:ext>
             </p:extLst>
           </p:nvPr>
@@ -19489,10 +19372,10 @@
             <p:cNvPr id="15" name="Freeform: Shape 14">
               <a:extLst>
                 <a:ext uri="{FF2B5EF4-FFF2-40B4-BE49-F238E27FC236}">
-                  <a16:creationId xmlns:a16="http://schemas.microsoft.com/office/drawing/2014/main" xmlns="" id="{9E720206-AA49-4786-A932-A2650DE09183}"/>
+                  <a16:creationId xmlns:a16="http://schemas.microsoft.com/office/drawing/2014/main" id="{9E720206-AA49-4786-A932-A2650DE09183}"/>
                 </a:ext>
                 <a:ext uri="{C183D7F6-B498-43B3-948B-1728B52AA6E4}">
-                  <adec:decorative xmlns:adec="http://schemas.microsoft.com/office/drawing/2017/decorative" xmlns="" val="1"/>
+                  <adec:decorative xmlns:adec="http://schemas.microsoft.com/office/drawing/2017/decorative" val="1"/>
                 </a:ext>
               </a:extLst>
             </p:cNvPr>
@@ -19500,7 +19383,7 @@
             <p:nvPr>
               <p:extLst>
                 <p:ext uri="{386F3935-93C4-4BCD-93E2-E3B085C9AB24}">
-                  <p16:designElem xmlns:p16="http://schemas.microsoft.com/office/powerpoint/2015/main" xmlns="" val="1"/>
+                  <p16:designElem xmlns:p16="http://schemas.microsoft.com/office/powerpoint/2015/main" val="1"/>
                 </p:ext>
               </p:extLst>
             </p:nvPr>
@@ -20130,10 +20013,10 @@
             <p:cNvPr id="16" name="Freeform: Shape 15">
               <a:extLst>
                 <a:ext uri="{FF2B5EF4-FFF2-40B4-BE49-F238E27FC236}">
-                  <a16:creationId xmlns:a16="http://schemas.microsoft.com/office/drawing/2014/main" xmlns="" id="{C72F6EE6-EDE9-45A5-8F6D-02B9B7CB2C2F}"/>
+                  <a16:creationId xmlns:a16="http://schemas.microsoft.com/office/drawing/2014/main" id="{C72F6EE6-EDE9-45A5-8F6D-02B9B7CB2C2F}"/>
                 </a:ext>
                 <a:ext uri="{C183D7F6-B498-43B3-948B-1728B52AA6E4}">
-                  <adec:decorative xmlns:adec="http://schemas.microsoft.com/office/drawing/2017/decorative" xmlns="" val="1"/>
+                  <adec:decorative xmlns:adec="http://schemas.microsoft.com/office/drawing/2017/decorative" val="1"/>
                 </a:ext>
               </a:extLst>
             </p:cNvPr>
@@ -20141,7 +20024,7 @@
             <p:nvPr>
               <p:extLst>
                 <p:ext uri="{386F3935-93C4-4BCD-93E2-E3B085C9AB24}">
-                  <p16:designElem xmlns:p16="http://schemas.microsoft.com/office/powerpoint/2015/main" xmlns="" val="1"/>
+                  <p16:designElem xmlns:p16="http://schemas.microsoft.com/office/powerpoint/2015/main" val="1"/>
                 </p:ext>
               </p:extLst>
             </p:nvPr>
@@ -20823,10 +20706,10 @@
             <p:cNvPr id="17" name="Freeform: Shape 16">
               <a:extLst>
                 <a:ext uri="{FF2B5EF4-FFF2-40B4-BE49-F238E27FC236}">
-                  <a16:creationId xmlns:a16="http://schemas.microsoft.com/office/drawing/2014/main" xmlns="" id="{C093DC50-3BD7-46B1-A300-CD207E152FF4}"/>
+                  <a16:creationId xmlns:a16="http://schemas.microsoft.com/office/drawing/2014/main" id="{C093DC50-3BD7-46B1-A300-CD207E152FF4}"/>
                 </a:ext>
                 <a:ext uri="{C183D7F6-B498-43B3-948B-1728B52AA6E4}">
-                  <adec:decorative xmlns:adec="http://schemas.microsoft.com/office/drawing/2017/decorative" xmlns="" val="1"/>
+                  <adec:decorative xmlns:adec="http://schemas.microsoft.com/office/drawing/2017/decorative" val="1"/>
                 </a:ext>
               </a:extLst>
             </p:cNvPr>
@@ -20834,7 +20717,7 @@
             <p:nvPr>
               <p:extLst>
                 <p:ext uri="{386F3935-93C4-4BCD-93E2-E3B085C9AB24}">
-                  <p16:designElem xmlns:p16="http://schemas.microsoft.com/office/powerpoint/2015/main" xmlns="" val="1"/>
+                  <p16:designElem xmlns:p16="http://schemas.microsoft.com/office/powerpoint/2015/main" val="1"/>
                 </p:ext>
               </p:extLst>
             </p:nvPr>
@@ -21685,10 +21568,10 @@
           <p:cNvPr id="10" name="Rectangle 9">
             <a:extLst>
               <a:ext uri="{FF2B5EF4-FFF2-40B4-BE49-F238E27FC236}">
-                <a16:creationId xmlns:a16="http://schemas.microsoft.com/office/drawing/2014/main" xmlns="" id="{6F5A5072-7B47-4D32-B52A-4EBBF590B8A5}"/>
+                <a16:creationId xmlns:a16="http://schemas.microsoft.com/office/drawing/2014/main" id="{6F5A5072-7B47-4D32-B52A-4EBBF590B8A5}"/>
               </a:ext>
               <a:ext uri="{C183D7F6-B498-43B3-948B-1728B52AA6E4}">
-                <adec:decorative xmlns:adec="http://schemas.microsoft.com/office/drawing/2017/decorative" xmlns="" val="1"/>
+                <adec:decorative xmlns:adec="http://schemas.microsoft.com/office/drawing/2017/decorative" val="1"/>
               </a:ext>
             </a:extLst>
           </p:cNvPr>
@@ -21698,7 +21581,7 @@
           <p:nvPr>
             <p:extLst>
               <p:ext uri="{386F3935-93C4-4BCD-93E2-E3B085C9AB24}">
-                <p16:designElem xmlns:p16="http://schemas.microsoft.com/office/powerpoint/2015/main" xmlns="" val="1"/>
+                <p16:designElem xmlns:p16="http://schemas.microsoft.com/office/powerpoint/2015/main" val="1"/>
               </p:ext>
             </p:extLst>
           </p:nvPr>
@@ -21761,10 +21644,10 @@
           <p:cNvPr id="12" name="Rectangle 11">
             <a:extLst>
               <a:ext uri="{FF2B5EF4-FFF2-40B4-BE49-F238E27FC236}">
-                <a16:creationId xmlns:a16="http://schemas.microsoft.com/office/drawing/2014/main" xmlns="" id="{9715DAF0-AE1B-46C9-8A6B-DB2AA05AB91D}"/>
+                <a16:creationId xmlns:a16="http://schemas.microsoft.com/office/drawing/2014/main" id="{9715DAF0-AE1B-46C9-8A6B-DB2AA05AB91D}"/>
               </a:ext>
               <a:ext uri="{C183D7F6-B498-43B3-948B-1728B52AA6E4}">
-                <adec:decorative xmlns:adec="http://schemas.microsoft.com/office/drawing/2017/decorative" xmlns="" val="1"/>
+                <adec:decorative xmlns:adec="http://schemas.microsoft.com/office/drawing/2017/decorative" val="1"/>
               </a:ext>
             </a:extLst>
           </p:cNvPr>
@@ -21774,7 +21657,7 @@
           <p:nvPr>
             <p:extLst>
               <p:ext uri="{386F3935-93C4-4BCD-93E2-E3B085C9AB24}">
-                <p16:designElem xmlns:p16="http://schemas.microsoft.com/office/powerpoint/2015/main" xmlns="" val="1"/>
+                <p16:designElem xmlns:p16="http://schemas.microsoft.com/office/powerpoint/2015/main" val="1"/>
               </p:ext>
             </p:extLst>
           </p:nvPr>
@@ -21834,10 +21717,10 @@
           <p:cNvPr id="14" name="Rectangle 13">
             <a:extLst>
               <a:ext uri="{FF2B5EF4-FFF2-40B4-BE49-F238E27FC236}">
-                <a16:creationId xmlns:a16="http://schemas.microsoft.com/office/drawing/2014/main" xmlns="" id="{6016219D-510E-4184-9090-6D5578A87BD1}"/>
+                <a16:creationId xmlns:a16="http://schemas.microsoft.com/office/drawing/2014/main" id="{6016219D-510E-4184-9090-6D5578A87BD1}"/>
               </a:ext>
               <a:ext uri="{C183D7F6-B498-43B3-948B-1728B52AA6E4}">
-                <adec:decorative xmlns:adec="http://schemas.microsoft.com/office/drawing/2017/decorative" xmlns="" val="1"/>
+                <adec:decorative xmlns:adec="http://schemas.microsoft.com/office/drawing/2017/decorative" val="1"/>
               </a:ext>
             </a:extLst>
           </p:cNvPr>
@@ -21847,7 +21730,7 @@
           <p:nvPr>
             <p:extLst>
               <p:ext uri="{386F3935-93C4-4BCD-93E2-E3B085C9AB24}">
-                <p16:designElem xmlns:p16="http://schemas.microsoft.com/office/powerpoint/2015/main" xmlns="" val="1"/>
+                <p16:designElem xmlns:p16="http://schemas.microsoft.com/office/powerpoint/2015/main" val="1"/>
               </p:ext>
             </p:extLst>
           </p:nvPr>
@@ -21910,10 +21793,10 @@
           <p:cNvPr id="16" name="Rectangle 15">
             <a:extLst>
               <a:ext uri="{FF2B5EF4-FFF2-40B4-BE49-F238E27FC236}">
-                <a16:creationId xmlns:a16="http://schemas.microsoft.com/office/drawing/2014/main" xmlns="" id="{AFF4A713-7B75-4B21-90D7-5AB19547C728}"/>
+                <a16:creationId xmlns:a16="http://schemas.microsoft.com/office/drawing/2014/main" id="{AFF4A713-7B75-4B21-90D7-5AB19547C728}"/>
               </a:ext>
               <a:ext uri="{C183D7F6-B498-43B3-948B-1728B52AA6E4}">
-                <adec:decorative xmlns:adec="http://schemas.microsoft.com/office/drawing/2017/decorative" xmlns="" val="1"/>
+                <adec:decorative xmlns:adec="http://schemas.microsoft.com/office/drawing/2017/decorative" val="1"/>
               </a:ext>
             </a:extLst>
           </p:cNvPr>
@@ -21923,7 +21806,7 @@
           <p:nvPr>
             <p:extLst>
               <p:ext uri="{386F3935-93C4-4BCD-93E2-E3B085C9AB24}">
-                <p16:designElem xmlns:p16="http://schemas.microsoft.com/office/powerpoint/2015/main" xmlns="" val="1"/>
+                <p16:designElem xmlns:p16="http://schemas.microsoft.com/office/powerpoint/2015/main" val="1"/>
               </p:ext>
             </p:extLst>
           </p:nvPr>
@@ -21985,10 +21868,10 @@
           <p:cNvPr id="18" name="Rectangle 17">
             <a:extLst>
               <a:ext uri="{FF2B5EF4-FFF2-40B4-BE49-F238E27FC236}">
-                <a16:creationId xmlns:a16="http://schemas.microsoft.com/office/drawing/2014/main" xmlns="" id="{DC631C0B-6DA6-4E57-8231-CE32B3434A7E}"/>
+                <a16:creationId xmlns:a16="http://schemas.microsoft.com/office/drawing/2014/main" id="{DC631C0B-6DA6-4E57-8231-CE32B3434A7E}"/>
               </a:ext>
               <a:ext uri="{C183D7F6-B498-43B3-948B-1728B52AA6E4}">
-                <adec:decorative xmlns:adec="http://schemas.microsoft.com/office/drawing/2017/decorative" xmlns="" val="1"/>
+                <adec:decorative xmlns:adec="http://schemas.microsoft.com/office/drawing/2017/decorative" val="1"/>
               </a:ext>
             </a:extLst>
           </p:cNvPr>
@@ -21998,7 +21881,7 @@
           <p:nvPr>
             <p:extLst>
               <p:ext uri="{386F3935-93C4-4BCD-93E2-E3B085C9AB24}">
-                <p16:designElem xmlns:p16="http://schemas.microsoft.com/office/powerpoint/2015/main" xmlns="" val="1"/>
+                <p16:designElem xmlns:p16="http://schemas.microsoft.com/office/powerpoint/2015/main" val="1"/>
               </p:ext>
             </p:extLst>
           </p:nvPr>
@@ -22061,10 +21944,10 @@
           <p:cNvPr id="20" name="Freeform: Shape 19">
             <a:extLst>
               <a:ext uri="{FF2B5EF4-FFF2-40B4-BE49-F238E27FC236}">
-                <a16:creationId xmlns:a16="http://schemas.microsoft.com/office/drawing/2014/main" xmlns="" id="{C29501E6-A978-4A61-9689-9085AF97A53A}"/>
+                <a16:creationId xmlns:a16="http://schemas.microsoft.com/office/drawing/2014/main" id="{C29501E6-A978-4A61-9689-9085AF97A53A}"/>
               </a:ext>
               <a:ext uri="{C183D7F6-B498-43B3-948B-1728B52AA6E4}">
-                <adec:decorative xmlns:adec="http://schemas.microsoft.com/office/drawing/2017/decorative" xmlns="" val="1"/>
+                <adec:decorative xmlns:adec="http://schemas.microsoft.com/office/drawing/2017/decorative" val="1"/>
               </a:ext>
             </a:extLst>
           </p:cNvPr>
@@ -22074,7 +21957,7 @@
           <p:nvPr>
             <p:extLst>
               <p:ext uri="{386F3935-93C4-4BCD-93E2-E3B085C9AB24}">
-                <p16:designElem xmlns:p16="http://schemas.microsoft.com/office/powerpoint/2015/main" xmlns="" val="1"/>
+                <p16:designElem xmlns:p16="http://schemas.microsoft.com/office/powerpoint/2015/main" val="1"/>
               </p:ext>
             </p:extLst>
           </p:nvPr>
@@ -22205,7 +22088,7 @@
           <p:cNvPr id="4" name="Title 3">
             <a:extLst>
               <a:ext uri="{FF2B5EF4-FFF2-40B4-BE49-F238E27FC236}">
-                <a16:creationId xmlns:a16="http://schemas.microsoft.com/office/drawing/2014/main" xmlns="" id="{F49A1FDF-1485-4D5C-9E11-22353EDA9D9C}"/>
+                <a16:creationId xmlns:a16="http://schemas.microsoft.com/office/drawing/2014/main" id="{F49A1FDF-1485-4D5C-9E11-22353EDA9D9C}"/>
               </a:ext>
             </a:extLst>
           </p:cNvPr>
@@ -22237,14 +22120,6 @@
               </a:rPr>
               <a:t>Interview Presentation</a:t>
             </a:r>
-            <a:r>
-              <a:rPr lang="en-IN" sz="4800" dirty="0">
-                <a:solidFill>
-                  <a:srgbClr val="FFFFFF"/>
-                </a:solidFill>
-              </a:rPr>
-              <a:t/>
-            </a:r>
             <a:br>
               <a:rPr lang="en-IN" sz="4800" dirty="0">
                 <a:solidFill>
@@ -22252,14 +22127,6 @@
                 </a:solidFill>
               </a:rPr>
             </a:br>
-            <a:r>
-              <a:rPr lang="en-IN" sz="4800" dirty="0">
-                <a:solidFill>
-                  <a:srgbClr val="FFFFFF"/>
-                </a:solidFill>
-              </a:rPr>
-              <a:t/>
-            </a:r>
             <a:br>
               <a:rPr lang="en-IN" sz="4800" dirty="0">
                 <a:solidFill>
@@ -22283,7 +22150,7 @@
               </a:rPr>
             </a:br>
             <a:r>
-              <a:rPr lang="en-IN" sz="4800" dirty="0" smtClean="0">
+              <a:rPr lang="en-IN" sz="4800" dirty="0">
                 <a:solidFill>
                   <a:srgbClr val="FFFFFF"/>
                 </a:solidFill>
@@ -22303,7 +22170,7 @@
           <p:cNvPr id="5" name="Subtitle 4">
             <a:extLst>
               <a:ext uri="{FF2B5EF4-FFF2-40B4-BE49-F238E27FC236}">
-                <a16:creationId xmlns:a16="http://schemas.microsoft.com/office/drawing/2014/main" xmlns="" id="{15F8B932-4D5E-40EC-96E6-D90180476953}"/>
+                <a16:creationId xmlns:a16="http://schemas.microsoft.com/office/drawing/2014/main" id="{15F8B932-4D5E-40EC-96E6-D90180476953}"/>
               </a:ext>
             </a:extLst>
           </p:cNvPr>
@@ -22328,10 +22195,9 @@
           <a:p>
             <a:pPr algn="l"/>
             <a:r>
-              <a:rPr lang="en-US" dirty="0" smtClean="0"/>
+              <a:rPr lang="en-US" dirty="0"/>
               <a:t>HDFC BANK LTD Limited</a:t>
             </a:r>
-            <a:endParaRPr lang="en-US" dirty="0"/>
           </a:p>
           <a:p>
             <a:pPr algn="l"/>
@@ -22351,7 +22217,7 @@
           <p:cNvPr id="3" name="Picture 2" descr="A picture containing person, person, posing&#10;&#10;Description automatically generated">
             <a:extLst>
               <a:ext uri="{FF2B5EF4-FFF2-40B4-BE49-F238E27FC236}">
-                <a16:creationId xmlns:a16="http://schemas.microsoft.com/office/drawing/2014/main" xmlns="" id="{F0CBF583-F7BF-4DE4-9378-AA0A7D1C2462}"/>
+                <a16:creationId xmlns:a16="http://schemas.microsoft.com/office/drawing/2014/main" id="{F0CBF583-F7BF-4DE4-9378-AA0A7D1C2462}"/>
               </a:ext>
             </a:extLst>
           </p:cNvPr>
@@ -22628,10 +22494,10 @@
           <p:cNvPr id="24" name="Rectangle 9">
             <a:extLst>
               <a:ext uri="{FF2B5EF4-FFF2-40B4-BE49-F238E27FC236}">
-                <a16:creationId xmlns:a16="http://schemas.microsoft.com/office/drawing/2014/main" xmlns="" id="{6A1473A6-3F22-483E-8A30-80B9D2B14592}"/>
+                <a16:creationId xmlns:a16="http://schemas.microsoft.com/office/drawing/2014/main" id="{6A1473A6-3F22-483E-8A30-80B9D2B14592}"/>
               </a:ext>
               <a:ext uri="{C183D7F6-B498-43B3-948B-1728B52AA6E4}">
-                <adec:decorative xmlns:adec="http://schemas.microsoft.com/office/drawing/2017/decorative" xmlns="" val="1"/>
+                <adec:decorative xmlns:adec="http://schemas.microsoft.com/office/drawing/2017/decorative" val="1"/>
               </a:ext>
             </a:extLst>
           </p:cNvPr>
@@ -22641,7 +22507,7 @@
           <p:nvPr>
             <p:extLst>
               <p:ext uri="{386F3935-93C4-4BCD-93E2-E3B085C9AB24}">
-                <p16:designElem xmlns:p16="http://schemas.microsoft.com/office/powerpoint/2015/main" xmlns="" val="1"/>
+                <p16:designElem xmlns:p16="http://schemas.microsoft.com/office/powerpoint/2015/main" val="1"/>
               </p:ext>
             </p:extLst>
           </p:nvPr>
@@ -22688,10 +22554,10 @@
           <p:cNvPr id="25" name="Group 11">
             <a:extLst>
               <a:ext uri="{FF2B5EF4-FFF2-40B4-BE49-F238E27FC236}">
-                <a16:creationId xmlns:a16="http://schemas.microsoft.com/office/drawing/2014/main" xmlns="" id="{AA1375E3-3E53-4D75-BAB7-E5929BFCB25F}"/>
+                <a16:creationId xmlns:a16="http://schemas.microsoft.com/office/drawing/2014/main" id="{AA1375E3-3E53-4D75-BAB7-E5929BFCB25F}"/>
               </a:ext>
               <a:ext uri="{C183D7F6-B498-43B3-948B-1728B52AA6E4}">
-                <adec:decorative xmlns:adec="http://schemas.microsoft.com/office/drawing/2017/decorative" xmlns="" val="1"/>
+                <adec:decorative xmlns:adec="http://schemas.microsoft.com/office/drawing/2017/decorative" val="1"/>
               </a:ext>
             </a:extLst>
           </p:cNvPr>
@@ -22701,7 +22567,7 @@
           <p:nvPr>
             <p:extLst>
               <p:ext uri="{386F3935-93C4-4BCD-93E2-E3B085C9AB24}">
-                <p16:designElem xmlns:p16="http://schemas.microsoft.com/office/powerpoint/2015/main" xmlns="" val="1"/>
+                <p16:designElem xmlns:p16="http://schemas.microsoft.com/office/powerpoint/2015/main" val="1"/>
               </p:ext>
             </p:extLst>
           </p:nvPr>
@@ -22719,10 +22585,10 @@
             <p:cNvPr id="13" name="Freeform 6">
               <a:extLst>
                 <a:ext uri="{FF2B5EF4-FFF2-40B4-BE49-F238E27FC236}">
-                  <a16:creationId xmlns:a16="http://schemas.microsoft.com/office/drawing/2014/main" xmlns="" id="{0BBEEF67-3DDF-46CF-8CD5-EA5F0E4FB07D}"/>
+                  <a16:creationId xmlns:a16="http://schemas.microsoft.com/office/drawing/2014/main" id="{0BBEEF67-3DDF-46CF-8CD5-EA5F0E4FB07D}"/>
                 </a:ext>
                 <a:ext uri="{C183D7F6-B498-43B3-948B-1728B52AA6E4}">
-                  <adec:decorative xmlns:adec="http://schemas.microsoft.com/office/drawing/2017/decorative" xmlns="" val="1"/>
+                  <adec:decorative xmlns:adec="http://schemas.microsoft.com/office/drawing/2017/decorative" val="1"/>
                 </a:ext>
               </a:extLst>
             </p:cNvPr>
@@ -22732,7 +22598,7 @@
             <p:nvPr>
               <p:extLst>
                 <p:ext uri="{386F3935-93C4-4BCD-93E2-E3B085C9AB24}">
-                  <p16:designElem xmlns:p16="http://schemas.microsoft.com/office/powerpoint/2015/main" xmlns="" val="1"/>
+                  <p16:designElem xmlns:p16="http://schemas.microsoft.com/office/powerpoint/2015/main" val="1"/>
                 </p:ext>
               </p:extLst>
             </p:nvPr>
@@ -22822,10 +22688,10 @@
             <p:cNvPr id="26" name="Freeform 7">
               <a:extLst>
                 <a:ext uri="{FF2B5EF4-FFF2-40B4-BE49-F238E27FC236}">
-                  <a16:creationId xmlns:a16="http://schemas.microsoft.com/office/drawing/2014/main" xmlns="" id="{8FAC1C95-F817-487C-B8B2-CF141FBB1C2E}"/>
+                  <a16:creationId xmlns:a16="http://schemas.microsoft.com/office/drawing/2014/main" id="{8FAC1C95-F817-487C-B8B2-CF141FBB1C2E}"/>
                 </a:ext>
                 <a:ext uri="{C183D7F6-B498-43B3-948B-1728B52AA6E4}">
-                  <adec:decorative xmlns:adec="http://schemas.microsoft.com/office/drawing/2017/decorative" xmlns="" val="1"/>
+                  <adec:decorative xmlns:adec="http://schemas.microsoft.com/office/drawing/2017/decorative" val="1"/>
                 </a:ext>
               </a:extLst>
             </p:cNvPr>
@@ -22835,7 +22701,7 @@
             <p:nvPr>
               <p:extLst>
                 <p:ext uri="{386F3935-93C4-4BCD-93E2-E3B085C9AB24}">
-                  <p16:designElem xmlns:p16="http://schemas.microsoft.com/office/powerpoint/2015/main" xmlns="" val="1"/>
+                  <p16:designElem xmlns:p16="http://schemas.microsoft.com/office/powerpoint/2015/main" val="1"/>
                 </p:ext>
               </p:extLst>
             </p:nvPr>
@@ -22925,10 +22791,10 @@
             <p:cNvPr id="15" name="Rectangle 8">
               <a:extLst>
                 <a:ext uri="{FF2B5EF4-FFF2-40B4-BE49-F238E27FC236}">
-                  <a16:creationId xmlns:a16="http://schemas.microsoft.com/office/drawing/2014/main" xmlns="" id="{C2C5363A-D941-4AA1-8D38-D7E44A1E2E01}"/>
+                  <a16:creationId xmlns:a16="http://schemas.microsoft.com/office/drawing/2014/main" id="{C2C5363A-D941-4AA1-8D38-D7E44A1E2E01}"/>
                 </a:ext>
                 <a:ext uri="{C183D7F6-B498-43B3-948B-1728B52AA6E4}">
-                  <adec:decorative xmlns:adec="http://schemas.microsoft.com/office/drawing/2017/decorative" xmlns="" val="1"/>
+                  <adec:decorative xmlns:adec="http://schemas.microsoft.com/office/drawing/2017/decorative" val="1"/>
                 </a:ext>
               </a:extLst>
             </p:cNvPr>
@@ -22938,7 +22804,7 @@
             <p:nvPr>
               <p:extLst>
                 <p:ext uri="{386F3935-93C4-4BCD-93E2-E3B085C9AB24}">
-                  <p16:designElem xmlns:p16="http://schemas.microsoft.com/office/powerpoint/2015/main" xmlns="" val="1"/>
+                  <p16:designElem xmlns:p16="http://schemas.microsoft.com/office/powerpoint/2015/main" val="1"/>
                 </p:ext>
               </p:extLst>
             </p:nvPr>
@@ -22976,7 +22842,7 @@
           <p:cNvPr id="4" name="Title 1">
             <a:extLst>
               <a:ext uri="{FF2B5EF4-FFF2-40B4-BE49-F238E27FC236}">
-                <a16:creationId xmlns:a16="http://schemas.microsoft.com/office/drawing/2014/main" xmlns="" id="{C89361B9-38E7-4A10-AF37-A0EA19E90AC3}"/>
+                <a16:creationId xmlns:a16="http://schemas.microsoft.com/office/drawing/2014/main" id="{C89361B9-38E7-4A10-AF37-A0EA19E90AC3}"/>
               </a:ext>
             </a:extLst>
           </p:cNvPr>
@@ -23018,7 +22884,7 @@
           <p:cNvPr id="5" name="Rectangle 4">
             <a:extLst>
               <a:ext uri="{FF2B5EF4-FFF2-40B4-BE49-F238E27FC236}">
-                <a16:creationId xmlns:a16="http://schemas.microsoft.com/office/drawing/2014/main" xmlns="" id="{7A7E877C-7D21-416F-9CDF-44984CFEA783}"/>
+                <a16:creationId xmlns:a16="http://schemas.microsoft.com/office/drawing/2014/main" id="{7A7E877C-7D21-416F-9CDF-44984CFEA783}"/>
               </a:ext>
             </a:extLst>
           </p:cNvPr>
@@ -23055,57 +22921,250 @@
               </a:tabLst>
             </a:pPr>
             <a:r>
-              <a:rPr lang="en-GB" b="1" dirty="0" smtClean="0">
-                <a:latin typeface="Arial" panose="020B0604020202020204" pitchFamily="34" charset="0"/>
-                <a:cs typeface="Arial" panose="020B0604020202020204" pitchFamily="34" charset="0"/>
+              <a:rPr lang="en-IN" sz="1800" b="1" i="1" kern="100" dirty="0">
+                <a:solidFill>
+                  <a:srgbClr val="000000"/>
+                </a:solidFill>
+                <a:effectLst/>
+                <a:latin typeface="Verdana" panose="020B0604030504040204" pitchFamily="34" charset="0"/>
+                <a:ea typeface="Aptos" panose="020B0004020202020204" pitchFamily="34" charset="0"/>
+                <a:cs typeface="Times New Roman" panose="02020603050405020304" pitchFamily="18" charset="0"/>
               </a:rPr>
-              <a:t>Qualified Cloud Architect </a:t>
+              <a:t>Cloud Architect</a:t>
             </a:r>
             <a:r>
-              <a:rPr lang="en-GB" dirty="0">
-                <a:latin typeface="Arial" panose="020B0604020202020204" pitchFamily="34" charset="0"/>
-                <a:cs typeface="Arial" panose="020B0604020202020204" pitchFamily="34" charset="0"/>
+              <a:rPr lang="en-IN" sz="1800" i="1" kern="100" dirty="0">
+                <a:solidFill>
+                  <a:srgbClr val="000000"/>
+                </a:solidFill>
+                <a:effectLst/>
+                <a:latin typeface="Verdana" panose="020B0604030504040204" pitchFamily="34" charset="0"/>
+                <a:ea typeface="Aptos" panose="020B0004020202020204" pitchFamily="34" charset="0"/>
+                <a:cs typeface="Times New Roman" panose="02020603050405020304" pitchFamily="18" charset="0"/>
               </a:rPr>
-              <a:t>with </a:t>
+              <a:t> with 18+ years of experience in </a:t>
             </a:r>
             <a:r>
-              <a:rPr lang="en-GB" b="1" dirty="0">
-                <a:latin typeface="Arial" panose="020B0604020202020204" pitchFamily="34" charset="0"/>
-                <a:cs typeface="Arial" panose="020B0604020202020204" pitchFamily="34" charset="0"/>
+              <a:rPr lang="en-IN" sz="1800" b="1" i="1" kern="100" dirty="0">
+                <a:solidFill>
+                  <a:srgbClr val="000000"/>
+                </a:solidFill>
+                <a:effectLst/>
+                <a:latin typeface="Verdana" panose="020B0604030504040204" pitchFamily="34" charset="0"/>
+                <a:ea typeface="Aptos" panose="020B0004020202020204" pitchFamily="34" charset="0"/>
+                <a:cs typeface="Times New Roman" panose="02020603050405020304" pitchFamily="18" charset="0"/>
               </a:rPr>
-              <a:t>nearly 17 years</a:t>
+              <a:t>designing</a:t>
             </a:r>
             <a:r>
-              <a:rPr lang="en-GB" dirty="0">
-                <a:latin typeface="Arial" panose="020B0604020202020204" pitchFamily="34" charset="0"/>
-                <a:cs typeface="Arial" panose="020B0604020202020204" pitchFamily="34" charset="0"/>
+              <a:rPr lang="en-IN" sz="1800" i="1" kern="100" dirty="0">
+                <a:solidFill>
+                  <a:srgbClr val="000000"/>
+                </a:solidFill>
+                <a:effectLst/>
+                <a:latin typeface="Verdana" panose="020B0604030504040204" pitchFamily="34" charset="0"/>
+                <a:ea typeface="Aptos" panose="020B0004020202020204" pitchFamily="34" charset="0"/>
+                <a:cs typeface="Times New Roman" panose="02020603050405020304" pitchFamily="18" charset="0"/>
               </a:rPr>
-              <a:t> of experience as a </a:t>
+              <a:t>, </a:t>
             </a:r>
             <a:r>
-              <a:rPr lang="en-GB" b="1" dirty="0">
-                <a:latin typeface="Arial" panose="020B0604020202020204" pitchFamily="34" charset="0"/>
-                <a:cs typeface="Arial" panose="020B0604020202020204" pitchFamily="34" charset="0"/>
+              <a:rPr lang="en-IN" sz="1800" b="1" i="1" kern="100" dirty="0">
+                <a:solidFill>
+                  <a:srgbClr val="000000"/>
+                </a:solidFill>
+                <a:effectLst/>
+                <a:latin typeface="Verdana" panose="020B0604030504040204" pitchFamily="34" charset="0"/>
+                <a:ea typeface="Aptos" panose="020B0004020202020204" pitchFamily="34" charset="0"/>
+                <a:cs typeface="Times New Roman" panose="02020603050405020304" pitchFamily="18" charset="0"/>
               </a:rPr>
-              <a:t>Technical Support for Cloud &amp; DevOps </a:t>
+              <a:t>implementing</a:t>
             </a:r>
             <a:r>
-              <a:rPr lang="en-GB" dirty="0">
-                <a:latin typeface="Arial" panose="020B0604020202020204" pitchFamily="34" charset="0"/>
-                <a:cs typeface="Arial" panose="020B0604020202020204" pitchFamily="34" charset="0"/>
+              <a:rPr lang="en-IN" sz="1800" i="1" kern="100" dirty="0">
+                <a:solidFill>
+                  <a:srgbClr val="000000"/>
+                </a:solidFill>
+                <a:effectLst/>
+                <a:latin typeface="Verdana" panose="020B0604030504040204" pitchFamily="34" charset="0"/>
+                <a:ea typeface="Aptos" panose="020B0004020202020204" pitchFamily="34" charset="0"/>
+                <a:cs typeface="Times New Roman" panose="02020603050405020304" pitchFamily="18" charset="0"/>
               </a:rPr>
-              <a:t>and</a:t>
+              <a:t>, scalable, secure, </a:t>
             </a:r>
             <a:r>
-              <a:rPr lang="en-GB" b="1" dirty="0">
-                <a:latin typeface="Arial" panose="020B0604020202020204" pitchFamily="34" charset="0"/>
-                <a:cs typeface="Arial" panose="020B0604020202020204" pitchFamily="34" charset="0"/>
+              <a:rPr lang="en-IN" sz="1800" b="1" i="1" kern="100" dirty="0">
+                <a:solidFill>
+                  <a:srgbClr val="000000"/>
+                </a:solidFill>
+                <a:effectLst/>
+                <a:latin typeface="Verdana" panose="020B0604030504040204" pitchFamily="34" charset="0"/>
+                <a:ea typeface="Aptos" panose="020B0004020202020204" pitchFamily="34" charset="0"/>
+                <a:cs typeface="Times New Roman" panose="02020603050405020304" pitchFamily="18" charset="0"/>
               </a:rPr>
-              <a:t> IT Support.</a:t>
+              <a:t>automation</a:t>
             </a:r>
-            <a:endParaRPr lang="en-IN" dirty="0">
-              <a:latin typeface="Arial" panose="020B0604020202020204" pitchFamily="34" charset="0"/>
-              <a:cs typeface="Arial" panose="020B0604020202020204" pitchFamily="34" charset="0"/>
+            <a:r>
+              <a:rPr lang="en-IN" sz="1800" i="1" kern="100" dirty="0">
+                <a:solidFill>
+                  <a:srgbClr val="000000"/>
+                </a:solidFill>
+                <a:effectLst/>
+                <a:latin typeface="Verdana" panose="020B0604030504040204" pitchFamily="34" charset="0"/>
+                <a:ea typeface="Aptos" panose="020B0004020202020204" pitchFamily="34" charset="0"/>
+                <a:cs typeface="Times New Roman" panose="02020603050405020304" pitchFamily="18" charset="0"/>
+              </a:rPr>
+              <a:t> and</a:t>
+            </a:r>
+            <a:r>
+              <a:rPr lang="en-IN" sz="1800" b="1" i="1" kern="100" dirty="0">
+                <a:solidFill>
+                  <a:srgbClr val="000000"/>
+                </a:solidFill>
+                <a:effectLst/>
+                <a:latin typeface="Verdana" panose="020B0604030504040204" pitchFamily="34" charset="0"/>
+                <a:ea typeface="Aptos" panose="020B0004020202020204" pitchFamily="34" charset="0"/>
+                <a:cs typeface="Times New Roman" panose="02020603050405020304" pitchFamily="18" charset="0"/>
+              </a:rPr>
+              <a:t> cost-effective</a:t>
+            </a:r>
+            <a:r>
+              <a:rPr lang="en-IN" sz="1800" i="1" kern="100" dirty="0">
+                <a:solidFill>
+                  <a:srgbClr val="000000"/>
+                </a:solidFill>
+                <a:effectLst/>
+                <a:latin typeface="Verdana" panose="020B0604030504040204" pitchFamily="34" charset="0"/>
+                <a:ea typeface="Aptos" panose="020B0004020202020204" pitchFamily="34" charset="0"/>
+                <a:cs typeface="Times New Roman" panose="02020603050405020304" pitchFamily="18" charset="0"/>
+              </a:rPr>
+              <a:t> cloud solution on </a:t>
+            </a:r>
+            <a:r>
+              <a:rPr lang="en-IN" sz="1800" b="1" i="1" kern="100" dirty="0">
+                <a:solidFill>
+                  <a:srgbClr val="000000"/>
+                </a:solidFill>
+                <a:effectLst/>
+                <a:latin typeface="Verdana" panose="020B0604030504040204" pitchFamily="34" charset="0"/>
+                <a:ea typeface="Aptos" panose="020B0004020202020204" pitchFamily="34" charset="0"/>
+                <a:cs typeface="Times New Roman" panose="02020603050405020304" pitchFamily="18" charset="0"/>
+              </a:rPr>
+              <a:t>AWS</a:t>
+            </a:r>
+            <a:r>
+              <a:rPr lang="en-IN" sz="1800" i="1" kern="100" dirty="0">
+                <a:solidFill>
+                  <a:srgbClr val="000000"/>
+                </a:solidFill>
+                <a:effectLst/>
+                <a:latin typeface="Verdana" panose="020B0604030504040204" pitchFamily="34" charset="0"/>
+                <a:ea typeface="Aptos" panose="020B0004020202020204" pitchFamily="34" charset="0"/>
+                <a:cs typeface="Times New Roman" panose="02020603050405020304" pitchFamily="18" charset="0"/>
+              </a:rPr>
+              <a:t> &amp; </a:t>
+            </a:r>
+            <a:r>
+              <a:rPr lang="en-IN" sz="1800" b="1" i="1" kern="100" dirty="0">
+                <a:solidFill>
+                  <a:srgbClr val="000000"/>
+                </a:solidFill>
+                <a:effectLst/>
+                <a:latin typeface="Verdana" panose="020B0604030504040204" pitchFamily="34" charset="0"/>
+                <a:ea typeface="Aptos" panose="020B0004020202020204" pitchFamily="34" charset="0"/>
+                <a:cs typeface="Times New Roman" panose="02020603050405020304" pitchFamily="18" charset="0"/>
+              </a:rPr>
+              <a:t>Azure</a:t>
+            </a:r>
+            <a:r>
+              <a:rPr lang="en-IN" sz="1800" i="1" kern="100" dirty="0">
+                <a:solidFill>
+                  <a:srgbClr val="000000"/>
+                </a:solidFill>
+                <a:effectLst/>
+                <a:latin typeface="Verdana" panose="020B0604030504040204" pitchFamily="34" charset="0"/>
+                <a:ea typeface="Aptos" panose="020B0004020202020204" pitchFamily="34" charset="0"/>
+                <a:cs typeface="Times New Roman" panose="02020603050405020304" pitchFamily="18" charset="0"/>
+              </a:rPr>
+              <a:t>. Proven track record of </a:t>
+            </a:r>
+            <a:r>
+              <a:rPr lang="en-IN" sz="1800" b="1" i="1" kern="100" dirty="0">
+                <a:solidFill>
+                  <a:srgbClr val="000000"/>
+                </a:solidFill>
+                <a:effectLst/>
+                <a:latin typeface="Verdana" panose="020B0604030504040204" pitchFamily="34" charset="0"/>
+                <a:ea typeface="Aptos" panose="020B0004020202020204" pitchFamily="34" charset="0"/>
+                <a:cs typeface="Times New Roman" panose="02020603050405020304" pitchFamily="18" charset="0"/>
+              </a:rPr>
+              <a:t>leading</a:t>
+            </a:r>
+            <a:r>
+              <a:rPr lang="en-IN" sz="1800" i="1" kern="100" dirty="0">
+                <a:solidFill>
+                  <a:srgbClr val="000000"/>
+                </a:solidFill>
+                <a:effectLst/>
+                <a:latin typeface="Verdana" panose="020B0604030504040204" pitchFamily="34" charset="0"/>
+                <a:ea typeface="Aptos" panose="020B0004020202020204" pitchFamily="34" charset="0"/>
+                <a:cs typeface="Times New Roman" panose="02020603050405020304" pitchFamily="18" charset="0"/>
+              </a:rPr>
+              <a:t> cross functional </a:t>
+            </a:r>
+            <a:r>
+              <a:rPr lang="en-IN" sz="1800" b="1" i="1" kern="100" dirty="0">
+                <a:solidFill>
+                  <a:srgbClr val="000000"/>
+                </a:solidFill>
+                <a:effectLst/>
+                <a:latin typeface="Verdana" panose="020B0604030504040204" pitchFamily="34" charset="0"/>
+                <a:ea typeface="Aptos" panose="020B0004020202020204" pitchFamily="34" charset="0"/>
+                <a:cs typeface="Times New Roman" panose="02020603050405020304" pitchFamily="18" charset="0"/>
+              </a:rPr>
+              <a:t>teams</a:t>
+            </a:r>
+            <a:r>
+              <a:rPr lang="en-IN" sz="1800" i="1" kern="100" dirty="0">
+                <a:solidFill>
+                  <a:srgbClr val="000000"/>
+                </a:solidFill>
+                <a:effectLst/>
+                <a:latin typeface="Verdana" panose="020B0604030504040204" pitchFamily="34" charset="0"/>
+                <a:ea typeface="Aptos" panose="020B0004020202020204" pitchFamily="34" charset="0"/>
+                <a:cs typeface="Times New Roman" panose="02020603050405020304" pitchFamily="18" charset="0"/>
+              </a:rPr>
+              <a:t> to deliver complex </a:t>
+            </a:r>
+            <a:r>
+              <a:rPr lang="en-IN" sz="1800" b="1" i="1" kern="100" dirty="0">
+                <a:solidFill>
+                  <a:srgbClr val="000000"/>
+                </a:solidFill>
+                <a:effectLst/>
+                <a:latin typeface="Verdana" panose="020B0604030504040204" pitchFamily="34" charset="0"/>
+                <a:ea typeface="Aptos" panose="020B0004020202020204" pitchFamily="34" charset="0"/>
+                <a:cs typeface="Times New Roman" panose="02020603050405020304" pitchFamily="18" charset="0"/>
+              </a:rPr>
+              <a:t>migration</a:t>
+            </a:r>
+            <a:r>
+              <a:rPr lang="en-IN" sz="1800" i="1" kern="100" dirty="0">
+                <a:solidFill>
+                  <a:srgbClr val="000000"/>
+                </a:solidFill>
+                <a:effectLst/>
+                <a:latin typeface="Verdana" panose="020B0604030504040204" pitchFamily="34" charset="0"/>
+                <a:ea typeface="Aptos" panose="020B0004020202020204" pitchFamily="34" charset="0"/>
+                <a:cs typeface="Times New Roman" panose="02020603050405020304" pitchFamily="18" charset="0"/>
+              </a:rPr>
+              <a:t> projects.</a:t>
+            </a:r>
+            <a:endParaRPr lang="en-IN" sz="1800" kern="100" dirty="0">
+              <a:effectLst/>
+              <a:latin typeface="Aptos" panose="020B0004020202020204" pitchFamily="34" charset="0"/>
+              <a:ea typeface="Aptos" panose="020B0004020202020204" pitchFamily="34" charset="0"/>
+              <a:cs typeface="Times New Roman" panose="02020603050405020304" pitchFamily="18" charset="0"/>
             </a:endParaRPr>
           </a:p>
           <a:p>
@@ -23123,7 +23182,7 @@
                 <a:tab pos="228600" algn="l"/>
               </a:tabLst>
             </a:pPr>
-            <a:endParaRPr lang="en-US" dirty="0" smtClean="0">
+            <a:endParaRPr lang="en-US" dirty="0">
               <a:effectLst/>
               <a:latin typeface="Arial" panose="020B0604020202020204" pitchFamily="34" charset="0"/>
               <a:cs typeface="Arial" panose="020B0604020202020204" pitchFamily="34" charset="0"/>
@@ -23145,12 +23204,20 @@
               </a:tabLst>
             </a:pPr>
             <a:r>
-              <a:rPr lang="en-US" dirty="0" smtClean="0">
+              <a:rPr lang="en-US" dirty="0">
                 <a:effectLst/>
                 <a:latin typeface="Arial" panose="020B0604020202020204" pitchFamily="34" charset="0"/>
                 <a:cs typeface="Arial" panose="020B0604020202020204" pitchFamily="34" charset="0"/>
               </a:rPr>
-              <a:t>Hands-on </a:t>
+              <a:t>Hands-on experience with </a:t>
+            </a:r>
+            <a:r>
+              <a:rPr lang="en-US" b="1" dirty="0">
+                <a:effectLst/>
+                <a:latin typeface="Arial" panose="020B0604020202020204" pitchFamily="34" charset="0"/>
+                <a:cs typeface="Arial" panose="020B0604020202020204" pitchFamily="34" charset="0"/>
+              </a:rPr>
+              <a:t>Cloud</a:t>
             </a:r>
             <a:r>
               <a:rPr lang="en-US" dirty="0">
@@ -23158,31 +23225,7 @@
                 <a:latin typeface="Arial" panose="020B0604020202020204" pitchFamily="34" charset="0"/>
                 <a:cs typeface="Arial" panose="020B0604020202020204" pitchFamily="34" charset="0"/>
               </a:rPr>
-              <a:t>experience with </a:t>
-            </a:r>
-            <a:r>
-              <a:rPr lang="en-US" b="1" dirty="0" smtClean="0">
-                <a:effectLst/>
-                <a:latin typeface="Arial" panose="020B0604020202020204" pitchFamily="34" charset="0"/>
-                <a:cs typeface="Arial" panose="020B0604020202020204" pitchFamily="34" charset="0"/>
-              </a:rPr>
-              <a:t>Cloud</a:t>
-            </a:r>
-            <a:r>
-              <a:rPr lang="en-US" dirty="0" smtClean="0">
-                <a:effectLst/>
-                <a:latin typeface="Arial" panose="020B0604020202020204" pitchFamily="34" charset="0"/>
-                <a:cs typeface="Arial" panose="020B0604020202020204" pitchFamily="34" charset="0"/>
-              </a:rPr>
               <a:t> </a:t>
-            </a:r>
-            <a:r>
-              <a:rPr lang="en-US" b="1" dirty="0" smtClean="0">
-                <a:effectLst/>
-                <a:latin typeface="Arial" panose="020B0604020202020204" pitchFamily="34" charset="0"/>
-                <a:cs typeface="Arial" panose="020B0604020202020204" pitchFamily="34" charset="0"/>
-              </a:rPr>
-              <a:t>Architect </a:t>
             </a:r>
             <a:r>
               <a:rPr lang="en-US" b="1" dirty="0">
@@ -23190,7 +23233,7 @@
                 <a:latin typeface="Arial" panose="020B0604020202020204" pitchFamily="34" charset="0"/>
                 <a:cs typeface="Arial" panose="020B0604020202020204" pitchFamily="34" charset="0"/>
               </a:rPr>
-              <a:t>Role </a:t>
+              <a:t>Architect Role </a:t>
             </a:r>
             <a:r>
               <a:rPr lang="en-US" dirty="0">
@@ -23339,142 +23382,6 @@
               <a:cs typeface="Arial" panose="020B0604020202020204" pitchFamily="34" charset="0"/>
             </a:endParaRPr>
           </a:p>
-          <a:p>
-            <a:pPr marL="342900" indent="-228600" algn="just" fontAlgn="base">
-              <a:lnSpc>
-                <a:spcPct val="90000"/>
-              </a:lnSpc>
-              <a:spcAft>
-                <a:spcPts val="800"/>
-              </a:spcAft>
-              <a:buSzPts val="900"/>
-              <a:buFont typeface="Arial" panose="020B0604020202020204" pitchFamily="34" charset="0"/>
-              <a:buChar char="•"/>
-              <a:tabLst>
-                <a:tab pos="228600" algn="l"/>
-              </a:tabLst>
-            </a:pPr>
-            <a:r>
-              <a:rPr lang="en-US" dirty="0">
-                <a:latin typeface="Arial" panose="020B0604020202020204" pitchFamily="34" charset="0"/>
-                <a:cs typeface="Arial" panose="020B0604020202020204" pitchFamily="34" charset="0"/>
-              </a:rPr>
-              <a:t>I believe </a:t>
-            </a:r>
-            <a:r>
-              <a:rPr lang="en-US" b="1" dirty="0">
-                <a:latin typeface="Arial" panose="020B0604020202020204" pitchFamily="34" charset="0"/>
-                <a:cs typeface="Arial" panose="020B0604020202020204" pitchFamily="34" charset="0"/>
-              </a:rPr>
-              <a:t>teamwork</a:t>
-            </a:r>
-            <a:r>
-              <a:rPr lang="en-US" dirty="0">
-                <a:latin typeface="Arial" panose="020B0604020202020204" pitchFamily="34" charset="0"/>
-                <a:cs typeface="Arial" panose="020B0604020202020204" pitchFamily="34" charset="0"/>
-              </a:rPr>
-              <a:t> and </a:t>
-            </a:r>
-            <a:r>
-              <a:rPr lang="en-US" b="1" dirty="0">
-                <a:latin typeface="Arial" panose="020B0604020202020204" pitchFamily="34" charset="0"/>
-                <a:cs typeface="Arial" panose="020B0604020202020204" pitchFamily="34" charset="0"/>
-              </a:rPr>
-              <a:t>leadership</a:t>
-            </a:r>
-            <a:r>
-              <a:rPr lang="en-US" dirty="0">
-                <a:latin typeface="Arial" panose="020B0604020202020204" pitchFamily="34" charset="0"/>
-                <a:cs typeface="Arial" panose="020B0604020202020204" pitchFamily="34" charset="0"/>
-              </a:rPr>
-              <a:t> are two important pillars to</a:t>
-            </a:r>
-          </a:p>
-          <a:p>
-            <a:pPr marL="342900" indent="-228600" algn="just" fontAlgn="base">
-              <a:lnSpc>
-                <a:spcPct val="90000"/>
-              </a:lnSpc>
-              <a:spcAft>
-                <a:spcPts val="800"/>
-              </a:spcAft>
-              <a:buSzPts val="900"/>
-              <a:buFont typeface="Arial" panose="020B0604020202020204" pitchFamily="34" charset="0"/>
-              <a:buChar char="•"/>
-              <a:tabLst>
-                <a:tab pos="228600" algn="l"/>
-              </a:tabLst>
-            </a:pPr>
-            <a:r>
-              <a:rPr lang="en-US" dirty="0">
-                <a:latin typeface="Arial" panose="020B0604020202020204" pitchFamily="34" charset="0"/>
-                <a:cs typeface="Arial" panose="020B0604020202020204" pitchFamily="34" charset="0"/>
-              </a:rPr>
-              <a:t>accomplish any task.</a:t>
-            </a:r>
-          </a:p>
-          <a:p>
-            <a:pPr marL="342900" indent="-228600" algn="just" fontAlgn="base">
-              <a:lnSpc>
-                <a:spcPct val="90000"/>
-              </a:lnSpc>
-              <a:spcAft>
-                <a:spcPts val="800"/>
-              </a:spcAft>
-              <a:buSzPts val="900"/>
-              <a:buFont typeface="Arial" panose="020B0604020202020204" pitchFamily="34" charset="0"/>
-              <a:buChar char="•"/>
-              <a:tabLst>
-                <a:tab pos="228600" algn="l"/>
-              </a:tabLst>
-            </a:pPr>
-            <a:endParaRPr lang="en-US" dirty="0">
-              <a:latin typeface="Arial" panose="020B0604020202020204" pitchFamily="34" charset="0"/>
-              <a:cs typeface="Arial" panose="020B0604020202020204" pitchFamily="34" charset="0"/>
-            </a:endParaRPr>
-          </a:p>
-          <a:p>
-            <a:pPr marL="342900" indent="-228600" algn="just" fontAlgn="base">
-              <a:lnSpc>
-                <a:spcPct val="90000"/>
-              </a:lnSpc>
-              <a:spcAft>
-                <a:spcPts val="800"/>
-              </a:spcAft>
-              <a:buSzPts val="900"/>
-              <a:buFont typeface="Arial" panose="020B0604020202020204" pitchFamily="34" charset="0"/>
-              <a:buChar char="•"/>
-              <a:tabLst>
-                <a:tab pos="228600" algn="l"/>
-              </a:tabLst>
-            </a:pPr>
-            <a:r>
-              <a:rPr lang="en-US" dirty="0">
-                <a:latin typeface="Arial" panose="020B0604020202020204" pitchFamily="34" charset="0"/>
-                <a:cs typeface="Arial" panose="020B0604020202020204" pitchFamily="34" charset="0"/>
-              </a:rPr>
-              <a:t>I vision to make a difference by </a:t>
-            </a:r>
-            <a:r>
-              <a:rPr lang="en-US" b="1" dirty="0">
-                <a:latin typeface="Arial" panose="020B0604020202020204" pitchFamily="34" charset="0"/>
-                <a:cs typeface="Arial" panose="020B0604020202020204" pitchFamily="34" charset="0"/>
-              </a:rPr>
-              <a:t>contributing</a:t>
-            </a:r>
-            <a:r>
-              <a:rPr lang="en-US" dirty="0">
-                <a:latin typeface="Arial" panose="020B0604020202020204" pitchFamily="34" charset="0"/>
-                <a:cs typeface="Arial" panose="020B0604020202020204" pitchFamily="34" charset="0"/>
-              </a:rPr>
-              <a:t> to improvement of health care services and awareness.  </a:t>
-            </a:r>
-            <a:endParaRPr lang="en-US" dirty="0">
-              <a:effectLst/>
-              <a:latin typeface="Arial" panose="020B0604020202020204" pitchFamily="34" charset="0"/>
-              <a:cs typeface="Arial" panose="020B0604020202020204" pitchFamily="34" charset="0"/>
-            </a:endParaRPr>
-          </a:p>
         </p:txBody>
       </p:sp>
     </p:spTree>
@@ -23512,7 +23419,7 @@
           <p:cNvPr id="7" name="Diagram 6">
             <a:extLst>
               <a:ext uri="{FF2B5EF4-FFF2-40B4-BE49-F238E27FC236}">
-                <a16:creationId xmlns:a16="http://schemas.microsoft.com/office/drawing/2014/main" xmlns="" id="{C57B0C83-DA8D-4E7E-9F8E-1327D6405DC8}"/>
+                <a16:creationId xmlns:a16="http://schemas.microsoft.com/office/drawing/2014/main" id="{C57B0C83-DA8D-4E7E-9F8E-1327D6405DC8}"/>
               </a:ext>
             </a:extLst>
           </p:cNvPr>
@@ -23540,7 +23447,7 @@
           <p:cNvPr id="8" name="TextBox 7">
             <a:extLst>
               <a:ext uri="{FF2B5EF4-FFF2-40B4-BE49-F238E27FC236}">
-                <a16:creationId xmlns:a16="http://schemas.microsoft.com/office/drawing/2014/main" xmlns="" id="{9A7E2467-71E5-4D75-B8AD-AC1901C99042}"/>
+                <a16:creationId xmlns:a16="http://schemas.microsoft.com/office/drawing/2014/main" id="{9A7E2467-71E5-4D75-B8AD-AC1901C99042}"/>
               </a:ext>
             </a:extLst>
           </p:cNvPr>
@@ -23576,7 +23483,7 @@
           <p:cNvPr id="9" name="TextBox 8">
             <a:extLst>
               <a:ext uri="{FF2B5EF4-FFF2-40B4-BE49-F238E27FC236}">
-                <a16:creationId xmlns:a16="http://schemas.microsoft.com/office/drawing/2014/main" xmlns="" id="{0C8E632D-7067-4CB3-B506-FA4E46EBD54E}"/>
+                <a16:creationId xmlns:a16="http://schemas.microsoft.com/office/drawing/2014/main" id="{0C8E632D-7067-4CB3-B506-FA4E46EBD54E}"/>
               </a:ext>
             </a:extLst>
           </p:cNvPr>
@@ -23612,7 +23519,7 @@
           <p:cNvPr id="10" name="TextBox 9">
             <a:extLst>
               <a:ext uri="{FF2B5EF4-FFF2-40B4-BE49-F238E27FC236}">
-                <a16:creationId xmlns:a16="http://schemas.microsoft.com/office/drawing/2014/main" xmlns="" id="{B5CC67B6-78FC-466F-B45A-79B343B7E87E}"/>
+                <a16:creationId xmlns:a16="http://schemas.microsoft.com/office/drawing/2014/main" id="{B5CC67B6-78FC-466F-B45A-79B343B7E87E}"/>
               </a:ext>
             </a:extLst>
           </p:cNvPr>
@@ -23648,7 +23555,7 @@
           <p:cNvPr id="11" name="TextBox 10">
             <a:extLst>
               <a:ext uri="{FF2B5EF4-FFF2-40B4-BE49-F238E27FC236}">
-                <a16:creationId xmlns:a16="http://schemas.microsoft.com/office/drawing/2014/main" xmlns="" id="{19F4C955-AE07-47DC-B7DB-D1F3D5A17523}"/>
+                <a16:creationId xmlns:a16="http://schemas.microsoft.com/office/drawing/2014/main" id="{19F4C955-AE07-47DC-B7DB-D1F3D5A17523}"/>
               </a:ext>
             </a:extLst>
           </p:cNvPr>
@@ -23716,7 +23623,7 @@
           <p:cNvPr id="12" name="TextBox 11">
             <a:extLst>
               <a:ext uri="{FF2B5EF4-FFF2-40B4-BE49-F238E27FC236}">
-                <a16:creationId xmlns:a16="http://schemas.microsoft.com/office/drawing/2014/main" xmlns="" id="{5525D4D2-0798-4B84-8B11-D0D8F4F3B0FC}"/>
+                <a16:creationId xmlns:a16="http://schemas.microsoft.com/office/drawing/2014/main" id="{5525D4D2-0798-4B84-8B11-D0D8F4F3B0FC}"/>
               </a:ext>
             </a:extLst>
           </p:cNvPr>
@@ -23794,7 +23701,7 @@
           <p:cNvPr id="13" name="TextBox 12">
             <a:extLst>
               <a:ext uri="{FF2B5EF4-FFF2-40B4-BE49-F238E27FC236}">
-                <a16:creationId xmlns:a16="http://schemas.microsoft.com/office/drawing/2014/main" xmlns="" id="{D595FBE3-73FE-450D-9BF6-206E7A1BB8D1}"/>
+                <a16:creationId xmlns:a16="http://schemas.microsoft.com/office/drawing/2014/main" id="{D595FBE3-73FE-450D-9BF6-206E7A1BB8D1}"/>
               </a:ext>
             </a:extLst>
           </p:cNvPr>
@@ -23849,7 +23756,7 @@
           <p:cNvPr id="14" name="Title 1">
             <a:extLst>
               <a:ext uri="{FF2B5EF4-FFF2-40B4-BE49-F238E27FC236}">
-                <a16:creationId xmlns:a16="http://schemas.microsoft.com/office/drawing/2014/main" xmlns="" id="{DFCDBA71-0D1B-4000-AA86-D037C9F5D7E4}"/>
+                <a16:creationId xmlns:a16="http://schemas.microsoft.com/office/drawing/2014/main" id="{DFCDBA71-0D1B-4000-AA86-D037C9F5D7E4}"/>
               </a:ext>
             </a:extLst>
           </p:cNvPr>
@@ -23898,7 +23805,7 @@
           <p:cNvPr id="15" name="TextBox 14">
             <a:extLst>
               <a:ext uri="{FF2B5EF4-FFF2-40B4-BE49-F238E27FC236}">
-                <a16:creationId xmlns:a16="http://schemas.microsoft.com/office/drawing/2014/main" xmlns="" id="{1FDB5DCB-BE1A-4976-9254-F648AEB9D9F8}"/>
+                <a16:creationId xmlns:a16="http://schemas.microsoft.com/office/drawing/2014/main" id="{1FDB5DCB-BE1A-4976-9254-F648AEB9D9F8}"/>
               </a:ext>
             </a:extLst>
           </p:cNvPr>
@@ -23953,7 +23860,7 @@
           <p:cNvPr id="16" name="TextBox 15">
             <a:extLst>
               <a:ext uri="{FF2B5EF4-FFF2-40B4-BE49-F238E27FC236}">
-                <a16:creationId xmlns:a16="http://schemas.microsoft.com/office/drawing/2014/main" xmlns="" id="{67840758-B958-413F-9F6D-258D2138C641}"/>
+                <a16:creationId xmlns:a16="http://schemas.microsoft.com/office/drawing/2014/main" id="{67840758-B958-413F-9F6D-258D2138C641}"/>
               </a:ext>
             </a:extLst>
           </p:cNvPr>
@@ -24008,7 +23915,7 @@
           <p:cNvPr id="17" name="TextBox 16">
             <a:extLst>
               <a:ext uri="{FF2B5EF4-FFF2-40B4-BE49-F238E27FC236}">
-                <a16:creationId xmlns:a16="http://schemas.microsoft.com/office/drawing/2014/main" xmlns="" id="{3BDEA15B-718C-45D5-8847-4232495F357A}"/>
+                <a16:creationId xmlns:a16="http://schemas.microsoft.com/office/drawing/2014/main" id="{3BDEA15B-718C-45D5-8847-4232495F357A}"/>
               </a:ext>
             </a:extLst>
           </p:cNvPr>
@@ -24044,7 +23951,7 @@
           <p:cNvPr id="18" name="TextBox 17">
             <a:extLst>
               <a:ext uri="{FF2B5EF4-FFF2-40B4-BE49-F238E27FC236}">
-                <a16:creationId xmlns:a16="http://schemas.microsoft.com/office/drawing/2014/main" xmlns="" id="{18F1327D-A8A4-4253-A781-EE8215778E6F}"/>
+                <a16:creationId xmlns:a16="http://schemas.microsoft.com/office/drawing/2014/main" id="{18F1327D-A8A4-4253-A781-EE8215778E6F}"/>
               </a:ext>
             </a:extLst>
           </p:cNvPr>
@@ -24118,10 +24025,10 @@
           <p:cNvPr id="25" name="Rectangle 24">
             <a:extLst>
               <a:ext uri="{FF2B5EF4-FFF2-40B4-BE49-F238E27FC236}">
-                <a16:creationId xmlns:a16="http://schemas.microsoft.com/office/drawing/2014/main" xmlns="" id="{6A1473A6-3F22-483E-8A30-80B9D2B14592}"/>
+                <a16:creationId xmlns:a16="http://schemas.microsoft.com/office/drawing/2014/main" id="{6A1473A6-3F22-483E-8A30-80B9D2B14592}"/>
               </a:ext>
               <a:ext uri="{C183D7F6-B498-43B3-948B-1728B52AA6E4}">
-                <adec:decorative xmlns:adec="http://schemas.microsoft.com/office/drawing/2017/decorative" xmlns="" val="1"/>
+                <adec:decorative xmlns:adec="http://schemas.microsoft.com/office/drawing/2017/decorative" val="1"/>
               </a:ext>
             </a:extLst>
           </p:cNvPr>
@@ -24131,7 +24038,7 @@
           <p:nvPr>
             <p:extLst>
               <p:ext uri="{386F3935-93C4-4BCD-93E2-E3B085C9AB24}">
-                <p16:designElem xmlns:p16="http://schemas.microsoft.com/office/powerpoint/2015/main" xmlns="" val="1"/>
+                <p16:designElem xmlns:p16="http://schemas.microsoft.com/office/powerpoint/2015/main" val="1"/>
               </p:ext>
             </p:extLst>
           </p:nvPr>
@@ -24178,10 +24085,10 @@
           <p:cNvPr id="27" name="Group 26">
             <a:extLst>
               <a:ext uri="{FF2B5EF4-FFF2-40B4-BE49-F238E27FC236}">
-                <a16:creationId xmlns:a16="http://schemas.microsoft.com/office/drawing/2014/main" xmlns="" id="{AA1375E3-3E53-4D75-BAB7-E5929BFCB25F}"/>
+                <a16:creationId xmlns:a16="http://schemas.microsoft.com/office/drawing/2014/main" id="{AA1375E3-3E53-4D75-BAB7-E5929BFCB25F}"/>
               </a:ext>
               <a:ext uri="{C183D7F6-B498-43B3-948B-1728B52AA6E4}">
-                <adec:decorative xmlns:adec="http://schemas.microsoft.com/office/drawing/2017/decorative" xmlns="" val="1"/>
+                <adec:decorative xmlns:adec="http://schemas.microsoft.com/office/drawing/2017/decorative" val="1"/>
               </a:ext>
             </a:extLst>
           </p:cNvPr>
@@ -24191,7 +24098,7 @@
           <p:nvPr>
             <p:extLst>
               <p:ext uri="{386F3935-93C4-4BCD-93E2-E3B085C9AB24}">
-                <p16:designElem xmlns:p16="http://schemas.microsoft.com/office/powerpoint/2015/main" xmlns="" val="1"/>
+                <p16:designElem xmlns:p16="http://schemas.microsoft.com/office/powerpoint/2015/main" val="1"/>
               </p:ext>
             </p:extLst>
           </p:nvPr>
@@ -24209,10 +24116,10 @@
             <p:cNvPr id="28" name="Freeform 6">
               <a:extLst>
                 <a:ext uri="{FF2B5EF4-FFF2-40B4-BE49-F238E27FC236}">
-                  <a16:creationId xmlns:a16="http://schemas.microsoft.com/office/drawing/2014/main" xmlns="" id="{0BBEEF67-3DDF-46CF-8CD5-EA5F0E4FB07D}"/>
+                  <a16:creationId xmlns:a16="http://schemas.microsoft.com/office/drawing/2014/main" id="{0BBEEF67-3DDF-46CF-8CD5-EA5F0E4FB07D}"/>
                 </a:ext>
                 <a:ext uri="{C183D7F6-B498-43B3-948B-1728B52AA6E4}">
-                  <adec:decorative xmlns:adec="http://schemas.microsoft.com/office/drawing/2017/decorative" xmlns="" val="1"/>
+                  <adec:decorative xmlns:adec="http://schemas.microsoft.com/office/drawing/2017/decorative" val="1"/>
                 </a:ext>
               </a:extLst>
             </p:cNvPr>
@@ -24222,7 +24129,7 @@
             <p:nvPr>
               <p:extLst>
                 <p:ext uri="{386F3935-93C4-4BCD-93E2-E3B085C9AB24}">
-                  <p16:designElem xmlns:p16="http://schemas.microsoft.com/office/powerpoint/2015/main" xmlns="" val="1"/>
+                  <p16:designElem xmlns:p16="http://schemas.microsoft.com/office/powerpoint/2015/main" val="1"/>
                 </p:ext>
               </p:extLst>
             </p:nvPr>
@@ -24312,10 +24219,10 @@
             <p:cNvPr id="29" name="Freeform 7">
               <a:extLst>
                 <a:ext uri="{FF2B5EF4-FFF2-40B4-BE49-F238E27FC236}">
-                  <a16:creationId xmlns:a16="http://schemas.microsoft.com/office/drawing/2014/main" xmlns="" id="{8FAC1C95-F817-487C-B8B2-CF141FBB1C2E}"/>
+                  <a16:creationId xmlns:a16="http://schemas.microsoft.com/office/drawing/2014/main" id="{8FAC1C95-F817-487C-B8B2-CF141FBB1C2E}"/>
                 </a:ext>
                 <a:ext uri="{C183D7F6-B498-43B3-948B-1728B52AA6E4}">
-                  <adec:decorative xmlns:adec="http://schemas.microsoft.com/office/drawing/2017/decorative" xmlns="" val="1"/>
+                  <adec:decorative xmlns:adec="http://schemas.microsoft.com/office/drawing/2017/decorative" val="1"/>
                 </a:ext>
               </a:extLst>
             </p:cNvPr>
@@ -24325,7 +24232,7 @@
             <p:nvPr>
               <p:extLst>
                 <p:ext uri="{386F3935-93C4-4BCD-93E2-E3B085C9AB24}">
-                  <p16:designElem xmlns:p16="http://schemas.microsoft.com/office/powerpoint/2015/main" xmlns="" val="1"/>
+                  <p16:designElem xmlns:p16="http://schemas.microsoft.com/office/powerpoint/2015/main" val="1"/>
                 </p:ext>
               </p:extLst>
             </p:nvPr>
@@ -24415,10 +24322,10 @@
             <p:cNvPr id="30" name="Rectangle 8">
               <a:extLst>
                 <a:ext uri="{FF2B5EF4-FFF2-40B4-BE49-F238E27FC236}">
-                  <a16:creationId xmlns:a16="http://schemas.microsoft.com/office/drawing/2014/main" xmlns="" id="{C2C5363A-D941-4AA1-8D38-D7E44A1E2E01}"/>
+                  <a16:creationId xmlns:a16="http://schemas.microsoft.com/office/drawing/2014/main" id="{C2C5363A-D941-4AA1-8D38-D7E44A1E2E01}"/>
                 </a:ext>
                 <a:ext uri="{C183D7F6-B498-43B3-948B-1728B52AA6E4}">
-                  <adec:decorative xmlns:adec="http://schemas.microsoft.com/office/drawing/2017/decorative" xmlns="" val="1"/>
+                  <adec:decorative xmlns:adec="http://schemas.microsoft.com/office/drawing/2017/decorative" val="1"/>
                 </a:ext>
               </a:extLst>
             </p:cNvPr>
@@ -24428,7 +24335,7 @@
             <p:nvPr>
               <p:extLst>
                 <p:ext uri="{386F3935-93C4-4BCD-93E2-E3B085C9AB24}">
-                  <p16:designElem xmlns:p16="http://schemas.microsoft.com/office/powerpoint/2015/main" xmlns="" val="1"/>
+                  <p16:designElem xmlns:p16="http://schemas.microsoft.com/office/powerpoint/2015/main" val="1"/>
                 </p:ext>
               </p:extLst>
             </p:nvPr>
@@ -24466,7 +24373,7 @@
           <p:cNvPr id="4" name="Title 1">
             <a:extLst>
               <a:ext uri="{FF2B5EF4-FFF2-40B4-BE49-F238E27FC236}">
-                <a16:creationId xmlns:a16="http://schemas.microsoft.com/office/drawing/2014/main" xmlns="" id="{C89361B9-38E7-4A10-AF37-A0EA19E90AC3}"/>
+                <a16:creationId xmlns:a16="http://schemas.microsoft.com/office/drawing/2014/main" id="{C89361B9-38E7-4A10-AF37-A0EA19E90AC3}"/>
               </a:ext>
             </a:extLst>
           </p:cNvPr>
@@ -24508,7 +24415,7 @@
           <p:cNvPr id="5" name="Rectangle 4">
             <a:extLst>
               <a:ext uri="{FF2B5EF4-FFF2-40B4-BE49-F238E27FC236}">
-                <a16:creationId xmlns:a16="http://schemas.microsoft.com/office/drawing/2014/main" xmlns="" id="{7A7E877C-7D21-416F-9CDF-44984CFEA783}"/>
+                <a16:creationId xmlns:a16="http://schemas.microsoft.com/office/drawing/2014/main" id="{7A7E877C-7D21-416F-9CDF-44984CFEA783}"/>
               </a:ext>
             </a:extLst>
           </p:cNvPr>
@@ -24565,34 +24472,28 @@
               <a:t>Managing the </a:t>
             </a:r>
             <a:r>
-              <a:rPr lang="en-US" sz="1400" b="1" dirty="0" smtClean="0">
+              <a:rPr lang="en-US" sz="1400" b="1" dirty="0">
                 <a:effectLst/>
               </a:rPr>
               <a:t>Cloud</a:t>
             </a:r>
             <a:r>
-              <a:rPr lang="en-US" sz="1400" dirty="0" smtClean="0">
+              <a:rPr lang="en-US" sz="1400" dirty="0">
                 <a:effectLst/>
               </a:rPr>
               <a:t> &amp; </a:t>
             </a:r>
             <a:r>
-              <a:rPr lang="en-US" sz="1400" b="1" dirty="0" smtClean="0">
+              <a:rPr lang="en-US" sz="1400" b="1" dirty="0">
                 <a:effectLst/>
               </a:rPr>
               <a:t>DevOps</a:t>
             </a:r>
             <a:r>
-              <a:rPr lang="en-US" sz="1400" dirty="0" smtClean="0">
-                <a:effectLst/>
-              </a:rPr>
-              <a:t> </a:t>
-            </a:r>
-            <a:r>
               <a:rPr lang="en-US" sz="1400" dirty="0">
                 <a:effectLst/>
               </a:rPr>
-              <a:t>Tools such as </a:t>
+              <a:t> Tools such as </a:t>
             </a:r>
             <a:r>
               <a:rPr lang="en-US" sz="1400" b="1" dirty="0">
@@ -25075,10 +24976,10 @@
           <p:cNvPr id="10" name="Rectangle 9">
             <a:extLst>
               <a:ext uri="{FF2B5EF4-FFF2-40B4-BE49-F238E27FC236}">
-                <a16:creationId xmlns:a16="http://schemas.microsoft.com/office/drawing/2014/main" xmlns="" id="{827B839B-9ADE-406B-8590-F1CAEDED45A1}"/>
+                <a16:creationId xmlns:a16="http://schemas.microsoft.com/office/drawing/2014/main" id="{827B839B-9ADE-406B-8590-F1CAEDED45A1}"/>
               </a:ext>
               <a:ext uri="{C183D7F6-B498-43B3-948B-1728B52AA6E4}">
-                <adec:decorative xmlns:adec="http://schemas.microsoft.com/office/drawing/2017/decorative" xmlns="" val="1"/>
+                <adec:decorative xmlns:adec="http://schemas.microsoft.com/office/drawing/2017/decorative" val="1"/>
               </a:ext>
             </a:extLst>
           </p:cNvPr>
@@ -25088,7 +24989,7 @@
           <p:nvPr>
             <p:extLst>
               <p:ext uri="{386F3935-93C4-4BCD-93E2-E3B085C9AB24}">
-                <p16:designElem xmlns:p16="http://schemas.microsoft.com/office/powerpoint/2015/main" xmlns="" val="1"/>
+                <p16:designElem xmlns:p16="http://schemas.microsoft.com/office/powerpoint/2015/main" val="1"/>
               </p:ext>
             </p:extLst>
           </p:nvPr>
@@ -25135,10 +25036,10 @@
           <p:cNvPr id="12" name="Freeform 45">
             <a:extLst>
               <a:ext uri="{FF2B5EF4-FFF2-40B4-BE49-F238E27FC236}">
-                <a16:creationId xmlns:a16="http://schemas.microsoft.com/office/drawing/2014/main" xmlns="" id="{CFE45BF0-46DB-408C-B5F7-7B11716805D4}"/>
+                <a16:creationId xmlns:a16="http://schemas.microsoft.com/office/drawing/2014/main" id="{CFE45BF0-46DB-408C-B5F7-7B11716805D4}"/>
               </a:ext>
               <a:ext uri="{C183D7F6-B498-43B3-948B-1728B52AA6E4}">
-                <adec:decorative xmlns:adec="http://schemas.microsoft.com/office/drawing/2017/decorative" xmlns="" val="1"/>
+                <adec:decorative xmlns:adec="http://schemas.microsoft.com/office/drawing/2017/decorative" val="1"/>
               </a:ext>
             </a:extLst>
           </p:cNvPr>
@@ -25148,7 +25049,7 @@
           <p:nvPr>
             <p:extLst>
               <p:ext uri="{386F3935-93C4-4BCD-93E2-E3B085C9AB24}">
-                <p16:designElem xmlns:p16="http://schemas.microsoft.com/office/powerpoint/2015/main" xmlns="" val="1"/>
+                <p16:designElem xmlns:p16="http://schemas.microsoft.com/office/powerpoint/2015/main" val="1"/>
               </p:ext>
             </p:extLst>
           </p:nvPr>
@@ -25238,10 +25139,10 @@
           <p:cNvPr id="14" name="Freeform 46">
             <a:extLst>
               <a:ext uri="{FF2B5EF4-FFF2-40B4-BE49-F238E27FC236}">
-                <a16:creationId xmlns:a16="http://schemas.microsoft.com/office/drawing/2014/main" xmlns="" id="{2AEBC8F2-97B1-41B4-93F1-2D289E197FBA}"/>
+                <a16:creationId xmlns:a16="http://schemas.microsoft.com/office/drawing/2014/main" id="{2AEBC8F2-97B1-41B4-93F1-2D289E197FBA}"/>
               </a:ext>
               <a:ext uri="{C183D7F6-B498-43B3-948B-1728B52AA6E4}">
-                <adec:decorative xmlns:adec="http://schemas.microsoft.com/office/drawing/2017/decorative" xmlns="" val="1"/>
+                <adec:decorative xmlns:adec="http://schemas.microsoft.com/office/drawing/2017/decorative" val="1"/>
               </a:ext>
             </a:extLst>
           </p:cNvPr>
@@ -25251,7 +25152,7 @@
           <p:nvPr>
             <p:extLst>
               <p:ext uri="{386F3935-93C4-4BCD-93E2-E3B085C9AB24}">
-                <p16:designElem xmlns:p16="http://schemas.microsoft.com/office/powerpoint/2015/main" xmlns="" val="1"/>
+                <p16:designElem xmlns:p16="http://schemas.microsoft.com/office/powerpoint/2015/main" val="1"/>
               </p:ext>
             </p:extLst>
           </p:nvPr>
@@ -25341,10 +25242,10 @@
           <p:cNvPr id="16" name="Freeform 47">
             <a:extLst>
               <a:ext uri="{FF2B5EF4-FFF2-40B4-BE49-F238E27FC236}">
-                <a16:creationId xmlns:a16="http://schemas.microsoft.com/office/drawing/2014/main" xmlns="" id="{472E3A19-F5D5-48FC-BB9C-48C2F68F598B}"/>
+                <a16:creationId xmlns:a16="http://schemas.microsoft.com/office/drawing/2014/main" id="{472E3A19-F5D5-48FC-BB9C-48C2F68F598B}"/>
               </a:ext>
               <a:ext uri="{C183D7F6-B498-43B3-948B-1728B52AA6E4}">
-                <adec:decorative xmlns:adec="http://schemas.microsoft.com/office/drawing/2017/decorative" xmlns="" val="1"/>
+                <adec:decorative xmlns:adec="http://schemas.microsoft.com/office/drawing/2017/decorative" val="1"/>
               </a:ext>
             </a:extLst>
           </p:cNvPr>
@@ -25354,7 +25255,7 @@
           <p:nvPr>
             <p:extLst>
               <p:ext uri="{386F3935-93C4-4BCD-93E2-E3B085C9AB24}">
-                <p16:designElem xmlns:p16="http://schemas.microsoft.com/office/powerpoint/2015/main" xmlns="" val="1"/>
+                <p16:designElem xmlns:p16="http://schemas.microsoft.com/office/powerpoint/2015/main" val="1"/>
               </p:ext>
             </p:extLst>
           </p:nvPr>
@@ -25444,10 +25345,10 @@
           <p:cNvPr id="18" name="Freeform 44">
             <a:extLst>
               <a:ext uri="{FF2B5EF4-FFF2-40B4-BE49-F238E27FC236}">
-                <a16:creationId xmlns:a16="http://schemas.microsoft.com/office/drawing/2014/main" xmlns="" id="{7A62E32F-BB65-43A8-8EB5-92346890E549}"/>
+                <a16:creationId xmlns:a16="http://schemas.microsoft.com/office/drawing/2014/main" id="{7A62E32F-BB65-43A8-8EB5-92346890E549}"/>
               </a:ext>
               <a:ext uri="{C183D7F6-B498-43B3-948B-1728B52AA6E4}">
-                <adec:decorative xmlns:adec="http://schemas.microsoft.com/office/drawing/2017/decorative" xmlns="" val="1"/>
+                <adec:decorative xmlns:adec="http://schemas.microsoft.com/office/drawing/2017/decorative" val="1"/>
               </a:ext>
             </a:extLst>
           </p:cNvPr>
@@ -25457,7 +25358,7 @@
           <p:nvPr>
             <p:extLst>
               <p:ext uri="{386F3935-93C4-4BCD-93E2-E3B085C9AB24}">
-                <p16:designElem xmlns:p16="http://schemas.microsoft.com/office/powerpoint/2015/main" xmlns="" val="1"/>
+                <p16:designElem xmlns:p16="http://schemas.microsoft.com/office/powerpoint/2015/main" val="1"/>
               </p:ext>
             </p:extLst>
           </p:nvPr>
@@ -25547,10 +25448,10 @@
           <p:cNvPr id="20" name="Rectangle 19">
             <a:extLst>
               <a:ext uri="{FF2B5EF4-FFF2-40B4-BE49-F238E27FC236}">
-                <a16:creationId xmlns:a16="http://schemas.microsoft.com/office/drawing/2014/main" xmlns="" id="{14E91B64-9FCC-451E-AFB4-A827D6329367}"/>
+                <a16:creationId xmlns:a16="http://schemas.microsoft.com/office/drawing/2014/main" id="{14E91B64-9FCC-451E-AFB4-A827D6329367}"/>
               </a:ext>
               <a:ext uri="{C183D7F6-B498-43B3-948B-1728B52AA6E4}">
-                <adec:decorative xmlns:adec="http://schemas.microsoft.com/office/drawing/2017/decorative" xmlns="" val="1"/>
+                <adec:decorative xmlns:adec="http://schemas.microsoft.com/office/drawing/2017/decorative" val="1"/>
               </a:ext>
             </a:extLst>
           </p:cNvPr>
@@ -25560,7 +25461,7 @@
           <p:nvPr>
             <p:extLst>
               <p:ext uri="{386F3935-93C4-4BCD-93E2-E3B085C9AB24}">
-                <p16:designElem xmlns:p16="http://schemas.microsoft.com/office/powerpoint/2015/main" xmlns="" val="1"/>
+                <p16:designElem xmlns:p16="http://schemas.microsoft.com/office/powerpoint/2015/main" val="1"/>
               </p:ext>
             </p:extLst>
           </p:nvPr>
@@ -25597,7 +25498,7 @@
           <p:cNvPr id="4" name="Title 1">
             <a:extLst>
               <a:ext uri="{FF2B5EF4-FFF2-40B4-BE49-F238E27FC236}">
-                <a16:creationId xmlns:a16="http://schemas.microsoft.com/office/drawing/2014/main" xmlns="" id="{C89361B9-38E7-4A10-AF37-A0EA19E90AC3}"/>
+                <a16:creationId xmlns:a16="http://schemas.microsoft.com/office/drawing/2014/main" id="{C89361B9-38E7-4A10-AF37-A0EA19E90AC3}"/>
               </a:ext>
             </a:extLst>
           </p:cNvPr>
@@ -25621,7 +25522,7 @@
           <a:lstStyle/>
           <a:p>
             <a:r>
-              <a:rPr lang="en-US" sz="4000" b="1" kern="1200">
+              <a:rPr lang="en-US" sz="4000" b="1" kern="1200" dirty="0">
                 <a:solidFill>
                   <a:srgbClr val="FFFFFF"/>
                 </a:solidFill>
@@ -25639,7 +25540,7 @@
           <p:cNvPr id="5" name="Rectangle 4">
             <a:extLst>
               <a:ext uri="{FF2B5EF4-FFF2-40B4-BE49-F238E27FC236}">
-                <a16:creationId xmlns:a16="http://schemas.microsoft.com/office/drawing/2014/main" xmlns="" id="{7A7E877C-7D21-416F-9CDF-44984CFEA783}"/>
+                <a16:creationId xmlns:a16="http://schemas.microsoft.com/office/drawing/2014/main" id="{7A7E877C-7D21-416F-9CDF-44984CFEA783}"/>
               </a:ext>
             </a:extLst>
           </p:cNvPr>
@@ -25648,8 +25549,8 @@
         </p:nvSpPr>
         <p:spPr>
           <a:xfrm>
-            <a:off x="732757" y="2012494"/>
-            <a:ext cx="10907863" cy="4045115"/>
+            <a:off x="732757" y="2243851"/>
+            <a:ext cx="10907863" cy="4322202"/>
           </a:xfrm>
           <a:prstGeom prst="rect">
             <a:avLst/>
@@ -25657,7 +25558,7 @@
         </p:spPr>
         <p:txBody>
           <a:bodyPr vert="horz" lIns="91440" tIns="45720" rIns="91440" bIns="45720" rtlCol="0" anchor="ctr">
-            <a:normAutofit fontScale="92500"/>
+            <a:noAutofit/>
           </a:bodyPr>
           <a:lstStyle/>
           <a:p>
@@ -25677,7 +25578,7 @@
                 <a:tab pos="914400" algn="l"/>
               </a:tabLst>
             </a:pPr>
-            <a:endParaRPr lang="en-US" sz="1900" dirty="0">
+            <a:endParaRPr lang="en-US" sz="1400" dirty="0">
               <a:effectLst/>
             </a:endParaRPr>
           </a:p>
@@ -25696,56 +25597,144 @@
               </a:tabLst>
             </a:pPr>
             <a:r>
-              <a:rPr lang="en-US" sz="2000" dirty="0">
+              <a:rPr lang="en-US" sz="1400" dirty="0">
+                <a:latin typeface="Arial" panose="020B0604020202020204" pitchFamily="34" charset="0"/>
+                <a:cs typeface="Arial" panose="020B0604020202020204" pitchFamily="34" charset="0"/>
+              </a:rPr>
+              <a:t>Awarded with Gold Start Awards in Dec’2023 from HDFC Bank for </a:t>
+            </a:r>
+            <a:r>
+              <a:rPr lang="en-IN" sz="1400" kern="100" dirty="0">
+                <a:solidFill>
+                  <a:srgbClr val="000000"/>
+                </a:solidFill>
+                <a:effectLst/>
+                <a:latin typeface="Verdana" panose="020B0604030504040204" pitchFamily="34" charset="0"/>
+                <a:ea typeface="Aptos" panose="020B0004020202020204" pitchFamily="34" charset="0"/>
+                <a:cs typeface="Tahoma" panose="020B0604030504040204" pitchFamily="34" charset="0"/>
+              </a:rPr>
+              <a:t>for </a:t>
+            </a:r>
+            <a:r>
+              <a:rPr lang="en-IN" sz="1400" b="1" kern="100" dirty="0">
+                <a:solidFill>
+                  <a:srgbClr val="000000"/>
+                </a:solidFill>
+                <a:effectLst/>
+                <a:latin typeface="Verdana" panose="020B0604030504040204" pitchFamily="34" charset="0"/>
+                <a:ea typeface="Aptos" panose="020B0004020202020204" pitchFamily="34" charset="0"/>
+                <a:cs typeface="Tahoma" panose="020B0604030504040204" pitchFamily="34" charset="0"/>
+              </a:rPr>
+              <a:t>Best Technical Execution</a:t>
+            </a:r>
+            <a:r>
+              <a:rPr lang="en-IN" sz="1400" kern="100" dirty="0">
+                <a:solidFill>
+                  <a:srgbClr val="000000"/>
+                </a:solidFill>
+                <a:effectLst/>
+                <a:latin typeface="Verdana" panose="020B0604030504040204" pitchFamily="34" charset="0"/>
+                <a:ea typeface="Aptos" panose="020B0004020202020204" pitchFamily="34" charset="0"/>
+                <a:cs typeface="Tahoma" panose="020B0604030504040204" pitchFamily="34" charset="0"/>
+              </a:rPr>
+              <a:t> and </a:t>
+            </a:r>
+            <a:r>
+              <a:rPr lang="en-IN" sz="1400" b="1" kern="100" dirty="0">
+                <a:solidFill>
+                  <a:srgbClr val="000000"/>
+                </a:solidFill>
+                <a:effectLst/>
+                <a:latin typeface="Verdana" panose="020B0604030504040204" pitchFamily="34" charset="0"/>
+                <a:ea typeface="Aptos" panose="020B0004020202020204" pitchFamily="34" charset="0"/>
+                <a:cs typeface="Tahoma" panose="020B0604030504040204" pitchFamily="34" charset="0"/>
+              </a:rPr>
+              <a:t>Coaching</a:t>
+            </a:r>
+            <a:r>
+              <a:rPr lang="en-IN" sz="1400" kern="100" dirty="0">
+                <a:solidFill>
+                  <a:srgbClr val="000000"/>
+                </a:solidFill>
+                <a:effectLst/>
+                <a:latin typeface="Verdana" panose="020B0604030504040204" pitchFamily="34" charset="0"/>
+                <a:ea typeface="Aptos" panose="020B0004020202020204" pitchFamily="34" charset="0"/>
+                <a:cs typeface="Tahoma" panose="020B0604030504040204" pitchFamily="34" charset="0"/>
+              </a:rPr>
+              <a:t> for project  during migration from microservice to container application.</a:t>
+            </a:r>
+            <a:endParaRPr lang="en-IN" sz="1400" kern="100" dirty="0">
+              <a:effectLst/>
+              <a:latin typeface="Aptos" panose="020B0004020202020204" pitchFamily="34" charset="0"/>
+              <a:ea typeface="Aptos" panose="020B0004020202020204" pitchFamily="34" charset="0"/>
+              <a:cs typeface="Times New Roman" panose="02020603050405020304" pitchFamily="18" charset="0"/>
+            </a:endParaRPr>
+          </a:p>
+          <a:p>
+            <a:pPr marL="742950" lvl="1" indent="-228600" algn="just">
+              <a:lnSpc>
+                <a:spcPct val="90000"/>
+              </a:lnSpc>
+              <a:spcAft>
+                <a:spcPts val="600"/>
+              </a:spcAft>
+              <a:buFont typeface="Arial" panose="020B0604020202020204" pitchFamily="34" charset="0"/>
+              <a:buChar char="•"/>
+              <a:tabLst>
+                <a:tab pos="914400" algn="l"/>
+              </a:tabLst>
+            </a:pPr>
+            <a:r>
+              <a:rPr lang="en-US" sz="1400" dirty="0">
                 <a:latin typeface="Arial" panose="020B0604020202020204" pitchFamily="34" charset="0"/>
                 <a:cs typeface="Arial" panose="020B0604020202020204" pitchFamily="34" charset="0"/>
               </a:rPr>
               <a:t>Have been awarded for </a:t>
             </a:r>
             <a:r>
-              <a:rPr lang="en-US" sz="2000" b="1" dirty="0">
+              <a:rPr lang="en-US" sz="1400" b="1" dirty="0">
                 <a:latin typeface="Arial" panose="020B0604020202020204" pitchFamily="34" charset="0"/>
                 <a:cs typeface="Arial" panose="020B0604020202020204" pitchFamily="34" charset="0"/>
               </a:rPr>
               <a:t>Best Mentor </a:t>
             </a:r>
             <a:r>
-              <a:rPr lang="en-US" sz="2000" dirty="0">
+              <a:rPr lang="en-US" sz="1400" dirty="0">
                 <a:latin typeface="Arial" panose="020B0604020202020204" pitchFamily="34" charset="0"/>
                 <a:cs typeface="Arial" panose="020B0604020202020204" pitchFamily="34" charset="0"/>
               </a:rPr>
               <a:t>for year in </a:t>
             </a:r>
             <a:r>
-              <a:rPr lang="en-US" sz="2000" b="1" dirty="0">
+              <a:rPr lang="en-US" sz="1400" b="1" dirty="0">
                 <a:latin typeface="Arial" panose="020B0604020202020204" pitchFamily="34" charset="0"/>
                 <a:cs typeface="Arial" panose="020B0604020202020204" pitchFamily="34" charset="0"/>
               </a:rPr>
               <a:t>March-2020</a:t>
             </a:r>
             <a:r>
-              <a:rPr lang="en-US" sz="2000" dirty="0">
+              <a:rPr lang="en-US" sz="1400" dirty="0">
                 <a:latin typeface="Arial" panose="020B0604020202020204" pitchFamily="34" charset="0"/>
                 <a:cs typeface="Arial" panose="020B0604020202020204" pitchFamily="34" charset="0"/>
               </a:rPr>
               <a:t> for </a:t>
             </a:r>
             <a:r>
-              <a:rPr lang="en-US" sz="2000" b="1" dirty="0">
+              <a:rPr lang="en-US" sz="1400" b="1" dirty="0">
                 <a:latin typeface="Arial" panose="020B0604020202020204" pitchFamily="34" charset="0"/>
                 <a:cs typeface="Arial" panose="020B0604020202020204" pitchFamily="34" charset="0"/>
               </a:rPr>
               <a:t>PSA </a:t>
             </a:r>
             <a:r>
-              <a:rPr lang="en-US" sz="2000" dirty="0">
+              <a:rPr lang="en-US" sz="1400" dirty="0">
                 <a:latin typeface="Arial" panose="020B0604020202020204" pitchFamily="34" charset="0"/>
                 <a:cs typeface="Arial" panose="020B0604020202020204" pitchFamily="34" charset="0"/>
               </a:rPr>
               <a:t>Project</a:t>
             </a:r>
             <a:r>
-              <a:rPr lang="en-US" sz="2000" b="1" dirty="0">
+              <a:rPr lang="en-US" sz="1400" b="1" dirty="0">
                 <a:latin typeface="Arial" panose="020B0604020202020204" pitchFamily="34" charset="0"/>
                 <a:cs typeface="Arial" panose="020B0604020202020204" pitchFamily="34" charset="0"/>
               </a:rPr>
@@ -25766,7 +25755,7 @@
                 <a:tab pos="914400" algn="l"/>
               </a:tabLst>
             </a:pPr>
-            <a:endParaRPr lang="en-US" sz="100" b="1" dirty="0">
+            <a:endParaRPr lang="en-US" sz="1400" b="1" dirty="0">
               <a:latin typeface="Arial" panose="020B0604020202020204" pitchFamily="34" charset="0"/>
               <a:cs typeface="Arial" panose="020B0604020202020204" pitchFamily="34" charset="0"/>
             </a:endParaRPr>
@@ -25786,49 +25775,49 @@
               </a:tabLst>
             </a:pPr>
             <a:r>
-              <a:rPr lang="en-US" sz="2000" dirty="0">
+              <a:rPr lang="en-US" sz="1400" dirty="0">
                 <a:latin typeface="Arial" panose="020B0604020202020204" pitchFamily="34" charset="0"/>
                 <a:cs typeface="Arial" panose="020B0604020202020204" pitchFamily="34" charset="0"/>
               </a:rPr>
               <a:t>I have awarded for the </a:t>
             </a:r>
             <a:r>
-              <a:rPr lang="en-US" sz="2000" b="1" dirty="0">
+              <a:rPr lang="en-US" sz="1400" b="1" dirty="0">
                 <a:latin typeface="Arial" panose="020B0604020202020204" pitchFamily="34" charset="0"/>
                 <a:cs typeface="Arial" panose="020B0604020202020204" pitchFamily="34" charset="0"/>
               </a:rPr>
               <a:t>Best Technical Employee </a:t>
             </a:r>
             <a:r>
-              <a:rPr lang="en-US" sz="2000" dirty="0">
+              <a:rPr lang="en-US" sz="1400" dirty="0">
                 <a:latin typeface="Arial" panose="020B0604020202020204" pitchFamily="34" charset="0"/>
                 <a:cs typeface="Arial" panose="020B0604020202020204" pitchFamily="34" charset="0"/>
               </a:rPr>
               <a:t>of year in </a:t>
             </a:r>
             <a:r>
-              <a:rPr lang="en-US" sz="2000" b="1" dirty="0">
+              <a:rPr lang="en-US" sz="1400" b="1" dirty="0">
                 <a:latin typeface="Arial" panose="020B0604020202020204" pitchFamily="34" charset="0"/>
                 <a:cs typeface="Arial" panose="020B0604020202020204" pitchFamily="34" charset="0"/>
               </a:rPr>
               <a:t>April-2016</a:t>
             </a:r>
             <a:r>
-              <a:rPr lang="en-US" sz="2000" dirty="0">
+              <a:rPr lang="en-US" sz="1400" dirty="0">
                 <a:latin typeface="Arial" panose="020B0604020202020204" pitchFamily="34" charset="0"/>
                 <a:cs typeface="Arial" panose="020B0604020202020204" pitchFamily="34" charset="0"/>
               </a:rPr>
               <a:t> for </a:t>
             </a:r>
             <a:r>
-              <a:rPr lang="en-US" sz="2000" b="1" dirty="0">
+              <a:rPr lang="en-US" sz="1400" b="1" dirty="0">
                 <a:latin typeface="Arial" panose="020B0604020202020204" pitchFamily="34" charset="0"/>
                 <a:cs typeface="Arial" panose="020B0604020202020204" pitchFamily="34" charset="0"/>
               </a:rPr>
               <a:t>PSA</a:t>
             </a:r>
             <a:r>
-              <a:rPr lang="en-US" sz="2000" dirty="0">
+              <a:rPr lang="en-US" sz="1400" dirty="0">
                 <a:latin typeface="Arial" panose="020B0604020202020204" pitchFamily="34" charset="0"/>
                 <a:cs typeface="Arial" panose="020B0604020202020204" pitchFamily="34" charset="0"/>
               </a:rPr>
@@ -25849,7 +25838,7 @@
                 <a:tab pos="914400" algn="l"/>
               </a:tabLst>
             </a:pPr>
-            <a:endParaRPr lang="en-US" sz="100" dirty="0">
+            <a:endParaRPr lang="en-US" sz="1400" dirty="0">
               <a:latin typeface="Arial" panose="020B0604020202020204" pitchFamily="34" charset="0"/>
               <a:cs typeface="Arial" panose="020B0604020202020204" pitchFamily="34" charset="0"/>
             </a:endParaRPr>
@@ -25869,49 +25858,49 @@
               </a:tabLst>
             </a:pPr>
             <a:r>
-              <a:rPr lang="en-US" sz="2000" dirty="0">
+              <a:rPr lang="en-US" sz="1400" dirty="0">
                 <a:latin typeface="Arial" panose="020B0604020202020204" pitchFamily="34" charset="0"/>
                 <a:cs typeface="Arial" panose="020B0604020202020204" pitchFamily="34" charset="0"/>
               </a:rPr>
               <a:t>I have been awarded for </a:t>
             </a:r>
             <a:r>
-              <a:rPr lang="en-US" sz="2000" b="1" dirty="0">
+              <a:rPr lang="en-US" sz="1400" b="1" dirty="0">
                 <a:latin typeface="Arial" panose="020B0604020202020204" pitchFamily="34" charset="0"/>
                 <a:cs typeface="Arial" panose="020B0604020202020204" pitchFamily="34" charset="0"/>
               </a:rPr>
               <a:t>Long Service Award </a:t>
             </a:r>
             <a:r>
-              <a:rPr lang="en-US" sz="2000" dirty="0">
+              <a:rPr lang="en-US" sz="1400" dirty="0">
                 <a:latin typeface="Arial" panose="020B0604020202020204" pitchFamily="34" charset="0"/>
                 <a:cs typeface="Arial" panose="020B0604020202020204" pitchFamily="34" charset="0"/>
               </a:rPr>
               <a:t>in 2016 for </a:t>
             </a:r>
             <a:r>
-              <a:rPr lang="en-US" sz="2000" b="1" dirty="0">
+              <a:rPr lang="en-US" sz="1400" b="1" dirty="0">
                 <a:latin typeface="Arial" panose="020B0604020202020204" pitchFamily="34" charset="0"/>
                 <a:cs typeface="Arial" panose="020B0604020202020204" pitchFamily="34" charset="0"/>
               </a:rPr>
               <a:t>completion</a:t>
             </a:r>
             <a:r>
-              <a:rPr lang="en-US" sz="2000" dirty="0">
+              <a:rPr lang="en-US" sz="1400" dirty="0">
                 <a:latin typeface="Arial" panose="020B0604020202020204" pitchFamily="34" charset="0"/>
                 <a:cs typeface="Arial" panose="020B0604020202020204" pitchFamily="34" charset="0"/>
               </a:rPr>
               <a:t> of </a:t>
             </a:r>
             <a:r>
-              <a:rPr lang="en-US" sz="2000" b="1" dirty="0">
+              <a:rPr lang="en-US" sz="1400" b="1" dirty="0">
                 <a:latin typeface="Arial" panose="020B0604020202020204" pitchFamily="34" charset="0"/>
                 <a:cs typeface="Arial" panose="020B0604020202020204" pitchFamily="34" charset="0"/>
               </a:rPr>
               <a:t>5 Years </a:t>
             </a:r>
             <a:r>
-              <a:rPr lang="en-US" sz="2000" dirty="0">
+              <a:rPr lang="en-US" sz="1400" dirty="0">
                 <a:latin typeface="Arial" panose="020B0604020202020204" pitchFamily="34" charset="0"/>
                 <a:cs typeface="Arial" panose="020B0604020202020204" pitchFamily="34" charset="0"/>
               </a:rPr>
@@ -25932,7 +25921,7 @@
                 <a:tab pos="914400" algn="l"/>
               </a:tabLst>
             </a:pPr>
-            <a:endParaRPr lang="en-US" sz="100" dirty="0">
+            <a:endParaRPr lang="en-US" sz="1400" dirty="0">
               <a:latin typeface="Arial" panose="020B0604020202020204" pitchFamily="34" charset="0"/>
               <a:cs typeface="Arial" panose="020B0604020202020204" pitchFamily="34" charset="0"/>
             </a:endParaRPr>
@@ -25952,49 +25941,49 @@
               </a:tabLst>
             </a:pPr>
             <a:r>
-              <a:rPr lang="en-US" sz="2000" dirty="0">
+              <a:rPr lang="en-US" sz="1400" dirty="0">
                 <a:latin typeface="Arial" panose="020B0604020202020204" pitchFamily="34" charset="0"/>
                 <a:cs typeface="Arial" panose="020B0604020202020204" pitchFamily="34" charset="0"/>
               </a:rPr>
               <a:t>I have been awarded for </a:t>
             </a:r>
             <a:r>
-              <a:rPr lang="en-US" sz="2000" b="1" dirty="0">
+              <a:rPr lang="en-US" sz="1400" b="1" dirty="0">
                 <a:latin typeface="Arial" panose="020B0604020202020204" pitchFamily="34" charset="0"/>
                 <a:cs typeface="Arial" panose="020B0604020202020204" pitchFamily="34" charset="0"/>
               </a:rPr>
               <a:t>Best Technical Document writer </a:t>
             </a:r>
             <a:r>
-              <a:rPr lang="en-US" sz="2000" dirty="0">
+              <a:rPr lang="en-US" sz="1400" dirty="0">
                 <a:latin typeface="Arial" panose="020B0604020202020204" pitchFamily="34" charset="0"/>
                 <a:cs typeface="Arial" panose="020B0604020202020204" pitchFamily="34" charset="0"/>
               </a:rPr>
               <a:t>in year </a:t>
             </a:r>
             <a:r>
-              <a:rPr lang="en-US" sz="2000" b="1" dirty="0">
+              <a:rPr lang="en-US" sz="1400" b="1" dirty="0">
                 <a:latin typeface="Arial" panose="020B0604020202020204" pitchFamily="34" charset="0"/>
                 <a:cs typeface="Arial" panose="020B0604020202020204" pitchFamily="34" charset="0"/>
               </a:rPr>
               <a:t>2014</a:t>
             </a:r>
             <a:r>
-              <a:rPr lang="en-US" sz="2000" dirty="0">
+              <a:rPr lang="en-US" sz="1400" dirty="0">
                 <a:latin typeface="Arial" panose="020B0604020202020204" pitchFamily="34" charset="0"/>
                 <a:cs typeface="Arial" panose="020B0604020202020204" pitchFamily="34" charset="0"/>
               </a:rPr>
               <a:t> for </a:t>
             </a:r>
             <a:r>
-              <a:rPr lang="en-US" sz="2000" b="1" dirty="0">
+              <a:rPr lang="en-US" sz="1400" b="1" dirty="0">
                 <a:latin typeface="Arial" panose="020B0604020202020204" pitchFamily="34" charset="0"/>
                 <a:cs typeface="Arial" panose="020B0604020202020204" pitchFamily="34" charset="0"/>
               </a:rPr>
               <a:t>AIRBUS</a:t>
             </a:r>
             <a:r>
-              <a:rPr lang="en-US" sz="2000" dirty="0">
+              <a:rPr lang="en-US" sz="1400" dirty="0">
                 <a:latin typeface="Arial" panose="020B0604020202020204" pitchFamily="34" charset="0"/>
                 <a:cs typeface="Arial" panose="020B0604020202020204" pitchFamily="34" charset="0"/>
               </a:rPr>
@@ -26015,7 +26004,7 @@
                 <a:tab pos="914400" algn="l"/>
               </a:tabLst>
             </a:pPr>
-            <a:endParaRPr lang="en-US" sz="100" dirty="0">
+            <a:endParaRPr lang="en-US" sz="1400" dirty="0">
               <a:latin typeface="Arial" panose="020B0604020202020204" pitchFamily="34" charset="0"/>
               <a:cs typeface="Arial" panose="020B0604020202020204" pitchFamily="34" charset="0"/>
             </a:endParaRPr>
@@ -26035,42 +26024,42 @@
               </a:tabLst>
             </a:pPr>
             <a:r>
-              <a:rPr lang="en-US" sz="2000" dirty="0">
+              <a:rPr lang="en-US" sz="1400" dirty="0">
                 <a:latin typeface="Arial" panose="020B0604020202020204" pitchFamily="34" charset="0"/>
                 <a:cs typeface="Arial" panose="020B0604020202020204" pitchFamily="34" charset="0"/>
               </a:rPr>
               <a:t>I have been awarded for </a:t>
             </a:r>
             <a:r>
-              <a:rPr lang="en-US" sz="2000" b="1" dirty="0">
+              <a:rPr lang="en-US" sz="1400" b="1" dirty="0">
                 <a:latin typeface="Arial" panose="020B0604020202020204" pitchFamily="34" charset="0"/>
                 <a:cs typeface="Arial" panose="020B0604020202020204" pitchFamily="34" charset="0"/>
               </a:rPr>
               <a:t>Best Automation Script implementation </a:t>
             </a:r>
             <a:r>
-              <a:rPr lang="en-US" sz="2000" dirty="0">
+              <a:rPr lang="en-US" sz="1400" dirty="0">
                 <a:latin typeface="Arial" panose="020B0604020202020204" pitchFamily="34" charset="0"/>
                 <a:cs typeface="Arial" panose="020B0604020202020204" pitchFamily="34" charset="0"/>
               </a:rPr>
               <a:t>in year </a:t>
             </a:r>
             <a:r>
-              <a:rPr lang="en-US" sz="2000" b="1" dirty="0">
+              <a:rPr lang="en-US" sz="1400" b="1" dirty="0">
                 <a:latin typeface="Arial" panose="020B0604020202020204" pitchFamily="34" charset="0"/>
                 <a:cs typeface="Arial" panose="020B0604020202020204" pitchFamily="34" charset="0"/>
               </a:rPr>
               <a:t>2011</a:t>
             </a:r>
             <a:r>
-              <a:rPr lang="en-US" sz="2000" dirty="0">
+              <a:rPr lang="en-US" sz="1400" dirty="0">
                 <a:latin typeface="Arial" panose="020B0604020202020204" pitchFamily="34" charset="0"/>
                 <a:cs typeface="Arial" panose="020B0604020202020204" pitchFamily="34" charset="0"/>
               </a:rPr>
               <a:t> for Forest Lab – </a:t>
             </a:r>
             <a:r>
-              <a:rPr lang="en-US" sz="2000" b="1" dirty="0">
+              <a:rPr lang="en-US" sz="1400" b="1" dirty="0">
                 <a:latin typeface="Arial" panose="020B0604020202020204" pitchFamily="34" charset="0"/>
                 <a:cs typeface="Arial" panose="020B0604020202020204" pitchFamily="34" charset="0"/>
               </a:rPr>
@@ -26091,7 +26080,7 @@
                 <a:tab pos="914400" algn="l"/>
               </a:tabLst>
             </a:pPr>
-            <a:endParaRPr lang="en-US" sz="100" b="1" dirty="0">
+            <a:endParaRPr lang="en-US" sz="1400" b="1" dirty="0">
               <a:latin typeface="Arial" panose="020B0604020202020204" pitchFamily="34" charset="0"/>
               <a:cs typeface="Arial" panose="020B0604020202020204" pitchFamily="34" charset="0"/>
             </a:endParaRPr>
@@ -26111,35 +26100,35 @@
               </a:tabLst>
             </a:pPr>
             <a:r>
-              <a:rPr lang="en-US" sz="2000" dirty="0">
+              <a:rPr lang="en-US" sz="1400" dirty="0">
                 <a:latin typeface="Arial" panose="020B0604020202020204" pitchFamily="34" charset="0"/>
                 <a:cs typeface="Arial" panose="020B0604020202020204" pitchFamily="34" charset="0"/>
               </a:rPr>
               <a:t>I have been awarded for </a:t>
             </a:r>
             <a:r>
-              <a:rPr lang="en-US" sz="2000" b="1" dirty="0">
+              <a:rPr lang="en-US" sz="1400" b="1" dirty="0">
                 <a:latin typeface="Arial" panose="020B0604020202020204" pitchFamily="34" charset="0"/>
                 <a:cs typeface="Arial" panose="020B0604020202020204" pitchFamily="34" charset="0"/>
               </a:rPr>
               <a:t>Great DC Migration Lead </a:t>
             </a:r>
             <a:r>
-              <a:rPr lang="en-US" sz="2000" dirty="0">
+              <a:rPr lang="en-US" sz="1400" dirty="0">
                 <a:latin typeface="Arial" panose="020B0604020202020204" pitchFamily="34" charset="0"/>
                 <a:cs typeface="Arial" panose="020B0604020202020204" pitchFamily="34" charset="0"/>
               </a:rPr>
               <a:t>in year 2009 from </a:t>
             </a:r>
             <a:r>
-              <a:rPr lang="en-US" sz="2000" b="1" dirty="0">
+              <a:rPr lang="en-US" sz="1400" b="1" dirty="0">
                 <a:latin typeface="Arial" panose="020B0604020202020204" pitchFamily="34" charset="0"/>
                 <a:cs typeface="Arial" panose="020B0604020202020204" pitchFamily="34" charset="0"/>
               </a:rPr>
               <a:t>HDFC Bank</a:t>
             </a:r>
             <a:r>
-              <a:rPr lang="en-US" sz="2000" dirty="0">
+              <a:rPr lang="en-US" sz="1400" dirty="0">
                 <a:latin typeface="Arial" panose="020B0604020202020204" pitchFamily="34" charset="0"/>
                 <a:cs typeface="Arial" panose="020B0604020202020204" pitchFamily="34" charset="0"/>
               </a:rPr>
@@ -26160,7 +26149,7 @@
                 <a:tab pos="914400" algn="l"/>
               </a:tabLst>
             </a:pPr>
-            <a:endParaRPr lang="en-US" sz="100" dirty="0">
+            <a:endParaRPr lang="en-US" sz="1400" dirty="0">
               <a:latin typeface="Arial" panose="020B0604020202020204" pitchFamily="34" charset="0"/>
               <a:cs typeface="Arial" panose="020B0604020202020204" pitchFamily="34" charset="0"/>
             </a:endParaRPr>
@@ -26183,49 +26172,49 @@
               </a:tabLst>
             </a:pPr>
             <a:r>
-              <a:rPr lang="en-US" sz="2000" dirty="0">
+              <a:rPr lang="en-US" sz="1400" dirty="0">
                 <a:latin typeface="Arial" panose="020B0604020202020204" pitchFamily="34" charset="0"/>
                 <a:cs typeface="Arial" panose="020B0604020202020204" pitchFamily="34" charset="0"/>
               </a:rPr>
               <a:t>I have been awarded for </a:t>
             </a:r>
             <a:r>
-              <a:rPr lang="en-US" sz="2000" b="1" dirty="0">
+              <a:rPr lang="en-US" sz="1400" b="1" dirty="0">
                 <a:latin typeface="Arial" panose="020B0604020202020204" pitchFamily="34" charset="0"/>
                 <a:cs typeface="Arial" panose="020B0604020202020204" pitchFamily="34" charset="0"/>
               </a:rPr>
               <a:t>Sincere Student </a:t>
             </a:r>
             <a:r>
-              <a:rPr lang="en-US" sz="2000" dirty="0">
+              <a:rPr lang="en-US" sz="1400" dirty="0">
                 <a:latin typeface="Arial" panose="020B0604020202020204" pitchFamily="34" charset="0"/>
                 <a:cs typeface="Arial" panose="020B0604020202020204" pitchFamily="34" charset="0"/>
               </a:rPr>
               <a:t>in Academic </a:t>
             </a:r>
             <a:r>
-              <a:rPr lang="en-US" sz="2000" b="1" dirty="0">
+              <a:rPr lang="en-US" sz="1400" b="1" dirty="0">
                 <a:latin typeface="Arial" panose="020B0604020202020204" pitchFamily="34" charset="0"/>
                 <a:cs typeface="Arial" panose="020B0604020202020204" pitchFamily="34" charset="0"/>
               </a:rPr>
               <a:t>year 1996 </a:t>
             </a:r>
             <a:r>
-              <a:rPr lang="en-US" sz="2000" dirty="0">
+              <a:rPr lang="en-US" sz="1400" dirty="0">
                 <a:latin typeface="Arial" panose="020B0604020202020204" pitchFamily="34" charset="0"/>
                 <a:cs typeface="Arial" panose="020B0604020202020204" pitchFamily="34" charset="0"/>
               </a:rPr>
               <a:t>by </a:t>
             </a:r>
             <a:r>
-              <a:rPr lang="en-US" sz="2000" b="1" dirty="0">
+              <a:rPr lang="en-US" sz="1400" b="1" dirty="0">
                 <a:latin typeface="Arial" panose="020B0604020202020204" pitchFamily="34" charset="0"/>
                 <a:cs typeface="Arial" panose="020B0604020202020204" pitchFamily="34" charset="0"/>
               </a:rPr>
               <a:t>Hindi High School</a:t>
             </a:r>
             <a:r>
-              <a:rPr lang="en-US" sz="2000" dirty="0">
+              <a:rPr lang="en-US" sz="1400" dirty="0">
                 <a:latin typeface="Arial" panose="020B0604020202020204" pitchFamily="34" charset="0"/>
                 <a:cs typeface="Arial" panose="020B0604020202020204" pitchFamily="34" charset="0"/>
               </a:rPr>
@@ -26277,10 +26266,10 @@
           <p:cNvPr id="11" name="Rectangle 10">
             <a:extLst>
               <a:ext uri="{FF2B5EF4-FFF2-40B4-BE49-F238E27FC236}">
-                <a16:creationId xmlns:a16="http://schemas.microsoft.com/office/drawing/2014/main" xmlns="" id="{2E442304-DDBD-4F7B-8017-36BCC863FB40}"/>
+                <a16:creationId xmlns:a16="http://schemas.microsoft.com/office/drawing/2014/main" id="{2E442304-DDBD-4F7B-8017-36BCC863FB40}"/>
               </a:ext>
               <a:ext uri="{C183D7F6-B498-43B3-948B-1728B52AA6E4}">
-                <adec:decorative xmlns:adec="http://schemas.microsoft.com/office/drawing/2017/decorative" xmlns="" val="1"/>
+                <adec:decorative xmlns:adec="http://schemas.microsoft.com/office/drawing/2017/decorative" val="1"/>
               </a:ext>
             </a:extLst>
           </p:cNvPr>
@@ -26290,7 +26279,7 @@
           <p:nvPr>
             <p:extLst>
               <p:ext uri="{386F3935-93C4-4BCD-93E2-E3B085C9AB24}">
-                <p16:designElem xmlns:p16="http://schemas.microsoft.com/office/powerpoint/2015/main" xmlns="" val="1"/>
+                <p16:designElem xmlns:p16="http://schemas.microsoft.com/office/powerpoint/2015/main" val="1"/>
               </p:ext>
             </p:extLst>
           </p:nvPr>
@@ -26337,7 +26326,7 @@
           <p:cNvPr id="6" name="Title 1">
             <a:extLst>
               <a:ext uri="{FF2B5EF4-FFF2-40B4-BE49-F238E27FC236}">
-                <a16:creationId xmlns:a16="http://schemas.microsoft.com/office/drawing/2014/main" xmlns="" id="{920C3931-1198-4D13-93A3-C758C89E54C4}"/>
+                <a16:creationId xmlns:a16="http://schemas.microsoft.com/office/drawing/2014/main" id="{920C3931-1198-4D13-93A3-C758C89E54C4}"/>
               </a:ext>
             </a:extLst>
           </p:cNvPr>
@@ -26373,10 +26362,10 @@
           <p:cNvPr id="13" name="sketch line">
             <a:extLst>
               <a:ext uri="{FF2B5EF4-FFF2-40B4-BE49-F238E27FC236}">
-                <a16:creationId xmlns:a16="http://schemas.microsoft.com/office/drawing/2014/main" xmlns="" id="{5E107275-3853-46FD-A241-DE4355A42675}"/>
+                <a16:creationId xmlns:a16="http://schemas.microsoft.com/office/drawing/2014/main" id="{5E107275-3853-46FD-A241-DE4355A42675}"/>
               </a:ext>
               <a:ext uri="{C183D7F6-B498-43B3-948B-1728B52AA6E4}">
-                <adec:decorative xmlns:adec="http://schemas.microsoft.com/office/drawing/2017/decorative" xmlns="" val="1"/>
+                <adec:decorative xmlns:adec="http://schemas.microsoft.com/office/drawing/2017/decorative" val="1"/>
               </a:ext>
             </a:extLst>
           </p:cNvPr>
@@ -26386,7 +26375,7 @@
           <p:nvPr>
             <p:extLst>
               <p:ext uri="{386F3935-93C4-4BCD-93E2-E3B085C9AB24}">
-                <p16:designElem xmlns:p16="http://schemas.microsoft.com/office/powerpoint/2015/main" xmlns="" val="1"/>
+                <p16:designElem xmlns:p16="http://schemas.microsoft.com/office/powerpoint/2015/main" val="1"/>
               </p:ext>
             </p:extLst>
           </p:nvPr>
@@ -26704,7 +26693,7 @@
             <a:round/>
             <a:extLst>
               <a:ext uri="{C807C97D-BFC1-408E-A445-0C87EB9F89A2}">
-                <ask:lineSketchStyleProps xmlns:ask="http://schemas.microsoft.com/office/drawing/2018/sketchyshapes" xmlns="" sd="1219033472">
+                <ask:lineSketchStyleProps xmlns:ask="http://schemas.microsoft.com/office/drawing/2018/sketchyshapes" sd="1219033472">
                   <a:prstGeom prst="rect">
                     <a:avLst/>
                   </a:prstGeom>
@@ -26746,7 +26735,7 @@
           <p:cNvPr id="4" name="Diagram 3">
             <a:extLst>
               <a:ext uri="{FF2B5EF4-FFF2-40B4-BE49-F238E27FC236}">
-                <a16:creationId xmlns:a16="http://schemas.microsoft.com/office/drawing/2014/main" xmlns="" id="{D535AB70-7259-4B80-90B8-5102D4C186EB}"/>
+                <a16:creationId xmlns:a16="http://schemas.microsoft.com/office/drawing/2014/main" id="{D535AB70-7259-4B80-90B8-5102D4C186EB}"/>
               </a:ext>
             </a:extLst>
           </p:cNvPr>
@@ -26812,10 +26801,10 @@
           <p:cNvPr id="11" name="Rectangle 10">
             <a:extLst>
               <a:ext uri="{FF2B5EF4-FFF2-40B4-BE49-F238E27FC236}">
-                <a16:creationId xmlns:a16="http://schemas.microsoft.com/office/drawing/2014/main" xmlns="" id="{2E442304-DDBD-4F7B-8017-36BCC863FB40}"/>
+                <a16:creationId xmlns:a16="http://schemas.microsoft.com/office/drawing/2014/main" id="{2E442304-DDBD-4F7B-8017-36BCC863FB40}"/>
               </a:ext>
               <a:ext uri="{C183D7F6-B498-43B3-948B-1728B52AA6E4}">
-                <adec:decorative xmlns:adec="http://schemas.microsoft.com/office/drawing/2017/decorative" xmlns="" val="1"/>
+                <adec:decorative xmlns:adec="http://schemas.microsoft.com/office/drawing/2017/decorative" val="1"/>
               </a:ext>
             </a:extLst>
           </p:cNvPr>
@@ -26825,7 +26814,7 @@
           <p:nvPr>
             <p:extLst>
               <p:ext uri="{386F3935-93C4-4BCD-93E2-E3B085C9AB24}">
-                <p16:designElem xmlns:p16="http://schemas.microsoft.com/office/powerpoint/2015/main" xmlns="" val="1"/>
+                <p16:designElem xmlns:p16="http://schemas.microsoft.com/office/powerpoint/2015/main" val="1"/>
               </p:ext>
             </p:extLst>
           </p:nvPr>
@@ -26872,7 +26861,7 @@
           <p:cNvPr id="6" name="Title 1">
             <a:extLst>
               <a:ext uri="{FF2B5EF4-FFF2-40B4-BE49-F238E27FC236}">
-                <a16:creationId xmlns:a16="http://schemas.microsoft.com/office/drawing/2014/main" xmlns="" id="{920C3931-1198-4D13-93A3-C758C89E54C4}"/>
+                <a16:creationId xmlns:a16="http://schemas.microsoft.com/office/drawing/2014/main" id="{920C3931-1198-4D13-93A3-C758C89E54C4}"/>
               </a:ext>
             </a:extLst>
           </p:cNvPr>
@@ -26908,10 +26897,10 @@
           <p:cNvPr id="13" name="sketch line">
             <a:extLst>
               <a:ext uri="{FF2B5EF4-FFF2-40B4-BE49-F238E27FC236}">
-                <a16:creationId xmlns:a16="http://schemas.microsoft.com/office/drawing/2014/main" xmlns="" id="{5E107275-3853-46FD-A241-DE4355A42675}"/>
+                <a16:creationId xmlns:a16="http://schemas.microsoft.com/office/drawing/2014/main" id="{5E107275-3853-46FD-A241-DE4355A42675}"/>
               </a:ext>
               <a:ext uri="{C183D7F6-B498-43B3-948B-1728B52AA6E4}">
-                <adec:decorative xmlns:adec="http://schemas.microsoft.com/office/drawing/2017/decorative" xmlns="" val="1"/>
+                <adec:decorative xmlns:adec="http://schemas.microsoft.com/office/drawing/2017/decorative" val="1"/>
               </a:ext>
             </a:extLst>
           </p:cNvPr>
@@ -26921,7 +26910,7 @@
           <p:nvPr>
             <p:extLst>
               <p:ext uri="{386F3935-93C4-4BCD-93E2-E3B085C9AB24}">
-                <p16:designElem xmlns:p16="http://schemas.microsoft.com/office/powerpoint/2015/main" xmlns="" val="1"/>
+                <p16:designElem xmlns:p16="http://schemas.microsoft.com/office/powerpoint/2015/main" val="1"/>
               </p:ext>
             </p:extLst>
           </p:nvPr>
@@ -27239,7 +27228,7 @@
             <a:round/>
             <a:extLst>
               <a:ext uri="{C807C97D-BFC1-408E-A445-0C87EB9F89A2}">
-                <ask:lineSketchStyleProps xmlns:ask="http://schemas.microsoft.com/office/drawing/2018/sketchyshapes" xmlns="" sd="1219033472">
+                <ask:lineSketchStyleProps xmlns:ask="http://schemas.microsoft.com/office/drawing/2018/sketchyshapes" sd="1219033472">
                   <a:prstGeom prst="rect">
                     <a:avLst/>
                   </a:prstGeom>
@@ -27281,7 +27270,7 @@
           <p:cNvPr id="4" name="Diagram 3">
             <a:extLst>
               <a:ext uri="{FF2B5EF4-FFF2-40B4-BE49-F238E27FC236}">
-                <a16:creationId xmlns:a16="http://schemas.microsoft.com/office/drawing/2014/main" xmlns="" id="{D535AB70-7259-4B80-90B8-5102D4C186EB}"/>
+                <a16:creationId xmlns:a16="http://schemas.microsoft.com/office/drawing/2014/main" id="{D535AB70-7259-4B80-90B8-5102D4C186EB}"/>
               </a:ext>
             </a:extLst>
           </p:cNvPr>
@@ -27289,7 +27278,7 @@
           <p:nvPr>
             <p:extLst>
               <p:ext uri="{D42A27DB-BD31-4B8C-83A1-F6EECF244321}">
-                <p14:modId xmlns:p14="http://schemas.microsoft.com/office/powerpoint/2010/main" val="842444429"/>
+                <p14:modId xmlns:p14="http://schemas.microsoft.com/office/powerpoint/2010/main" val="1110575254"/>
               </p:ext>
             </p:extLst>
           </p:nvPr>
@@ -27347,7 +27336,7 @@
           <p:cNvPr id="4" name="Title 1">
             <a:extLst>
               <a:ext uri="{FF2B5EF4-FFF2-40B4-BE49-F238E27FC236}">
-                <a16:creationId xmlns:a16="http://schemas.microsoft.com/office/drawing/2014/main" xmlns="" id="{C89361B9-38E7-4A10-AF37-A0EA19E90AC3}"/>
+                <a16:creationId xmlns:a16="http://schemas.microsoft.com/office/drawing/2014/main" id="{C89361B9-38E7-4A10-AF37-A0EA19E90AC3}"/>
               </a:ext>
             </a:extLst>
           </p:cNvPr>
@@ -27389,7 +27378,7 @@
           <p:cNvPr id="5" name="Rectangle 4">
             <a:extLst>
               <a:ext uri="{FF2B5EF4-FFF2-40B4-BE49-F238E27FC236}">
-                <a16:creationId xmlns:a16="http://schemas.microsoft.com/office/drawing/2014/main" xmlns="" id="{7A7E877C-7D21-416F-9CDF-44984CFEA783}"/>
+                <a16:creationId xmlns:a16="http://schemas.microsoft.com/office/drawing/2014/main" id="{7A7E877C-7D21-416F-9CDF-44984CFEA783}"/>
               </a:ext>
             </a:extLst>
           </p:cNvPr>
@@ -27732,10 +27721,10 @@
           <p:cNvPr id="21" name="Rectangle 20">
             <a:extLst>
               <a:ext uri="{FF2B5EF4-FFF2-40B4-BE49-F238E27FC236}">
-                <a16:creationId xmlns:a16="http://schemas.microsoft.com/office/drawing/2014/main" xmlns="" id="{59A309A7-1751-4ABE-A3C1-EEC40366AD89}"/>
+                <a16:creationId xmlns:a16="http://schemas.microsoft.com/office/drawing/2014/main" id="{59A309A7-1751-4ABE-A3C1-EEC40366AD89}"/>
               </a:ext>
               <a:ext uri="{C183D7F6-B498-43B3-948B-1728B52AA6E4}">
-                <adec:decorative xmlns:adec="http://schemas.microsoft.com/office/drawing/2017/decorative" xmlns="" val="1"/>
+                <adec:decorative xmlns:adec="http://schemas.microsoft.com/office/drawing/2017/decorative" val="1"/>
               </a:ext>
             </a:extLst>
           </p:cNvPr>
@@ -27745,7 +27734,7 @@
           <p:nvPr>
             <p:extLst>
               <p:ext uri="{386F3935-93C4-4BCD-93E2-E3B085C9AB24}">
-                <p16:designElem xmlns:p16="http://schemas.microsoft.com/office/powerpoint/2015/main" xmlns="" val="1"/>
+                <p16:designElem xmlns:p16="http://schemas.microsoft.com/office/powerpoint/2015/main" val="1"/>
               </p:ext>
             </p:extLst>
           </p:nvPr>
@@ -27795,10 +27784,10 @@
           <p:cNvPr id="23" name="Oval 22">
             <a:extLst>
               <a:ext uri="{FF2B5EF4-FFF2-40B4-BE49-F238E27FC236}">
-                <a16:creationId xmlns:a16="http://schemas.microsoft.com/office/drawing/2014/main" xmlns="" id="{967D8EB6-EAE1-4F9C-B398-83321E287204}"/>
+                <a16:creationId xmlns:a16="http://schemas.microsoft.com/office/drawing/2014/main" id="{967D8EB6-EAE1-4F9C-B398-83321E287204}"/>
               </a:ext>
               <a:ext uri="{C183D7F6-B498-43B3-948B-1728B52AA6E4}">
-                <adec:decorative xmlns:adec="http://schemas.microsoft.com/office/drawing/2017/decorative" xmlns="" val="1"/>
+                <adec:decorative xmlns:adec="http://schemas.microsoft.com/office/drawing/2017/decorative" val="1"/>
               </a:ext>
             </a:extLst>
           </p:cNvPr>
@@ -27808,7 +27797,7 @@
           <p:nvPr>
             <p:extLst>
               <p:ext uri="{386F3935-93C4-4BCD-93E2-E3B085C9AB24}">
-                <p16:designElem xmlns:p16="http://schemas.microsoft.com/office/powerpoint/2015/main" xmlns="" val="1"/>
+                <p16:designElem xmlns:p16="http://schemas.microsoft.com/office/powerpoint/2015/main" val="1"/>
               </p:ext>
             </p:extLst>
           </p:nvPr>
@@ -27860,7 +27849,7 @@
           <p:cNvPr id="18" name="Graphic 17" descr="Eye">
             <a:extLst>
               <a:ext uri="{FF2B5EF4-FFF2-40B4-BE49-F238E27FC236}">
-                <a16:creationId xmlns:a16="http://schemas.microsoft.com/office/drawing/2014/main" xmlns="" id="{8E7C5324-2BF9-4E25-889B-D07FD61DAC54}"/>
+                <a16:creationId xmlns:a16="http://schemas.microsoft.com/office/drawing/2014/main" id="{8E7C5324-2BF9-4E25-889B-D07FD61DAC54}"/>
               </a:ext>
             </a:extLst>
           </p:cNvPr>
@@ -27876,7 +27865,7 @@
                 <a14:useLocalDpi xmlns:a14="http://schemas.microsoft.com/office/drawing/2010/main" val="0"/>
               </a:ext>
               <a:ext uri="{96DAC541-7B7A-43D3-8B79-37D633B846F1}">
-                <asvg:svgBlip xmlns:asvg="http://schemas.microsoft.com/office/drawing/2016/SVG/main" xmlns="" r:embed="rId3"/>
+                <asvg:svgBlip xmlns:asvg="http://schemas.microsoft.com/office/drawing/2016/SVG/main" r:embed="rId3"/>
               </a:ext>
             </a:extLst>
           </a:blip>
@@ -28196,7 +28185,7 @@
   <a:extraClrSchemeLst/>
   <a:extLst>
     <a:ext uri="{05A4C25C-085E-4340-85A3-A5531E510DB2}">
-      <thm15:themeFamily xmlns:thm15="http://schemas.microsoft.com/office/thememl/2012/main" xmlns="" name="Office Theme" id="{62F939B6-93AF-4DB8-9C6B-D6C7DFDC589F}" vid="{4A3C46E8-61CC-4603-A589-7422A47A8E4A}"/>
+      <thm15:themeFamily xmlns:thm15="http://schemas.microsoft.com/office/thememl/2012/main" name="Office Theme" id="{62F939B6-93AF-4DB8-9C6B-D6C7DFDC589F}" vid="{4A3C46E8-61CC-4603-A589-7422A47A8E4A}"/>
     </a:ext>
   </a:extLst>
 </a:theme>
@@ -28491,7 +28480,7 @@
   <a:extraClrSchemeLst/>
   <a:extLst>
     <a:ext uri="{05A4C25C-085E-4340-85A3-A5531E510DB2}">
-      <thm15:themeFamily xmlns:thm15="http://schemas.microsoft.com/office/thememl/2012/main" xmlns="" name="Office Theme" id="{62F939B6-93AF-4DB8-9C6B-D6C7DFDC589F}" vid="{4A3C46E8-61CC-4603-A589-7422A47A8E4A}"/>
+      <thm15:themeFamily xmlns:thm15="http://schemas.microsoft.com/office/thememl/2012/main" name="Office Theme" id="{62F939B6-93AF-4DB8-9C6B-D6C7DFDC589F}" vid="{4A3C46E8-61CC-4603-A589-7422A47A8E4A}"/>
     </a:ext>
   </a:extLst>
 </a:theme>
